--- a/docs/Android Permission.pptx
+++ b/docs/Android Permission.pptx
@@ -1,29 +1,40 @@
 
 <file path=ppt/presentation.xml><?xml version="1.0" encoding="utf-8"?>
-<p:presentation xmlns:a="http://schemas.openxmlformats.org/drawingml/2006/main" xmlns:r="http://schemas.openxmlformats.org/officeDocument/2006/relationships" xmlns:mc="http://schemas.openxmlformats.org/markup-compatibility/2006" xmlns:mv="urn:schemas-microsoft-com:mac:vml" xmlns:p="http://schemas.openxmlformats.org/presentationml/2006/main" xmlns:c="http://schemas.openxmlformats.org/drawingml/2006/chart" xmlns:dgm="http://schemas.openxmlformats.org/drawingml/2006/diagram" xmlns:o="urn:schemas-microsoft-com:office:office" xmlns:v="urn:schemas-microsoft-com:vml" xmlns:pvml="urn:schemas-microsoft-com:office:powerpoint" xmlns:com="http://schemas.openxmlformats.org/drawingml/2006/compatibility" xmlns:p14="http://schemas.microsoft.com/office/powerpoint/2010/main" xmlns:p15="http://schemas.microsoft.com/office/powerpoint/2012/main" autoCompressPictures="0" strictFirstAndLastChars="0" saveSubsetFonts="1">
+<p:presentation xmlns:a="http://schemas.openxmlformats.org/drawingml/2006/main" xmlns:r="http://schemas.openxmlformats.org/officeDocument/2006/relationships" xmlns:p="http://schemas.openxmlformats.org/presentationml/2006/main" strictFirstAndLastChars="0" saveSubsetFonts="1" autoCompressPictures="0">
   <p:sldMasterIdLst>
-    <p:sldMasterId id="2147483659" r:id="rId4"/>
+    <p:sldMasterId id="2147483659" r:id="rId1"/>
   </p:sldMasterIdLst>
   <p:notesMasterIdLst>
-    <p:notesMasterId r:id="rId5"/>
+    <p:notesMasterId r:id="rId24"/>
   </p:notesMasterIdLst>
   <p:sldIdLst>
-    <p:sldId id="256" r:id="rId6"/>
-    <p:sldId id="257" r:id="rId7"/>
-    <p:sldId id="258" r:id="rId8"/>
-    <p:sldId id="259" r:id="rId9"/>
-    <p:sldId id="260" r:id="rId10"/>
-    <p:sldId id="261" r:id="rId11"/>
-    <p:sldId id="262" r:id="rId12"/>
-    <p:sldId id="263" r:id="rId13"/>
-    <p:sldId id="264" r:id="rId14"/>
-    <p:sldId id="265" r:id="rId15"/>
-    <p:sldId id="266" r:id="rId16"/>
+    <p:sldId id="256" r:id="rId2"/>
+    <p:sldId id="257" r:id="rId3"/>
+    <p:sldId id="261" r:id="rId4"/>
+    <p:sldId id="267" r:id="rId5"/>
+    <p:sldId id="268" r:id="rId6"/>
+    <p:sldId id="274" r:id="rId7"/>
+    <p:sldId id="275" r:id="rId8"/>
+    <p:sldId id="276" r:id="rId9"/>
+    <p:sldId id="269" r:id="rId10"/>
+    <p:sldId id="277" r:id="rId11"/>
+    <p:sldId id="270" r:id="rId12"/>
+    <p:sldId id="271" r:id="rId13"/>
+    <p:sldId id="272" r:id="rId14"/>
+    <p:sldId id="273" r:id="rId15"/>
+    <p:sldId id="259" r:id="rId16"/>
+    <p:sldId id="258" r:id="rId17"/>
+    <p:sldId id="260" r:id="rId18"/>
+    <p:sldId id="262" r:id="rId19"/>
+    <p:sldId id="263" r:id="rId20"/>
+    <p:sldId id="264" r:id="rId21"/>
+    <p:sldId id="265" r:id="rId22"/>
+    <p:sldId id="266" r:id="rId23"/>
   </p:sldIdLst>
-  <p:sldSz cy="5143500" cx="9144000"/>
+  <p:sldSz cx="9144000" cy="5143500" type="screen16x9"/>
   <p:notesSz cx="6858000" cy="9144000"/>
   <p:defaultTextStyle>
-    <a:defPPr lvl="0" marR="0" rtl="0" algn="l">
+    <a:defPPr marR="0" lvl="0" algn="l" rtl="0">
       <a:lnSpc>
         <a:spcPct val="100000"/>
       </a:lnSpc>
@@ -34,7 +45,7 @@
         <a:spcPts val="0"/>
       </a:spcAft>
     </a:defPPr>
-    <a:lvl1pPr lvl="0" marR="0" rtl="0" algn="l">
+    <a:lvl1pPr marR="0" lvl="0" algn="l" rtl="0">
       <a:lnSpc>
         <a:spcPct val="100000"/>
       </a:lnSpc>
@@ -48,7 +59,7 @@
         <a:srgbClr val="000000"/>
       </a:buClr>
       <a:buFont typeface="Arial"/>
-      <a:defRPr b="0" i="0" sz="1400" u="none" cap="none" strike="noStrike">
+      <a:defRPr sz="1400" b="0" i="0" u="none" strike="noStrike" cap="none">
         <a:solidFill>
           <a:srgbClr val="000000"/>
         </a:solidFill>
@@ -58,7 +69,7 @@
         <a:sym typeface="Arial"/>
       </a:defRPr>
     </a:lvl1pPr>
-    <a:lvl2pPr lvl="1" marR="0" rtl="0" algn="l">
+    <a:lvl2pPr marR="0" lvl="1" algn="l" rtl="0">
       <a:lnSpc>
         <a:spcPct val="100000"/>
       </a:lnSpc>
@@ -72,7 +83,7 @@
         <a:srgbClr val="000000"/>
       </a:buClr>
       <a:buFont typeface="Arial"/>
-      <a:defRPr b="0" i="0" sz="1400" u="none" cap="none" strike="noStrike">
+      <a:defRPr sz="1400" b="0" i="0" u="none" strike="noStrike" cap="none">
         <a:solidFill>
           <a:srgbClr val="000000"/>
         </a:solidFill>
@@ -82,7 +93,7 @@
         <a:sym typeface="Arial"/>
       </a:defRPr>
     </a:lvl2pPr>
-    <a:lvl3pPr lvl="2" marR="0" rtl="0" algn="l">
+    <a:lvl3pPr marR="0" lvl="2" algn="l" rtl="0">
       <a:lnSpc>
         <a:spcPct val="100000"/>
       </a:lnSpc>
@@ -96,7 +107,7 @@
         <a:srgbClr val="000000"/>
       </a:buClr>
       <a:buFont typeface="Arial"/>
-      <a:defRPr b="0" i="0" sz="1400" u="none" cap="none" strike="noStrike">
+      <a:defRPr sz="1400" b="0" i="0" u="none" strike="noStrike" cap="none">
         <a:solidFill>
           <a:srgbClr val="000000"/>
         </a:solidFill>
@@ -106,7 +117,7 @@
         <a:sym typeface="Arial"/>
       </a:defRPr>
     </a:lvl3pPr>
-    <a:lvl4pPr lvl="3" marR="0" rtl="0" algn="l">
+    <a:lvl4pPr marR="0" lvl="3" algn="l" rtl="0">
       <a:lnSpc>
         <a:spcPct val="100000"/>
       </a:lnSpc>
@@ -120,7 +131,7 @@
         <a:srgbClr val="000000"/>
       </a:buClr>
       <a:buFont typeface="Arial"/>
-      <a:defRPr b="0" i="0" sz="1400" u="none" cap="none" strike="noStrike">
+      <a:defRPr sz="1400" b="0" i="0" u="none" strike="noStrike" cap="none">
         <a:solidFill>
           <a:srgbClr val="000000"/>
         </a:solidFill>
@@ -130,7 +141,7 @@
         <a:sym typeface="Arial"/>
       </a:defRPr>
     </a:lvl4pPr>
-    <a:lvl5pPr lvl="4" marR="0" rtl="0" algn="l">
+    <a:lvl5pPr marR="0" lvl="4" algn="l" rtl="0">
       <a:lnSpc>
         <a:spcPct val="100000"/>
       </a:lnSpc>
@@ -144,7 +155,7 @@
         <a:srgbClr val="000000"/>
       </a:buClr>
       <a:buFont typeface="Arial"/>
-      <a:defRPr b="0" i="0" sz="1400" u="none" cap="none" strike="noStrike">
+      <a:defRPr sz="1400" b="0" i="0" u="none" strike="noStrike" cap="none">
         <a:solidFill>
           <a:srgbClr val="000000"/>
         </a:solidFill>
@@ -154,7 +165,7 @@
         <a:sym typeface="Arial"/>
       </a:defRPr>
     </a:lvl5pPr>
-    <a:lvl6pPr lvl="5" marR="0" rtl="0" algn="l">
+    <a:lvl6pPr marR="0" lvl="5" algn="l" rtl="0">
       <a:lnSpc>
         <a:spcPct val="100000"/>
       </a:lnSpc>
@@ -168,7 +179,7 @@
         <a:srgbClr val="000000"/>
       </a:buClr>
       <a:buFont typeface="Arial"/>
-      <a:defRPr b="0" i="0" sz="1400" u="none" cap="none" strike="noStrike">
+      <a:defRPr sz="1400" b="0" i="0" u="none" strike="noStrike" cap="none">
         <a:solidFill>
           <a:srgbClr val="000000"/>
         </a:solidFill>
@@ -178,7 +189,7 @@
         <a:sym typeface="Arial"/>
       </a:defRPr>
     </a:lvl6pPr>
-    <a:lvl7pPr lvl="6" marR="0" rtl="0" algn="l">
+    <a:lvl7pPr marR="0" lvl="6" algn="l" rtl="0">
       <a:lnSpc>
         <a:spcPct val="100000"/>
       </a:lnSpc>
@@ -192,7 +203,7 @@
         <a:srgbClr val="000000"/>
       </a:buClr>
       <a:buFont typeface="Arial"/>
-      <a:defRPr b="0" i="0" sz="1400" u="none" cap="none" strike="noStrike">
+      <a:defRPr sz="1400" b="0" i="0" u="none" strike="noStrike" cap="none">
         <a:solidFill>
           <a:srgbClr val="000000"/>
         </a:solidFill>
@@ -202,7 +213,7 @@
         <a:sym typeface="Arial"/>
       </a:defRPr>
     </a:lvl7pPr>
-    <a:lvl8pPr lvl="7" marR="0" rtl="0" algn="l">
+    <a:lvl8pPr marR="0" lvl="7" algn="l" rtl="0">
       <a:lnSpc>
         <a:spcPct val="100000"/>
       </a:lnSpc>
@@ -216,7 +227,7 @@
         <a:srgbClr val="000000"/>
       </a:buClr>
       <a:buFont typeface="Arial"/>
-      <a:defRPr b="0" i="0" sz="1400" u="none" cap="none" strike="noStrike">
+      <a:defRPr sz="1400" b="0" i="0" u="none" strike="noStrike" cap="none">
         <a:solidFill>
           <a:srgbClr val="000000"/>
         </a:solidFill>
@@ -226,7 +237,7 @@
         <a:sym typeface="Arial"/>
       </a:defRPr>
     </a:lvl8pPr>
-    <a:lvl9pPr lvl="8" marR="0" rtl="0" algn="l">
+    <a:lvl9pPr marR="0" lvl="8" algn="l" rtl="0">
       <a:lnSpc>
         <a:spcPct val="100000"/>
       </a:lnSpc>
@@ -240,7 +251,7 @@
         <a:srgbClr val="000000"/>
       </a:buClr>
       <a:buFont typeface="Arial"/>
-      <a:defRPr b="0" i="0" sz="1400" u="none" cap="none" strike="noStrike">
+      <a:defRPr sz="1400" b="0" i="0" u="none" strike="noStrike" cap="none">
         <a:solidFill>
           <a:srgbClr val="000000"/>
         </a:solidFill>
@@ -253,7 +264,7 @@
   </p:defaultTextStyle>
   <p:extLst>
     <p:ext uri="{EFAFB233-063F-42B5-8137-9DF3F51BA10A}">
-      <p15:sldGuideLst>
+      <p15:sldGuideLst xmlns:p15="http://schemas.microsoft.com/office/powerpoint/2012/main">
         <p15:guide id="1" orient="horz" pos="1620">
           <p15:clr>
             <a:srgbClr val="A4A3A4"/>
@@ -271,11 +282,16 @@
 </file>
 
 <file path=ppt/notesMasters/notesMaster1.xml><?xml version="1.0" encoding="utf-8"?>
-<p:notesMaster xmlns:a="http://schemas.openxmlformats.org/drawingml/2006/main" xmlns:r="http://schemas.openxmlformats.org/officeDocument/2006/relationships" xmlns:mc="http://schemas.openxmlformats.org/markup-compatibility/2006" xmlns:mv="urn:schemas-microsoft-com:mac:vml" xmlns:p="http://schemas.openxmlformats.org/presentationml/2006/main" xmlns:c="http://schemas.openxmlformats.org/drawingml/2006/chart" xmlns:dgm="http://schemas.openxmlformats.org/drawingml/2006/diagram" xmlns:o="urn:schemas-microsoft-com:office:office" xmlns:v="urn:schemas-microsoft-com:vml" xmlns:pvml="urn:schemas-microsoft-com:office:powerpoint" xmlns:com="http://schemas.openxmlformats.org/drawingml/2006/compatibility" xmlns:p14="http://schemas.microsoft.com/office/powerpoint/2010/main" xmlns:p15="http://schemas.microsoft.com/office/powerpoint/2012/main">
+<p:notesMaster xmlns:a="http://schemas.openxmlformats.org/drawingml/2006/main" xmlns:r="http://schemas.openxmlformats.org/officeDocument/2006/relationships" xmlns:p="http://schemas.openxmlformats.org/presentationml/2006/main">
   <p:cSld>
+    <p:bg>
+      <p:bgRef idx="1001">
+        <a:schemeClr val="bg1"/>
+      </p:bgRef>
+    </p:bg>
     <p:spTree>
       <p:nvGrpSpPr>
-        <p:cNvPr id="2" name="Shape 2"/>
+        <p:cNvPr id="1" name="Shape 2"/>
         <p:cNvGrpSpPr/>
         <p:nvPr/>
       </p:nvGrpSpPr>
@@ -290,9 +306,11 @@
       <p:sp>
         <p:nvSpPr>
           <p:cNvPr id="3" name="Shape 3"/>
-          <p:cNvSpPr/>
+          <p:cNvSpPr>
+            <a:spLocks noGrp="1" noRot="1" noChangeAspect="1"/>
+          </p:cNvSpPr>
           <p:nvPr>
-            <p:ph idx="2" type="sldImg"/>
+            <p:ph type="sldImg" idx="2"/>
           </p:nvPr>
         </p:nvSpPr>
         <p:spPr>
@@ -301,8 +319,13 @@
             <a:ext cx="6096075" cy="3429000"/>
           </a:xfrm>
           <a:custGeom>
+            <a:avLst/>
+            <a:gdLst/>
+            <a:ahLst/>
+            <a:cxnLst/>
+            <a:rect l="0" t="0" r="0" b="0"/>
             <a:pathLst>
-              <a:path extrusionOk="0" h="120000" w="120000">
+              <a:path w="120000" h="120000" extrusionOk="0">
                 <a:moveTo>
                   <a:pt x="0" y="0"/>
                 </a:moveTo>
@@ -320,23 +343,25 @@
             </a:pathLst>
           </a:custGeom>
           <a:noFill/>
-          <a:ln cap="flat" cmpd="sng" w="9525">
+          <a:ln w="9525" cap="flat" cmpd="sng">
             <a:solidFill>
               <a:srgbClr val="000000"/>
             </a:solidFill>
             <a:prstDash val="solid"/>
             <a:round/>
-            <a:headEnd len="sm" w="sm" type="none"/>
-            <a:tailEnd len="sm" w="sm" type="none"/>
+            <a:headEnd type="none" w="sm" len="sm"/>
+            <a:tailEnd type="none" w="sm" len="sm"/>
           </a:ln>
         </p:spPr>
       </p:sp>
       <p:sp>
         <p:nvSpPr>
           <p:cNvPr id="4" name="Shape 4"/>
-          <p:cNvSpPr txBox="1"/>
+          <p:cNvSpPr txBox="1">
+            <a:spLocks noGrp="1"/>
+          </p:cNvSpPr>
           <p:nvPr>
-            <p:ph idx="1" type="body"/>
+            <p:ph type="body" idx="1"/>
           </p:nvPr>
         </p:nvSpPr>
         <p:spPr>
@@ -353,9 +378,9 @@
           </a:ln>
         </p:spPr>
         <p:txBody>
-          <a:bodyPr anchorCtr="0" anchor="t" bIns="91425" lIns="91425" spcFirstLastPara="1" rIns="91425" wrap="square" tIns="91425"/>
+          <a:bodyPr spcFirstLastPara="1" wrap="square" lIns="91425" tIns="91425" rIns="91425" bIns="91425" anchor="t" anchorCtr="0"/>
           <a:lstStyle>
-            <a:lvl1pPr indent="-298450" lvl="0" marL="457200">
+            <a:lvl1pPr marL="457200" lvl="0" indent="-298450">
               <a:spcBef>
                 <a:spcPts val="0"/>
               </a:spcBef>
@@ -366,7 +391,7 @@
               <a:buChar char="●"/>
               <a:defRPr sz="1100"/>
             </a:lvl1pPr>
-            <a:lvl2pPr indent="-298450" lvl="1" marL="914400">
+            <a:lvl2pPr marL="914400" lvl="1" indent="-298450">
               <a:spcBef>
                 <a:spcPts val="0"/>
               </a:spcBef>
@@ -377,7 +402,7 @@
               <a:buChar char="○"/>
               <a:defRPr sz="1100"/>
             </a:lvl2pPr>
-            <a:lvl3pPr indent="-298450" lvl="2" marL="1371600">
+            <a:lvl3pPr marL="1371600" lvl="2" indent="-298450">
               <a:spcBef>
                 <a:spcPts val="0"/>
               </a:spcBef>
@@ -388,7 +413,7 @@
               <a:buChar char="■"/>
               <a:defRPr sz="1100"/>
             </a:lvl3pPr>
-            <a:lvl4pPr indent="-298450" lvl="3" marL="1828800">
+            <a:lvl4pPr marL="1828800" lvl="3" indent="-298450">
               <a:spcBef>
                 <a:spcPts val="0"/>
               </a:spcBef>
@@ -399,7 +424,7 @@
               <a:buChar char="●"/>
               <a:defRPr sz="1100"/>
             </a:lvl4pPr>
-            <a:lvl5pPr indent="-298450" lvl="4" marL="2286000">
+            <a:lvl5pPr marL="2286000" lvl="4" indent="-298450">
               <a:spcBef>
                 <a:spcPts val="0"/>
               </a:spcBef>
@@ -410,7 +435,7 @@
               <a:buChar char="○"/>
               <a:defRPr sz="1100"/>
             </a:lvl5pPr>
-            <a:lvl6pPr indent="-298450" lvl="5" marL="2743200">
+            <a:lvl6pPr marL="2743200" lvl="5" indent="-298450">
               <a:spcBef>
                 <a:spcPts val="0"/>
               </a:spcBef>
@@ -421,7 +446,7 @@
               <a:buChar char="■"/>
               <a:defRPr sz="1100"/>
             </a:lvl6pPr>
-            <a:lvl7pPr indent="-298450" lvl="6" marL="3200400">
+            <a:lvl7pPr marL="3200400" lvl="6" indent="-298450">
               <a:spcBef>
                 <a:spcPts val="0"/>
               </a:spcBef>
@@ -432,7 +457,7 @@
               <a:buChar char="●"/>
               <a:defRPr sz="1100"/>
             </a:lvl7pPr>
-            <a:lvl8pPr indent="-298450" lvl="7" marL="3657600">
+            <a:lvl8pPr marL="3657600" lvl="7" indent="-298450">
               <a:spcBef>
                 <a:spcPts val="0"/>
               </a:spcBef>
@@ -443,7 +468,7 @@
               <a:buChar char="○"/>
               <a:defRPr sz="1100"/>
             </a:lvl8pPr>
-            <a:lvl9pPr indent="-298450" lvl="8" marL="4114800">
+            <a:lvl9pPr marL="4114800" lvl="8" indent="-298450">
               <a:spcBef>
                 <a:spcPts val="0"/>
               </a:spcBef>
@@ -455,14 +480,21 @@
               <a:defRPr sz="1100"/>
             </a:lvl9pPr>
           </a:lstStyle>
-          <a:p/>
+          <a:p>
+            <a:endParaRPr/>
+          </a:p>
         </p:txBody>
       </p:sp>
     </p:spTree>
+    <p:extLst>
+      <p:ext uri="{BB962C8B-B14F-4D97-AF65-F5344CB8AC3E}">
+        <p14:creationId xmlns:p14="http://schemas.microsoft.com/office/powerpoint/2010/main" val="2060347780"/>
+      </p:ext>
+    </p:extLst>
   </p:cSld>
-  <p:clrMap accent1="accent1" accent2="accent2" accent3="accent3" accent4="accent4" accent5="accent5" accent6="accent6" bg1="lt1" bg2="dk2" tx1="dk1" tx2="lt2" folHlink="folHlink" hlink="hlink"/>
+  <p:clrMap bg1="lt1" tx1="dk1" bg2="dk2" tx2="lt2" accent1="accent1" accent2="accent2" accent3="accent3" accent4="accent4" accent5="accent5" accent6="accent6" hlink="hlink" folHlink="folHlink"/>
   <p:notesStyle>
-    <a:defPPr lvl="0" marR="0" rtl="0" algn="l">
+    <a:defPPr marR="0" lvl="0" algn="l" rtl="0">
       <a:lnSpc>
         <a:spcPct val="100000"/>
       </a:lnSpc>
@@ -473,7 +505,7 @@
         <a:spcPts val="0"/>
       </a:spcAft>
     </a:defPPr>
-    <a:lvl1pPr lvl="0" marR="0" rtl="0" algn="l">
+    <a:lvl1pPr marR="0" lvl="0" algn="l" rtl="0">
       <a:lnSpc>
         <a:spcPct val="100000"/>
       </a:lnSpc>
@@ -487,7 +519,7 @@
         <a:srgbClr val="000000"/>
       </a:buClr>
       <a:buFont typeface="Arial"/>
-      <a:defRPr b="0" i="0" sz="1400" u="none" cap="none" strike="noStrike">
+      <a:defRPr sz="1400" b="0" i="0" u="none" strike="noStrike" cap="none">
         <a:solidFill>
           <a:srgbClr val="000000"/>
         </a:solidFill>
@@ -497,7 +529,7 @@
         <a:sym typeface="Arial"/>
       </a:defRPr>
     </a:lvl1pPr>
-    <a:lvl2pPr lvl="1" marR="0" rtl="0" algn="l">
+    <a:lvl2pPr marR="0" lvl="1" algn="l" rtl="0">
       <a:lnSpc>
         <a:spcPct val="100000"/>
       </a:lnSpc>
@@ -511,7 +543,7 @@
         <a:srgbClr val="000000"/>
       </a:buClr>
       <a:buFont typeface="Arial"/>
-      <a:defRPr b="0" i="0" sz="1400" u="none" cap="none" strike="noStrike">
+      <a:defRPr sz="1400" b="0" i="0" u="none" strike="noStrike" cap="none">
         <a:solidFill>
           <a:srgbClr val="000000"/>
         </a:solidFill>
@@ -521,7 +553,7 @@
         <a:sym typeface="Arial"/>
       </a:defRPr>
     </a:lvl2pPr>
-    <a:lvl3pPr lvl="2" marR="0" rtl="0" algn="l">
+    <a:lvl3pPr marR="0" lvl="2" algn="l" rtl="0">
       <a:lnSpc>
         <a:spcPct val="100000"/>
       </a:lnSpc>
@@ -535,7 +567,7 @@
         <a:srgbClr val="000000"/>
       </a:buClr>
       <a:buFont typeface="Arial"/>
-      <a:defRPr b="0" i="0" sz="1400" u="none" cap="none" strike="noStrike">
+      <a:defRPr sz="1400" b="0" i="0" u="none" strike="noStrike" cap="none">
         <a:solidFill>
           <a:srgbClr val="000000"/>
         </a:solidFill>
@@ -545,7 +577,7 @@
         <a:sym typeface="Arial"/>
       </a:defRPr>
     </a:lvl3pPr>
-    <a:lvl4pPr lvl="3" marR="0" rtl="0" algn="l">
+    <a:lvl4pPr marR="0" lvl="3" algn="l" rtl="0">
       <a:lnSpc>
         <a:spcPct val="100000"/>
       </a:lnSpc>
@@ -559,7 +591,7 @@
         <a:srgbClr val="000000"/>
       </a:buClr>
       <a:buFont typeface="Arial"/>
-      <a:defRPr b="0" i="0" sz="1400" u="none" cap="none" strike="noStrike">
+      <a:defRPr sz="1400" b="0" i="0" u="none" strike="noStrike" cap="none">
         <a:solidFill>
           <a:srgbClr val="000000"/>
         </a:solidFill>
@@ -569,7 +601,7 @@
         <a:sym typeface="Arial"/>
       </a:defRPr>
     </a:lvl4pPr>
-    <a:lvl5pPr lvl="4" marR="0" rtl="0" algn="l">
+    <a:lvl5pPr marR="0" lvl="4" algn="l" rtl="0">
       <a:lnSpc>
         <a:spcPct val="100000"/>
       </a:lnSpc>
@@ -583,7 +615,7 @@
         <a:srgbClr val="000000"/>
       </a:buClr>
       <a:buFont typeface="Arial"/>
-      <a:defRPr b="0" i="0" sz="1400" u="none" cap="none" strike="noStrike">
+      <a:defRPr sz="1400" b="0" i="0" u="none" strike="noStrike" cap="none">
         <a:solidFill>
           <a:srgbClr val="000000"/>
         </a:solidFill>
@@ -593,7 +625,7 @@
         <a:sym typeface="Arial"/>
       </a:defRPr>
     </a:lvl5pPr>
-    <a:lvl6pPr lvl="5" marR="0" rtl="0" algn="l">
+    <a:lvl6pPr marR="0" lvl="5" algn="l" rtl="0">
       <a:lnSpc>
         <a:spcPct val="100000"/>
       </a:lnSpc>
@@ -607,7 +639,7 @@
         <a:srgbClr val="000000"/>
       </a:buClr>
       <a:buFont typeface="Arial"/>
-      <a:defRPr b="0" i="0" sz="1400" u="none" cap="none" strike="noStrike">
+      <a:defRPr sz="1400" b="0" i="0" u="none" strike="noStrike" cap="none">
         <a:solidFill>
           <a:srgbClr val="000000"/>
         </a:solidFill>
@@ -617,7 +649,7 @@
         <a:sym typeface="Arial"/>
       </a:defRPr>
     </a:lvl6pPr>
-    <a:lvl7pPr lvl="6" marR="0" rtl="0" algn="l">
+    <a:lvl7pPr marR="0" lvl="6" algn="l" rtl="0">
       <a:lnSpc>
         <a:spcPct val="100000"/>
       </a:lnSpc>
@@ -631,7 +663,7 @@
         <a:srgbClr val="000000"/>
       </a:buClr>
       <a:buFont typeface="Arial"/>
-      <a:defRPr b="0" i="0" sz="1400" u="none" cap="none" strike="noStrike">
+      <a:defRPr sz="1400" b="0" i="0" u="none" strike="noStrike" cap="none">
         <a:solidFill>
           <a:srgbClr val="000000"/>
         </a:solidFill>
@@ -641,7 +673,7 @@
         <a:sym typeface="Arial"/>
       </a:defRPr>
     </a:lvl7pPr>
-    <a:lvl8pPr lvl="7" marR="0" rtl="0" algn="l">
+    <a:lvl8pPr marR="0" lvl="7" algn="l" rtl="0">
       <a:lnSpc>
         <a:spcPct val="100000"/>
       </a:lnSpc>
@@ -655,7 +687,7 @@
         <a:srgbClr val="000000"/>
       </a:buClr>
       <a:buFont typeface="Arial"/>
-      <a:defRPr b="0" i="0" sz="1400" u="none" cap="none" strike="noStrike">
+      <a:defRPr sz="1400" b="0" i="0" u="none" strike="noStrike" cap="none">
         <a:solidFill>
           <a:srgbClr val="000000"/>
         </a:solidFill>
@@ -665,7 +697,7 @@
         <a:sym typeface="Arial"/>
       </a:defRPr>
     </a:lvl8pPr>
-    <a:lvl9pPr lvl="8" marR="0" rtl="0" algn="l">
+    <a:lvl9pPr marR="0" lvl="8" algn="l" rtl="0">
       <a:lnSpc>
         <a:spcPct val="100000"/>
       </a:lnSpc>
@@ -679,7 +711,7 @@
         <a:srgbClr val="000000"/>
       </a:buClr>
       <a:buFont typeface="Arial"/>
-      <a:defRPr b="0" i="0" sz="1400" u="none" cap="none" strike="noStrike">
+      <a:defRPr sz="1400" b="0" i="0" u="none" strike="noStrike" cap="none">
         <a:solidFill>
           <a:srgbClr val="000000"/>
         </a:solidFill>
@@ -694,11 +726,11 @@
 </file>
 
 <file path=ppt/notesSlides/notesSlide1.xml><?xml version="1.0" encoding="utf-8"?>
-<p:notes xmlns:a="http://schemas.openxmlformats.org/drawingml/2006/main" xmlns:r="http://schemas.openxmlformats.org/officeDocument/2006/relationships" xmlns:mc="http://schemas.openxmlformats.org/markup-compatibility/2006" xmlns:mv="urn:schemas-microsoft-com:mac:vml" xmlns:p="http://schemas.openxmlformats.org/presentationml/2006/main" xmlns:c="http://schemas.openxmlformats.org/drawingml/2006/chart" xmlns:dgm="http://schemas.openxmlformats.org/drawingml/2006/diagram" xmlns:o="urn:schemas-microsoft-com:office:office" xmlns:v="urn:schemas-microsoft-com:vml" xmlns:pvml="urn:schemas-microsoft-com:office:powerpoint" xmlns:com="http://schemas.openxmlformats.org/drawingml/2006/compatibility" xmlns:p14="http://schemas.microsoft.com/office/powerpoint/2010/main" xmlns:p15="http://schemas.microsoft.com/office/powerpoint/2012/main" showMasterPhAnim="0" showMasterSp="0">
+<p:notes xmlns:a="http://schemas.openxmlformats.org/drawingml/2006/main" xmlns:r="http://schemas.openxmlformats.org/officeDocument/2006/relationships" xmlns:p="http://schemas.openxmlformats.org/presentationml/2006/main" showMasterSp="0" showMasterPhAnim="0">
   <p:cSld>
     <p:spTree>
       <p:nvGrpSpPr>
-        <p:cNvPr id="50" name="Shape 50"/>
+        <p:cNvPr id="1" name="Shape 50"/>
         <p:cNvGrpSpPr/>
         <p:nvPr/>
       </p:nvGrpSpPr>
@@ -713,19 +745,26 @@
       <p:sp>
         <p:nvSpPr>
           <p:cNvPr id="51" name="Shape 51"/>
-          <p:cNvSpPr/>
+          <p:cNvSpPr>
+            <a:spLocks noGrp="1" noRot="1" noChangeAspect="1"/>
+          </p:cNvSpPr>
           <p:nvPr>
-            <p:ph idx="2" type="sldImg"/>
+            <p:ph type="sldImg" idx="2"/>
           </p:nvPr>
         </p:nvSpPr>
         <p:spPr>
           <a:xfrm>
-            <a:off x="381300" y="685800"/>
-            <a:ext cx="6096075" cy="3429000"/>
+            <a:off x="381000" y="685800"/>
+            <a:ext cx="6096000" cy="3429000"/>
           </a:xfrm>
           <a:custGeom>
+            <a:avLst/>
+            <a:gdLst/>
+            <a:ahLst/>
+            <a:cxnLst/>
+            <a:rect l="0" t="0" r="0" b="0"/>
             <a:pathLst>
-              <a:path extrusionOk="0" h="120000" w="120000">
+              <a:path w="120000" h="120000" extrusionOk="0">
                 <a:moveTo>
                   <a:pt x="0" y="0"/>
                 </a:moveTo>
@@ -747,9 +786,11 @@
       <p:sp>
         <p:nvSpPr>
           <p:cNvPr id="52" name="Shape 52"/>
-          <p:cNvSpPr txBox="1"/>
+          <p:cNvSpPr txBox="1">
+            <a:spLocks noGrp="1"/>
+          </p:cNvSpPr>
           <p:nvPr>
-            <p:ph idx="1" type="body"/>
+            <p:ph type="body" idx="1"/>
           </p:nvPr>
         </p:nvSpPr>
         <p:spPr>
@@ -762,12 +803,12 @@
           </a:prstGeom>
         </p:spPr>
         <p:txBody>
-          <a:bodyPr anchorCtr="0" anchor="t" bIns="91425" lIns="91425" spcFirstLastPara="1" rIns="91425" wrap="square" tIns="91425">
+          <a:bodyPr spcFirstLastPara="1" wrap="square" lIns="91425" tIns="91425" rIns="91425" bIns="91425" anchor="t" anchorCtr="0">
             <a:noAutofit/>
           </a:bodyPr>
           <a:lstStyle/>
           <a:p>
-            <a:pPr indent="0" lvl="0" marL="0">
+            <a:pPr marL="0" lvl="0" indent="0">
               <a:spcBef>
                 <a:spcPts val="0"/>
               </a:spcBef>
@@ -776,14 +817,16 @@
               </a:spcAft>
               <a:buNone/>
             </a:pPr>
-            <a:r>
-              <a:t/>
-            </a:r>
             <a:endParaRPr/>
           </a:p>
         </p:txBody>
       </p:sp>
     </p:spTree>
+    <p:extLst>
+      <p:ext uri="{BB962C8B-B14F-4D97-AF65-F5344CB8AC3E}">
+        <p14:creationId xmlns:p14="http://schemas.microsoft.com/office/powerpoint/2010/main" val="3278622082"/>
+      </p:ext>
+    </p:extLst>
   </p:cSld>
   <p:clrMapOvr>
     <a:masterClrMapping/>
@@ -792,11 +835,11 @@
 </file>
 
 <file path=ppt/notesSlides/notesSlide10.xml><?xml version="1.0" encoding="utf-8"?>
-<p:notes xmlns:a="http://schemas.openxmlformats.org/drawingml/2006/main" xmlns:r="http://schemas.openxmlformats.org/officeDocument/2006/relationships" xmlns:mc="http://schemas.openxmlformats.org/markup-compatibility/2006" xmlns:mv="urn:schemas-microsoft-com:mac:vml" xmlns:p="http://schemas.openxmlformats.org/presentationml/2006/main" xmlns:c="http://schemas.openxmlformats.org/drawingml/2006/chart" xmlns:dgm="http://schemas.openxmlformats.org/drawingml/2006/diagram" xmlns:o="urn:schemas-microsoft-com:office:office" xmlns:v="urn:schemas-microsoft-com:vml" xmlns:pvml="urn:schemas-microsoft-com:office:powerpoint" xmlns:com="http://schemas.openxmlformats.org/drawingml/2006/compatibility" xmlns:p14="http://schemas.microsoft.com/office/powerpoint/2010/main" xmlns:p15="http://schemas.microsoft.com/office/powerpoint/2012/main" showMasterPhAnim="0" showMasterSp="0">
+<p:notes xmlns:a="http://schemas.openxmlformats.org/drawingml/2006/main" xmlns:r="http://schemas.openxmlformats.org/officeDocument/2006/relationships" xmlns:p="http://schemas.openxmlformats.org/presentationml/2006/main" showMasterSp="0" showMasterPhAnim="0">
   <p:cSld>
     <p:spTree>
       <p:nvGrpSpPr>
-        <p:cNvPr id="104" name="Shape 104"/>
+        <p:cNvPr id="1" name="Shape 104"/>
         <p:cNvGrpSpPr/>
         <p:nvPr/>
       </p:nvGrpSpPr>
@@ -811,9 +854,11 @@
       <p:sp>
         <p:nvSpPr>
           <p:cNvPr id="105" name="Shape 105"/>
-          <p:cNvSpPr/>
+          <p:cNvSpPr>
+            <a:spLocks noGrp="1" noRot="1" noChangeAspect="1"/>
+          </p:cNvSpPr>
           <p:nvPr>
-            <p:ph idx="2" type="sldImg"/>
+            <p:ph type="sldImg" idx="2"/>
           </p:nvPr>
         </p:nvSpPr>
         <p:spPr>
@@ -822,8 +867,13 @@
             <a:ext cx="6096000" cy="3429000"/>
           </a:xfrm>
           <a:custGeom>
+            <a:avLst/>
+            <a:gdLst/>
+            <a:ahLst/>
+            <a:cxnLst/>
+            <a:rect l="0" t="0" r="0" b="0"/>
             <a:pathLst>
-              <a:path extrusionOk="0" h="120000" w="120000">
+              <a:path w="120000" h="120000" extrusionOk="0">
                 <a:moveTo>
                   <a:pt x="0" y="0"/>
                 </a:moveTo>
@@ -845,9 +895,11 @@
       <p:sp>
         <p:nvSpPr>
           <p:cNvPr id="106" name="Shape 106"/>
-          <p:cNvSpPr txBox="1"/>
+          <p:cNvSpPr txBox="1">
+            <a:spLocks noGrp="1"/>
+          </p:cNvSpPr>
           <p:nvPr>
-            <p:ph idx="1" type="body"/>
+            <p:ph type="body" idx="1"/>
           </p:nvPr>
         </p:nvSpPr>
         <p:spPr>
@@ -860,12 +912,12 @@
           </a:prstGeom>
         </p:spPr>
         <p:txBody>
-          <a:bodyPr anchorCtr="0" anchor="t" bIns="91425" lIns="91425" spcFirstLastPara="1" rIns="91425" wrap="square" tIns="91425">
+          <a:bodyPr spcFirstLastPara="1" wrap="square" lIns="91425" tIns="91425" rIns="91425" bIns="91425" anchor="t" anchorCtr="0">
             <a:noAutofit/>
           </a:bodyPr>
           <a:lstStyle/>
           <a:p>
-            <a:pPr indent="0" lvl="0" marL="0">
+            <a:pPr marL="0" lvl="0" indent="0">
               <a:spcBef>
                 <a:spcPts val="0"/>
               </a:spcBef>
@@ -874,14 +926,16 @@
               </a:spcAft>
               <a:buNone/>
             </a:pPr>
-            <a:r>
-              <a:t/>
-            </a:r>
             <a:endParaRPr/>
           </a:p>
         </p:txBody>
       </p:sp>
     </p:spTree>
+    <p:extLst>
+      <p:ext uri="{BB962C8B-B14F-4D97-AF65-F5344CB8AC3E}">
+        <p14:creationId xmlns:p14="http://schemas.microsoft.com/office/powerpoint/2010/main" val="533528967"/>
+      </p:ext>
+    </p:extLst>
   </p:cSld>
   <p:clrMapOvr>
     <a:masterClrMapping/>
@@ -890,11 +944,11 @@
 </file>
 
 <file path=ppt/notesSlides/notesSlide11.xml><?xml version="1.0" encoding="utf-8"?>
-<p:notes xmlns:a="http://schemas.openxmlformats.org/drawingml/2006/main" xmlns:r="http://schemas.openxmlformats.org/officeDocument/2006/relationships" xmlns:mc="http://schemas.openxmlformats.org/markup-compatibility/2006" xmlns:mv="urn:schemas-microsoft-com:mac:vml" xmlns:p="http://schemas.openxmlformats.org/presentationml/2006/main" xmlns:c="http://schemas.openxmlformats.org/drawingml/2006/chart" xmlns:dgm="http://schemas.openxmlformats.org/drawingml/2006/diagram" xmlns:o="urn:schemas-microsoft-com:office:office" xmlns:v="urn:schemas-microsoft-com:vml" xmlns:pvml="urn:schemas-microsoft-com:office:powerpoint" xmlns:com="http://schemas.openxmlformats.org/drawingml/2006/compatibility" xmlns:p14="http://schemas.microsoft.com/office/powerpoint/2010/main" xmlns:p15="http://schemas.microsoft.com/office/powerpoint/2012/main" showMasterPhAnim="0" showMasterSp="0">
+<p:notes xmlns:a="http://schemas.openxmlformats.org/drawingml/2006/main" xmlns:r="http://schemas.openxmlformats.org/officeDocument/2006/relationships" xmlns:p="http://schemas.openxmlformats.org/presentationml/2006/main" showMasterSp="0" showMasterPhAnim="0">
   <p:cSld>
     <p:spTree>
       <p:nvGrpSpPr>
-        <p:cNvPr id="110" name="Shape 110"/>
+        <p:cNvPr id="1" name="Shape 110"/>
         <p:cNvGrpSpPr/>
         <p:nvPr/>
       </p:nvGrpSpPr>
@@ -909,9 +963,11 @@
       <p:sp>
         <p:nvSpPr>
           <p:cNvPr id="111" name="Shape 111"/>
-          <p:cNvSpPr/>
+          <p:cNvSpPr>
+            <a:spLocks noGrp="1" noRot="1" noChangeAspect="1"/>
+          </p:cNvSpPr>
           <p:nvPr>
-            <p:ph idx="2" type="sldImg"/>
+            <p:ph type="sldImg" idx="2"/>
           </p:nvPr>
         </p:nvSpPr>
         <p:spPr>
@@ -920,8 +976,13 @@
             <a:ext cx="6096000" cy="3429000"/>
           </a:xfrm>
           <a:custGeom>
+            <a:avLst/>
+            <a:gdLst/>
+            <a:ahLst/>
+            <a:cxnLst/>
+            <a:rect l="0" t="0" r="0" b="0"/>
             <a:pathLst>
-              <a:path extrusionOk="0" h="120000" w="120000">
+              <a:path w="120000" h="120000" extrusionOk="0">
                 <a:moveTo>
                   <a:pt x="0" y="0"/>
                 </a:moveTo>
@@ -943,9 +1004,11 @@
       <p:sp>
         <p:nvSpPr>
           <p:cNvPr id="112" name="Shape 112"/>
-          <p:cNvSpPr txBox="1"/>
+          <p:cNvSpPr txBox="1">
+            <a:spLocks noGrp="1"/>
+          </p:cNvSpPr>
           <p:nvPr>
-            <p:ph idx="1" type="body"/>
+            <p:ph type="body" idx="1"/>
           </p:nvPr>
         </p:nvSpPr>
         <p:spPr>
@@ -958,12 +1021,12 @@
           </a:prstGeom>
         </p:spPr>
         <p:txBody>
-          <a:bodyPr anchorCtr="0" anchor="t" bIns="91425" lIns="91425" spcFirstLastPara="1" rIns="91425" wrap="square" tIns="91425">
+          <a:bodyPr spcFirstLastPara="1" wrap="square" lIns="91425" tIns="91425" rIns="91425" bIns="91425" anchor="t" anchorCtr="0">
             <a:noAutofit/>
           </a:bodyPr>
           <a:lstStyle/>
           <a:p>
-            <a:pPr indent="0" lvl="0" marL="0">
+            <a:pPr marL="0" lvl="0" indent="0">
               <a:spcBef>
                 <a:spcPts val="0"/>
               </a:spcBef>
@@ -972,14 +1035,16 @@
               </a:spcAft>
               <a:buNone/>
             </a:pPr>
-            <a:r>
-              <a:t/>
-            </a:r>
             <a:endParaRPr/>
           </a:p>
         </p:txBody>
       </p:sp>
     </p:spTree>
+    <p:extLst>
+      <p:ext uri="{BB962C8B-B14F-4D97-AF65-F5344CB8AC3E}">
+        <p14:creationId xmlns:p14="http://schemas.microsoft.com/office/powerpoint/2010/main" val="458350849"/>
+      </p:ext>
+    </p:extLst>
   </p:cSld>
   <p:clrMapOvr>
     <a:masterClrMapping/>
@@ -988,11 +1053,11 @@
 </file>
 
 <file path=ppt/notesSlides/notesSlide2.xml><?xml version="1.0" encoding="utf-8"?>
-<p:notes xmlns:a="http://schemas.openxmlformats.org/drawingml/2006/main" xmlns:r="http://schemas.openxmlformats.org/officeDocument/2006/relationships" xmlns:mc="http://schemas.openxmlformats.org/markup-compatibility/2006" xmlns:mv="urn:schemas-microsoft-com:mac:vml" xmlns:p="http://schemas.openxmlformats.org/presentationml/2006/main" xmlns:c="http://schemas.openxmlformats.org/drawingml/2006/chart" xmlns:dgm="http://schemas.openxmlformats.org/drawingml/2006/diagram" xmlns:o="urn:schemas-microsoft-com:office:office" xmlns:v="urn:schemas-microsoft-com:vml" xmlns:pvml="urn:schemas-microsoft-com:office:powerpoint" xmlns:com="http://schemas.openxmlformats.org/drawingml/2006/compatibility" xmlns:p14="http://schemas.microsoft.com/office/powerpoint/2010/main" xmlns:p15="http://schemas.microsoft.com/office/powerpoint/2012/main" showMasterPhAnim="0" showMasterSp="0">
+<p:notes xmlns:a="http://schemas.openxmlformats.org/drawingml/2006/main" xmlns:r="http://schemas.openxmlformats.org/officeDocument/2006/relationships" xmlns:p="http://schemas.openxmlformats.org/presentationml/2006/main" showMasterSp="0" showMasterPhAnim="0">
   <p:cSld>
     <p:spTree>
       <p:nvGrpSpPr>
-        <p:cNvPr id="56" name="Shape 56"/>
+        <p:cNvPr id="1" name="Shape 56"/>
         <p:cNvGrpSpPr/>
         <p:nvPr/>
       </p:nvGrpSpPr>
@@ -1007,19 +1072,26 @@
       <p:sp>
         <p:nvSpPr>
           <p:cNvPr id="57" name="Shape 57"/>
-          <p:cNvSpPr/>
+          <p:cNvSpPr>
+            <a:spLocks noGrp="1" noRot="1" noChangeAspect="1"/>
+          </p:cNvSpPr>
           <p:nvPr>
-            <p:ph idx="2" type="sldImg"/>
+            <p:ph type="sldImg" idx="2"/>
           </p:nvPr>
         </p:nvSpPr>
         <p:spPr>
           <a:xfrm>
-            <a:off x="381300" y="685800"/>
+            <a:off x="381000" y="685800"/>
             <a:ext cx="6096000" cy="3429000"/>
           </a:xfrm>
           <a:custGeom>
+            <a:avLst/>
+            <a:gdLst/>
+            <a:ahLst/>
+            <a:cxnLst/>
+            <a:rect l="0" t="0" r="0" b="0"/>
             <a:pathLst>
-              <a:path extrusionOk="0" h="120000" w="120000">
+              <a:path w="120000" h="120000" extrusionOk="0">
                 <a:moveTo>
                   <a:pt x="0" y="0"/>
                 </a:moveTo>
@@ -1041,9 +1113,11 @@
       <p:sp>
         <p:nvSpPr>
           <p:cNvPr id="58" name="Shape 58"/>
-          <p:cNvSpPr txBox="1"/>
+          <p:cNvSpPr txBox="1">
+            <a:spLocks noGrp="1"/>
+          </p:cNvSpPr>
           <p:nvPr>
-            <p:ph idx="1" type="body"/>
+            <p:ph type="body" idx="1"/>
           </p:nvPr>
         </p:nvSpPr>
         <p:spPr>
@@ -1056,12 +1130,12 @@
           </a:prstGeom>
         </p:spPr>
         <p:txBody>
-          <a:bodyPr anchorCtr="0" anchor="t" bIns="91425" lIns="91425" spcFirstLastPara="1" rIns="91425" wrap="square" tIns="91425">
+          <a:bodyPr spcFirstLastPara="1" wrap="square" lIns="91425" tIns="91425" rIns="91425" bIns="91425" anchor="t" anchorCtr="0">
             <a:noAutofit/>
           </a:bodyPr>
           <a:lstStyle/>
           <a:p>
-            <a:pPr indent="0" lvl="0" marL="0">
+            <a:pPr marL="0" lvl="0" indent="0">
               <a:spcBef>
                 <a:spcPts val="0"/>
               </a:spcBef>
@@ -1070,14 +1144,16 @@
               </a:spcAft>
               <a:buNone/>
             </a:pPr>
-            <a:r>
-              <a:t/>
-            </a:r>
             <a:endParaRPr/>
           </a:p>
         </p:txBody>
       </p:sp>
     </p:spTree>
+    <p:extLst>
+      <p:ext uri="{BB962C8B-B14F-4D97-AF65-F5344CB8AC3E}">
+        <p14:creationId xmlns:p14="http://schemas.microsoft.com/office/powerpoint/2010/main" val="3612567392"/>
+      </p:ext>
+    </p:extLst>
   </p:cSld>
   <p:clrMapOvr>
     <a:masterClrMapping/>
@@ -1086,11 +1162,229 @@
 </file>
 
 <file path=ppt/notesSlides/notesSlide3.xml><?xml version="1.0" encoding="utf-8"?>
-<p:notes xmlns:a="http://schemas.openxmlformats.org/drawingml/2006/main" xmlns:r="http://schemas.openxmlformats.org/officeDocument/2006/relationships" xmlns:mc="http://schemas.openxmlformats.org/markup-compatibility/2006" xmlns:mv="urn:schemas-microsoft-com:mac:vml" xmlns:p="http://schemas.openxmlformats.org/presentationml/2006/main" xmlns:c="http://schemas.openxmlformats.org/drawingml/2006/chart" xmlns:dgm="http://schemas.openxmlformats.org/drawingml/2006/diagram" xmlns:o="urn:schemas-microsoft-com:office:office" xmlns:v="urn:schemas-microsoft-com:vml" xmlns:pvml="urn:schemas-microsoft-com:office:powerpoint" xmlns:com="http://schemas.openxmlformats.org/drawingml/2006/compatibility" xmlns:p14="http://schemas.microsoft.com/office/powerpoint/2010/main" xmlns:p15="http://schemas.microsoft.com/office/powerpoint/2012/main" showMasterPhAnim="0" showMasterSp="0">
+<p:notes xmlns:a="http://schemas.openxmlformats.org/drawingml/2006/main" xmlns:r="http://schemas.openxmlformats.org/officeDocument/2006/relationships" xmlns:p="http://schemas.openxmlformats.org/presentationml/2006/main" showMasterSp="0" showMasterPhAnim="0">
   <p:cSld>
     <p:spTree>
       <p:nvGrpSpPr>
-        <p:cNvPr id="62" name="Shape 62"/>
+        <p:cNvPr id="1" name="Shape 80"/>
+        <p:cNvGrpSpPr/>
+        <p:nvPr/>
+      </p:nvGrpSpPr>
+      <p:grpSpPr>
+        <a:xfrm>
+          <a:off x="0" y="0"/>
+          <a:ext cx="0" cy="0"/>
+          <a:chOff x="0" y="0"/>
+          <a:chExt cx="0" cy="0"/>
+        </a:xfrm>
+      </p:grpSpPr>
+      <p:sp>
+        <p:nvSpPr>
+          <p:cNvPr id="81" name="Shape 81"/>
+          <p:cNvSpPr>
+            <a:spLocks noGrp="1" noRot="1" noChangeAspect="1"/>
+          </p:cNvSpPr>
+          <p:nvPr>
+            <p:ph type="sldImg" idx="2"/>
+          </p:nvPr>
+        </p:nvSpPr>
+        <p:spPr>
+          <a:xfrm>
+            <a:off x="381000" y="685800"/>
+            <a:ext cx="6096000" cy="3429000"/>
+          </a:xfrm>
+          <a:custGeom>
+            <a:avLst/>
+            <a:gdLst/>
+            <a:ahLst/>
+            <a:cxnLst/>
+            <a:rect l="0" t="0" r="0" b="0"/>
+            <a:pathLst>
+              <a:path w="120000" h="120000" extrusionOk="0">
+                <a:moveTo>
+                  <a:pt x="0" y="0"/>
+                </a:moveTo>
+                <a:lnTo>
+                  <a:pt x="120000" y="0"/>
+                </a:lnTo>
+                <a:lnTo>
+                  <a:pt x="120000" y="120000"/>
+                </a:lnTo>
+                <a:lnTo>
+                  <a:pt x="0" y="120000"/>
+                </a:lnTo>
+                <a:close/>
+              </a:path>
+            </a:pathLst>
+          </a:custGeom>
+        </p:spPr>
+      </p:sp>
+      <p:sp>
+        <p:nvSpPr>
+          <p:cNvPr id="82" name="Shape 82"/>
+          <p:cNvSpPr txBox="1">
+            <a:spLocks noGrp="1"/>
+          </p:cNvSpPr>
+          <p:nvPr>
+            <p:ph type="body" idx="1"/>
+          </p:nvPr>
+        </p:nvSpPr>
+        <p:spPr>
+          <a:xfrm>
+            <a:off x="685800" y="4343400"/>
+            <a:ext cx="5486400" cy="4114800"/>
+          </a:xfrm>
+          <a:prstGeom prst="rect">
+            <a:avLst/>
+          </a:prstGeom>
+        </p:spPr>
+        <p:txBody>
+          <a:bodyPr spcFirstLastPara="1" wrap="square" lIns="91425" tIns="91425" rIns="91425" bIns="91425" anchor="t" anchorCtr="0">
+            <a:noAutofit/>
+          </a:bodyPr>
+          <a:lstStyle/>
+          <a:p>
+            <a:pPr marL="0" lvl="0" indent="0">
+              <a:spcBef>
+                <a:spcPts val="0"/>
+              </a:spcBef>
+              <a:spcAft>
+                <a:spcPts val="0"/>
+              </a:spcAft>
+              <a:buNone/>
+            </a:pPr>
+            <a:endParaRPr/>
+          </a:p>
+        </p:txBody>
+      </p:sp>
+    </p:spTree>
+    <p:extLst>
+      <p:ext uri="{BB962C8B-B14F-4D97-AF65-F5344CB8AC3E}">
+        <p14:creationId xmlns:p14="http://schemas.microsoft.com/office/powerpoint/2010/main" val="2336870419"/>
+      </p:ext>
+    </p:extLst>
+  </p:cSld>
+  <p:clrMapOvr>
+    <a:masterClrMapping/>
+  </p:clrMapOvr>
+</p:notes>
+</file>
+
+<file path=ppt/notesSlides/notesSlide4.xml><?xml version="1.0" encoding="utf-8"?>
+<p:notes xmlns:a="http://schemas.openxmlformats.org/drawingml/2006/main" xmlns:r="http://schemas.openxmlformats.org/officeDocument/2006/relationships" xmlns:p="http://schemas.openxmlformats.org/presentationml/2006/main" showMasterSp="0" showMasterPhAnim="0">
+  <p:cSld>
+    <p:spTree>
+      <p:nvGrpSpPr>
+        <p:cNvPr id="1" name="Shape 68"/>
+        <p:cNvGrpSpPr/>
+        <p:nvPr/>
+      </p:nvGrpSpPr>
+      <p:grpSpPr>
+        <a:xfrm>
+          <a:off x="0" y="0"/>
+          <a:ext cx="0" cy="0"/>
+          <a:chOff x="0" y="0"/>
+          <a:chExt cx="0" cy="0"/>
+        </a:xfrm>
+      </p:grpSpPr>
+      <p:sp>
+        <p:nvSpPr>
+          <p:cNvPr id="69" name="Shape 69"/>
+          <p:cNvSpPr>
+            <a:spLocks noGrp="1" noRot="1" noChangeAspect="1"/>
+          </p:cNvSpPr>
+          <p:nvPr>
+            <p:ph type="sldImg" idx="2"/>
+          </p:nvPr>
+        </p:nvSpPr>
+        <p:spPr>
+          <a:xfrm>
+            <a:off x="381300" y="685800"/>
+            <a:ext cx="6096000" cy="3429000"/>
+          </a:xfrm>
+          <a:custGeom>
+            <a:avLst/>
+            <a:gdLst/>
+            <a:ahLst/>
+            <a:cxnLst/>
+            <a:rect l="0" t="0" r="0" b="0"/>
+            <a:pathLst>
+              <a:path w="120000" h="120000" extrusionOk="0">
+                <a:moveTo>
+                  <a:pt x="0" y="0"/>
+                </a:moveTo>
+                <a:lnTo>
+                  <a:pt x="120000" y="0"/>
+                </a:lnTo>
+                <a:lnTo>
+                  <a:pt x="120000" y="120000"/>
+                </a:lnTo>
+                <a:lnTo>
+                  <a:pt x="0" y="120000"/>
+                </a:lnTo>
+                <a:close/>
+              </a:path>
+            </a:pathLst>
+          </a:custGeom>
+        </p:spPr>
+      </p:sp>
+      <p:sp>
+        <p:nvSpPr>
+          <p:cNvPr id="70" name="Shape 70"/>
+          <p:cNvSpPr txBox="1">
+            <a:spLocks noGrp="1"/>
+          </p:cNvSpPr>
+          <p:nvPr>
+            <p:ph type="body" idx="1"/>
+          </p:nvPr>
+        </p:nvSpPr>
+        <p:spPr>
+          <a:xfrm>
+            <a:off x="685800" y="4343400"/>
+            <a:ext cx="5486400" cy="4114800"/>
+          </a:xfrm>
+          <a:prstGeom prst="rect">
+            <a:avLst/>
+          </a:prstGeom>
+        </p:spPr>
+        <p:txBody>
+          <a:bodyPr spcFirstLastPara="1" wrap="square" lIns="91425" tIns="91425" rIns="91425" bIns="91425" anchor="t" anchorCtr="0">
+            <a:noAutofit/>
+          </a:bodyPr>
+          <a:lstStyle/>
+          <a:p>
+            <a:pPr marL="0" lvl="0" indent="0">
+              <a:spcBef>
+                <a:spcPts val="0"/>
+              </a:spcBef>
+              <a:spcAft>
+                <a:spcPts val="0"/>
+              </a:spcAft>
+              <a:buNone/>
+            </a:pPr>
+            <a:endParaRPr/>
+          </a:p>
+        </p:txBody>
+      </p:sp>
+    </p:spTree>
+    <p:extLst>
+      <p:ext uri="{BB962C8B-B14F-4D97-AF65-F5344CB8AC3E}">
+        <p14:creationId xmlns:p14="http://schemas.microsoft.com/office/powerpoint/2010/main" val="947580776"/>
+      </p:ext>
+    </p:extLst>
+  </p:cSld>
+  <p:clrMapOvr>
+    <a:masterClrMapping/>
+  </p:clrMapOvr>
+</p:notes>
+</file>
+
+<file path=ppt/notesSlides/notesSlide5.xml><?xml version="1.0" encoding="utf-8"?>
+<p:notes xmlns:a="http://schemas.openxmlformats.org/drawingml/2006/main" xmlns:r="http://schemas.openxmlformats.org/officeDocument/2006/relationships" xmlns:p="http://schemas.openxmlformats.org/presentationml/2006/main" showMasterSp="0" showMasterPhAnim="0">
+  <p:cSld>
+    <p:spTree>
+      <p:nvGrpSpPr>
+        <p:cNvPr id="1" name="Shape 62"/>
         <p:cNvGrpSpPr/>
         <p:nvPr/>
       </p:nvGrpSpPr>
@@ -1105,9 +1399,11 @@
       <p:sp>
         <p:nvSpPr>
           <p:cNvPr id="63" name="Shape 63"/>
-          <p:cNvSpPr/>
+          <p:cNvSpPr>
+            <a:spLocks noGrp="1" noRot="1" noChangeAspect="1"/>
+          </p:cNvSpPr>
           <p:nvPr>
-            <p:ph idx="2" type="sldImg"/>
+            <p:ph type="sldImg" idx="2"/>
           </p:nvPr>
         </p:nvSpPr>
         <p:spPr>
@@ -1116,8 +1412,13 @@
             <a:ext cx="6096000" cy="3429000"/>
           </a:xfrm>
           <a:custGeom>
+            <a:avLst/>
+            <a:gdLst/>
+            <a:ahLst/>
+            <a:cxnLst/>
+            <a:rect l="0" t="0" r="0" b="0"/>
             <a:pathLst>
-              <a:path extrusionOk="0" h="120000" w="120000">
+              <a:path w="120000" h="120000" extrusionOk="0">
                 <a:moveTo>
                   <a:pt x="0" y="0"/>
                 </a:moveTo>
@@ -1139,9 +1440,11 @@
       <p:sp>
         <p:nvSpPr>
           <p:cNvPr id="64" name="Shape 64"/>
-          <p:cNvSpPr txBox="1"/>
+          <p:cNvSpPr txBox="1">
+            <a:spLocks noGrp="1"/>
+          </p:cNvSpPr>
           <p:nvPr>
-            <p:ph idx="1" type="body"/>
+            <p:ph type="body" idx="1"/>
           </p:nvPr>
         </p:nvSpPr>
         <p:spPr>
@@ -1154,12 +1457,12 @@
           </a:prstGeom>
         </p:spPr>
         <p:txBody>
-          <a:bodyPr anchorCtr="0" anchor="t" bIns="91425" lIns="91425" spcFirstLastPara="1" rIns="91425" wrap="square" tIns="91425">
+          <a:bodyPr spcFirstLastPara="1" wrap="square" lIns="91425" tIns="91425" rIns="91425" bIns="91425" anchor="t" anchorCtr="0">
             <a:noAutofit/>
           </a:bodyPr>
           <a:lstStyle/>
           <a:p>
-            <a:pPr indent="0" lvl="0" marL="0">
+            <a:pPr marL="0" lvl="0" indent="0">
               <a:spcBef>
                 <a:spcPts val="0"/>
               </a:spcBef>
@@ -1168,14 +1471,16 @@
               </a:spcAft>
               <a:buNone/>
             </a:pPr>
-            <a:r>
-              <a:t/>
-            </a:r>
             <a:endParaRPr/>
           </a:p>
         </p:txBody>
       </p:sp>
     </p:spTree>
+    <p:extLst>
+      <p:ext uri="{BB962C8B-B14F-4D97-AF65-F5344CB8AC3E}">
+        <p14:creationId xmlns:p14="http://schemas.microsoft.com/office/powerpoint/2010/main" val="3635612744"/>
+      </p:ext>
+    </p:extLst>
   </p:cSld>
   <p:clrMapOvr>
     <a:masterClrMapping/>
@@ -1183,110 +1488,12 @@
 </p:notes>
 </file>
 
-<file path=ppt/notesSlides/notesSlide4.xml><?xml version="1.0" encoding="utf-8"?>
-<p:notes xmlns:a="http://schemas.openxmlformats.org/drawingml/2006/main" xmlns:r="http://schemas.openxmlformats.org/officeDocument/2006/relationships" xmlns:mc="http://schemas.openxmlformats.org/markup-compatibility/2006" xmlns:mv="urn:schemas-microsoft-com:mac:vml" xmlns:p="http://schemas.openxmlformats.org/presentationml/2006/main" xmlns:c="http://schemas.openxmlformats.org/drawingml/2006/chart" xmlns:dgm="http://schemas.openxmlformats.org/drawingml/2006/diagram" xmlns:o="urn:schemas-microsoft-com:office:office" xmlns:v="urn:schemas-microsoft-com:vml" xmlns:pvml="urn:schemas-microsoft-com:office:powerpoint" xmlns:com="http://schemas.openxmlformats.org/drawingml/2006/compatibility" xmlns:p14="http://schemas.microsoft.com/office/powerpoint/2010/main" xmlns:p15="http://schemas.microsoft.com/office/powerpoint/2012/main" showMasterPhAnim="0" showMasterSp="0">
+<file path=ppt/notesSlides/notesSlide6.xml><?xml version="1.0" encoding="utf-8"?>
+<p:notes xmlns:a="http://schemas.openxmlformats.org/drawingml/2006/main" xmlns:r="http://schemas.openxmlformats.org/officeDocument/2006/relationships" xmlns:p="http://schemas.openxmlformats.org/presentationml/2006/main" showMasterSp="0" showMasterPhAnim="0">
   <p:cSld>
     <p:spTree>
       <p:nvGrpSpPr>
-        <p:cNvPr id="68" name="Shape 68"/>
-        <p:cNvGrpSpPr/>
-        <p:nvPr/>
-      </p:nvGrpSpPr>
-      <p:grpSpPr>
-        <a:xfrm>
-          <a:off x="0" y="0"/>
-          <a:ext cx="0" cy="0"/>
-          <a:chOff x="0" y="0"/>
-          <a:chExt cx="0" cy="0"/>
-        </a:xfrm>
-      </p:grpSpPr>
-      <p:sp>
-        <p:nvSpPr>
-          <p:cNvPr id="69" name="Shape 69"/>
-          <p:cNvSpPr/>
-          <p:nvPr>
-            <p:ph idx="2" type="sldImg"/>
-          </p:nvPr>
-        </p:nvSpPr>
-        <p:spPr>
-          <a:xfrm>
-            <a:off x="381300" y="685800"/>
-            <a:ext cx="6096000" cy="3429000"/>
-          </a:xfrm>
-          <a:custGeom>
-            <a:pathLst>
-              <a:path extrusionOk="0" h="120000" w="120000">
-                <a:moveTo>
-                  <a:pt x="0" y="0"/>
-                </a:moveTo>
-                <a:lnTo>
-                  <a:pt x="120000" y="0"/>
-                </a:lnTo>
-                <a:lnTo>
-                  <a:pt x="120000" y="120000"/>
-                </a:lnTo>
-                <a:lnTo>
-                  <a:pt x="0" y="120000"/>
-                </a:lnTo>
-                <a:close/>
-              </a:path>
-            </a:pathLst>
-          </a:custGeom>
-        </p:spPr>
-      </p:sp>
-      <p:sp>
-        <p:nvSpPr>
-          <p:cNvPr id="70" name="Shape 70"/>
-          <p:cNvSpPr txBox="1"/>
-          <p:nvPr>
-            <p:ph idx="1" type="body"/>
-          </p:nvPr>
-        </p:nvSpPr>
-        <p:spPr>
-          <a:xfrm>
-            <a:off x="685800" y="4343400"/>
-            <a:ext cx="5486400" cy="4114800"/>
-          </a:xfrm>
-          <a:prstGeom prst="rect">
-            <a:avLst/>
-          </a:prstGeom>
-        </p:spPr>
-        <p:txBody>
-          <a:bodyPr anchorCtr="0" anchor="t" bIns="91425" lIns="91425" spcFirstLastPara="1" rIns="91425" wrap="square" tIns="91425">
-            <a:noAutofit/>
-          </a:bodyPr>
-          <a:lstStyle/>
-          <a:p>
-            <a:pPr indent="0" lvl="0" marL="0">
-              <a:spcBef>
-                <a:spcPts val="0"/>
-              </a:spcBef>
-              <a:spcAft>
-                <a:spcPts val="0"/>
-              </a:spcAft>
-              <a:buNone/>
-            </a:pPr>
-            <a:r>
-              <a:t/>
-            </a:r>
-            <a:endParaRPr/>
-          </a:p>
-        </p:txBody>
-      </p:sp>
-    </p:spTree>
-  </p:cSld>
-  <p:clrMapOvr>
-    <a:masterClrMapping/>
-  </p:clrMapOvr>
-</p:notes>
-</file>
-
-<file path=ppt/notesSlides/notesSlide5.xml><?xml version="1.0" encoding="utf-8"?>
-<p:notes xmlns:a="http://schemas.openxmlformats.org/drawingml/2006/main" xmlns:r="http://schemas.openxmlformats.org/officeDocument/2006/relationships" xmlns:mc="http://schemas.openxmlformats.org/markup-compatibility/2006" xmlns:mv="urn:schemas-microsoft-com:mac:vml" xmlns:p="http://schemas.openxmlformats.org/presentationml/2006/main" xmlns:c="http://schemas.openxmlformats.org/drawingml/2006/chart" xmlns:dgm="http://schemas.openxmlformats.org/drawingml/2006/diagram" xmlns:o="urn:schemas-microsoft-com:office:office" xmlns:v="urn:schemas-microsoft-com:vml" xmlns:pvml="urn:schemas-microsoft-com:office:powerpoint" xmlns:com="http://schemas.openxmlformats.org/drawingml/2006/compatibility" xmlns:p14="http://schemas.microsoft.com/office/powerpoint/2010/main" xmlns:p15="http://schemas.microsoft.com/office/powerpoint/2012/main" showMasterPhAnim="0" showMasterSp="0">
-  <p:cSld>
-    <p:spTree>
-      <p:nvGrpSpPr>
-        <p:cNvPr id="74" name="Shape 74"/>
+        <p:cNvPr id="1" name="Shape 74"/>
         <p:cNvGrpSpPr/>
         <p:nvPr/>
       </p:nvGrpSpPr>
@@ -1301,9 +1508,11 @@
       <p:sp>
         <p:nvSpPr>
           <p:cNvPr id="75" name="Shape 75"/>
-          <p:cNvSpPr/>
+          <p:cNvSpPr>
+            <a:spLocks noGrp="1" noRot="1" noChangeAspect="1"/>
+          </p:cNvSpPr>
           <p:nvPr>
-            <p:ph idx="2" type="sldImg"/>
+            <p:ph type="sldImg" idx="2"/>
           </p:nvPr>
         </p:nvSpPr>
         <p:spPr>
@@ -1312,8 +1521,13 @@
             <a:ext cx="6096000" cy="3429000"/>
           </a:xfrm>
           <a:custGeom>
+            <a:avLst/>
+            <a:gdLst/>
+            <a:ahLst/>
+            <a:cxnLst/>
+            <a:rect l="0" t="0" r="0" b="0"/>
             <a:pathLst>
-              <a:path extrusionOk="0" h="120000" w="120000">
+              <a:path w="120000" h="120000" extrusionOk="0">
                 <a:moveTo>
                   <a:pt x="0" y="0"/>
                 </a:moveTo>
@@ -1335,9 +1549,11 @@
       <p:sp>
         <p:nvSpPr>
           <p:cNvPr id="76" name="Shape 76"/>
-          <p:cNvSpPr txBox="1"/>
+          <p:cNvSpPr txBox="1">
+            <a:spLocks noGrp="1"/>
+          </p:cNvSpPr>
           <p:nvPr>
-            <p:ph idx="1" type="body"/>
+            <p:ph type="body" idx="1"/>
           </p:nvPr>
         </p:nvSpPr>
         <p:spPr>
@@ -1350,12 +1566,12 @@
           </a:prstGeom>
         </p:spPr>
         <p:txBody>
-          <a:bodyPr anchorCtr="0" anchor="t" bIns="91425" lIns="91425" spcFirstLastPara="1" rIns="91425" wrap="square" tIns="91425">
+          <a:bodyPr spcFirstLastPara="1" wrap="square" lIns="91425" tIns="91425" rIns="91425" bIns="91425" anchor="t" anchorCtr="0">
             <a:noAutofit/>
           </a:bodyPr>
           <a:lstStyle/>
           <a:p>
-            <a:pPr indent="0" lvl="0" marL="0">
+            <a:pPr marL="0" lvl="0" indent="0">
               <a:spcBef>
                 <a:spcPts val="0"/>
               </a:spcBef>
@@ -1364,112 +1580,16 @@
               </a:spcAft>
               <a:buNone/>
             </a:pPr>
-            <a:r>
-              <a:t/>
-            </a:r>
             <a:endParaRPr/>
           </a:p>
         </p:txBody>
       </p:sp>
     </p:spTree>
-  </p:cSld>
-  <p:clrMapOvr>
-    <a:masterClrMapping/>
-  </p:clrMapOvr>
-</p:notes>
-</file>
-
-<file path=ppt/notesSlides/notesSlide6.xml><?xml version="1.0" encoding="utf-8"?>
-<p:notes xmlns:a="http://schemas.openxmlformats.org/drawingml/2006/main" xmlns:r="http://schemas.openxmlformats.org/officeDocument/2006/relationships" xmlns:mc="http://schemas.openxmlformats.org/markup-compatibility/2006" xmlns:mv="urn:schemas-microsoft-com:mac:vml" xmlns:p="http://schemas.openxmlformats.org/presentationml/2006/main" xmlns:c="http://schemas.openxmlformats.org/drawingml/2006/chart" xmlns:dgm="http://schemas.openxmlformats.org/drawingml/2006/diagram" xmlns:o="urn:schemas-microsoft-com:office:office" xmlns:v="urn:schemas-microsoft-com:vml" xmlns:pvml="urn:schemas-microsoft-com:office:powerpoint" xmlns:com="http://schemas.openxmlformats.org/drawingml/2006/compatibility" xmlns:p14="http://schemas.microsoft.com/office/powerpoint/2010/main" xmlns:p15="http://schemas.microsoft.com/office/powerpoint/2012/main" showMasterPhAnim="0" showMasterSp="0">
-  <p:cSld>
-    <p:spTree>
-      <p:nvGrpSpPr>
-        <p:cNvPr id="80" name="Shape 80"/>
-        <p:cNvGrpSpPr/>
-        <p:nvPr/>
-      </p:nvGrpSpPr>
-      <p:grpSpPr>
-        <a:xfrm>
-          <a:off x="0" y="0"/>
-          <a:ext cx="0" cy="0"/>
-          <a:chOff x="0" y="0"/>
-          <a:chExt cx="0" cy="0"/>
-        </a:xfrm>
-      </p:grpSpPr>
-      <p:sp>
-        <p:nvSpPr>
-          <p:cNvPr id="81" name="Shape 81"/>
-          <p:cNvSpPr/>
-          <p:nvPr>
-            <p:ph idx="2" type="sldImg"/>
-          </p:nvPr>
-        </p:nvSpPr>
-        <p:spPr>
-          <a:xfrm>
-            <a:off x="381300" y="685800"/>
-            <a:ext cx="6096000" cy="3429000"/>
-          </a:xfrm>
-          <a:custGeom>
-            <a:pathLst>
-              <a:path extrusionOk="0" h="120000" w="120000">
-                <a:moveTo>
-                  <a:pt x="0" y="0"/>
-                </a:moveTo>
-                <a:lnTo>
-                  <a:pt x="120000" y="0"/>
-                </a:lnTo>
-                <a:lnTo>
-                  <a:pt x="120000" y="120000"/>
-                </a:lnTo>
-                <a:lnTo>
-                  <a:pt x="0" y="120000"/>
-                </a:lnTo>
-                <a:close/>
-              </a:path>
-            </a:pathLst>
-          </a:custGeom>
-        </p:spPr>
-      </p:sp>
-      <p:sp>
-        <p:nvSpPr>
-          <p:cNvPr id="82" name="Shape 82"/>
-          <p:cNvSpPr txBox="1"/>
-          <p:nvPr>
-            <p:ph idx="1" type="body"/>
-          </p:nvPr>
-        </p:nvSpPr>
-        <p:spPr>
-          <a:xfrm>
-            <a:off x="685800" y="4343400"/>
-            <a:ext cx="5486400" cy="4114800"/>
-          </a:xfrm>
-          <a:prstGeom prst="rect">
-            <a:avLst/>
-          </a:prstGeom>
-        </p:spPr>
-        <p:txBody>
-          <a:bodyPr anchorCtr="0" anchor="t" bIns="91425" lIns="91425" spcFirstLastPara="1" rIns="91425" wrap="square" tIns="91425">
-            <a:noAutofit/>
-          </a:bodyPr>
-          <a:lstStyle/>
-          <a:p>
-            <a:pPr indent="0" lvl="0" marL="0">
-              <a:spcBef>
-                <a:spcPts val="0"/>
-              </a:spcBef>
-              <a:spcAft>
-                <a:spcPts val="0"/>
-              </a:spcAft>
-              <a:buNone/>
-            </a:pPr>
-            <a:r>
-              <a:t/>
-            </a:r>
-            <a:endParaRPr/>
-          </a:p>
-        </p:txBody>
-      </p:sp>
-    </p:spTree>
+    <p:extLst>
+      <p:ext uri="{BB962C8B-B14F-4D97-AF65-F5344CB8AC3E}">
+        <p14:creationId xmlns:p14="http://schemas.microsoft.com/office/powerpoint/2010/main" val="3938495546"/>
+      </p:ext>
+    </p:extLst>
   </p:cSld>
   <p:clrMapOvr>
     <a:masterClrMapping/>
@@ -1478,11 +1598,11 @@
 </file>
 
 <file path=ppt/notesSlides/notesSlide7.xml><?xml version="1.0" encoding="utf-8"?>
-<p:notes xmlns:a="http://schemas.openxmlformats.org/drawingml/2006/main" xmlns:r="http://schemas.openxmlformats.org/officeDocument/2006/relationships" xmlns:mc="http://schemas.openxmlformats.org/markup-compatibility/2006" xmlns:mv="urn:schemas-microsoft-com:mac:vml" xmlns:p="http://schemas.openxmlformats.org/presentationml/2006/main" xmlns:c="http://schemas.openxmlformats.org/drawingml/2006/chart" xmlns:dgm="http://schemas.openxmlformats.org/drawingml/2006/diagram" xmlns:o="urn:schemas-microsoft-com:office:office" xmlns:v="urn:schemas-microsoft-com:vml" xmlns:pvml="urn:schemas-microsoft-com:office:powerpoint" xmlns:com="http://schemas.openxmlformats.org/drawingml/2006/compatibility" xmlns:p14="http://schemas.microsoft.com/office/powerpoint/2010/main" xmlns:p15="http://schemas.microsoft.com/office/powerpoint/2012/main" showMasterPhAnim="0" showMasterSp="0">
+<p:notes xmlns:a="http://schemas.openxmlformats.org/drawingml/2006/main" xmlns:r="http://schemas.openxmlformats.org/officeDocument/2006/relationships" xmlns:p="http://schemas.openxmlformats.org/presentationml/2006/main" showMasterSp="0" showMasterPhAnim="0">
   <p:cSld>
     <p:spTree>
       <p:nvGrpSpPr>
-        <p:cNvPr id="86" name="Shape 86"/>
+        <p:cNvPr id="1" name="Shape 86"/>
         <p:cNvGrpSpPr/>
         <p:nvPr/>
       </p:nvGrpSpPr>
@@ -1497,9 +1617,11 @@
       <p:sp>
         <p:nvSpPr>
           <p:cNvPr id="87" name="Shape 87"/>
-          <p:cNvSpPr/>
+          <p:cNvSpPr>
+            <a:spLocks noGrp="1" noRot="1" noChangeAspect="1"/>
+          </p:cNvSpPr>
           <p:nvPr>
-            <p:ph idx="2" type="sldImg"/>
+            <p:ph type="sldImg" idx="2"/>
           </p:nvPr>
         </p:nvSpPr>
         <p:spPr>
@@ -1508,8 +1630,13 @@
             <a:ext cx="6096000" cy="3429000"/>
           </a:xfrm>
           <a:custGeom>
+            <a:avLst/>
+            <a:gdLst/>
+            <a:ahLst/>
+            <a:cxnLst/>
+            <a:rect l="0" t="0" r="0" b="0"/>
             <a:pathLst>
-              <a:path extrusionOk="0" h="120000" w="120000">
+              <a:path w="120000" h="120000" extrusionOk="0">
                 <a:moveTo>
                   <a:pt x="0" y="0"/>
                 </a:moveTo>
@@ -1531,9 +1658,11 @@
       <p:sp>
         <p:nvSpPr>
           <p:cNvPr id="88" name="Shape 88"/>
-          <p:cNvSpPr txBox="1"/>
+          <p:cNvSpPr txBox="1">
+            <a:spLocks noGrp="1"/>
+          </p:cNvSpPr>
           <p:nvPr>
-            <p:ph idx="1" type="body"/>
+            <p:ph type="body" idx="1"/>
           </p:nvPr>
         </p:nvSpPr>
         <p:spPr>
@@ -1546,12 +1675,12 @@
           </a:prstGeom>
         </p:spPr>
         <p:txBody>
-          <a:bodyPr anchorCtr="0" anchor="t" bIns="91425" lIns="91425" spcFirstLastPara="1" rIns="91425" wrap="square" tIns="91425">
+          <a:bodyPr spcFirstLastPara="1" wrap="square" lIns="91425" tIns="91425" rIns="91425" bIns="91425" anchor="t" anchorCtr="0">
             <a:noAutofit/>
           </a:bodyPr>
           <a:lstStyle/>
           <a:p>
-            <a:pPr indent="0" lvl="0" marL="0">
+            <a:pPr marL="0" lvl="0" indent="0">
               <a:spcBef>
                 <a:spcPts val="0"/>
               </a:spcBef>
@@ -1560,14 +1689,16 @@
               </a:spcAft>
               <a:buNone/>
             </a:pPr>
-            <a:r>
-              <a:t/>
-            </a:r>
             <a:endParaRPr/>
           </a:p>
         </p:txBody>
       </p:sp>
     </p:spTree>
+    <p:extLst>
+      <p:ext uri="{BB962C8B-B14F-4D97-AF65-F5344CB8AC3E}">
+        <p14:creationId xmlns:p14="http://schemas.microsoft.com/office/powerpoint/2010/main" val="3166733380"/>
+      </p:ext>
+    </p:extLst>
   </p:cSld>
   <p:clrMapOvr>
     <a:masterClrMapping/>
@@ -1576,11 +1707,11 @@
 </file>
 
 <file path=ppt/notesSlides/notesSlide8.xml><?xml version="1.0" encoding="utf-8"?>
-<p:notes xmlns:a="http://schemas.openxmlformats.org/drawingml/2006/main" xmlns:r="http://schemas.openxmlformats.org/officeDocument/2006/relationships" xmlns:mc="http://schemas.openxmlformats.org/markup-compatibility/2006" xmlns:mv="urn:schemas-microsoft-com:mac:vml" xmlns:p="http://schemas.openxmlformats.org/presentationml/2006/main" xmlns:c="http://schemas.openxmlformats.org/drawingml/2006/chart" xmlns:dgm="http://schemas.openxmlformats.org/drawingml/2006/diagram" xmlns:o="urn:schemas-microsoft-com:office:office" xmlns:v="urn:schemas-microsoft-com:vml" xmlns:pvml="urn:schemas-microsoft-com:office:powerpoint" xmlns:com="http://schemas.openxmlformats.org/drawingml/2006/compatibility" xmlns:p14="http://schemas.microsoft.com/office/powerpoint/2010/main" xmlns:p15="http://schemas.microsoft.com/office/powerpoint/2012/main" showMasterPhAnim="0" showMasterSp="0">
+<p:notes xmlns:a="http://schemas.openxmlformats.org/drawingml/2006/main" xmlns:r="http://schemas.openxmlformats.org/officeDocument/2006/relationships" xmlns:p="http://schemas.openxmlformats.org/presentationml/2006/main" showMasterSp="0" showMasterPhAnim="0">
   <p:cSld>
     <p:spTree>
       <p:nvGrpSpPr>
-        <p:cNvPr id="92" name="Shape 92"/>
+        <p:cNvPr id="1" name="Shape 92"/>
         <p:cNvGrpSpPr/>
         <p:nvPr/>
       </p:nvGrpSpPr>
@@ -1595,9 +1726,11 @@
       <p:sp>
         <p:nvSpPr>
           <p:cNvPr id="93" name="Shape 93"/>
-          <p:cNvSpPr/>
+          <p:cNvSpPr>
+            <a:spLocks noGrp="1" noRot="1" noChangeAspect="1"/>
+          </p:cNvSpPr>
           <p:nvPr>
-            <p:ph idx="2" type="sldImg"/>
+            <p:ph type="sldImg" idx="2"/>
           </p:nvPr>
         </p:nvSpPr>
         <p:spPr>
@@ -1606,8 +1739,13 @@
             <a:ext cx="6096000" cy="3429000"/>
           </a:xfrm>
           <a:custGeom>
+            <a:avLst/>
+            <a:gdLst/>
+            <a:ahLst/>
+            <a:cxnLst/>
+            <a:rect l="0" t="0" r="0" b="0"/>
             <a:pathLst>
-              <a:path extrusionOk="0" h="120000" w="120000">
+              <a:path w="120000" h="120000" extrusionOk="0">
                 <a:moveTo>
                   <a:pt x="0" y="0"/>
                 </a:moveTo>
@@ -1629,9 +1767,11 @@
       <p:sp>
         <p:nvSpPr>
           <p:cNvPr id="94" name="Shape 94"/>
-          <p:cNvSpPr txBox="1"/>
+          <p:cNvSpPr txBox="1">
+            <a:spLocks noGrp="1"/>
+          </p:cNvSpPr>
           <p:nvPr>
-            <p:ph idx="1" type="body"/>
+            <p:ph type="body" idx="1"/>
           </p:nvPr>
         </p:nvSpPr>
         <p:spPr>
@@ -1644,12 +1784,12 @@
           </a:prstGeom>
         </p:spPr>
         <p:txBody>
-          <a:bodyPr anchorCtr="0" anchor="t" bIns="91425" lIns="91425" spcFirstLastPara="1" rIns="91425" wrap="square" tIns="91425">
+          <a:bodyPr spcFirstLastPara="1" wrap="square" lIns="91425" tIns="91425" rIns="91425" bIns="91425" anchor="t" anchorCtr="0">
             <a:noAutofit/>
           </a:bodyPr>
           <a:lstStyle/>
           <a:p>
-            <a:pPr indent="0" lvl="0" marL="0">
+            <a:pPr marL="0" lvl="0" indent="0">
               <a:spcBef>
                 <a:spcPts val="0"/>
               </a:spcBef>
@@ -1658,14 +1798,16 @@
               </a:spcAft>
               <a:buNone/>
             </a:pPr>
-            <a:r>
-              <a:t/>
-            </a:r>
             <a:endParaRPr/>
           </a:p>
         </p:txBody>
       </p:sp>
     </p:spTree>
+    <p:extLst>
+      <p:ext uri="{BB962C8B-B14F-4D97-AF65-F5344CB8AC3E}">
+        <p14:creationId xmlns:p14="http://schemas.microsoft.com/office/powerpoint/2010/main" val="1489937742"/>
+      </p:ext>
+    </p:extLst>
   </p:cSld>
   <p:clrMapOvr>
     <a:masterClrMapping/>
@@ -1674,11 +1816,11 @@
 </file>
 
 <file path=ppt/notesSlides/notesSlide9.xml><?xml version="1.0" encoding="utf-8"?>
-<p:notes xmlns:a="http://schemas.openxmlformats.org/drawingml/2006/main" xmlns:r="http://schemas.openxmlformats.org/officeDocument/2006/relationships" xmlns:mc="http://schemas.openxmlformats.org/markup-compatibility/2006" xmlns:mv="urn:schemas-microsoft-com:mac:vml" xmlns:p="http://schemas.openxmlformats.org/presentationml/2006/main" xmlns:c="http://schemas.openxmlformats.org/drawingml/2006/chart" xmlns:dgm="http://schemas.openxmlformats.org/drawingml/2006/diagram" xmlns:o="urn:schemas-microsoft-com:office:office" xmlns:v="urn:schemas-microsoft-com:vml" xmlns:pvml="urn:schemas-microsoft-com:office:powerpoint" xmlns:com="http://schemas.openxmlformats.org/drawingml/2006/compatibility" xmlns:p14="http://schemas.microsoft.com/office/powerpoint/2010/main" xmlns:p15="http://schemas.microsoft.com/office/powerpoint/2012/main" showMasterPhAnim="0" showMasterSp="0">
+<p:notes xmlns:a="http://schemas.openxmlformats.org/drawingml/2006/main" xmlns:r="http://schemas.openxmlformats.org/officeDocument/2006/relationships" xmlns:p="http://schemas.openxmlformats.org/presentationml/2006/main" showMasterSp="0" showMasterPhAnim="0">
   <p:cSld>
     <p:spTree>
       <p:nvGrpSpPr>
-        <p:cNvPr id="98" name="Shape 98"/>
+        <p:cNvPr id="1" name="Shape 98"/>
         <p:cNvGrpSpPr/>
         <p:nvPr/>
       </p:nvGrpSpPr>
@@ -1693,9 +1835,11 @@
       <p:sp>
         <p:nvSpPr>
           <p:cNvPr id="99" name="Shape 99"/>
-          <p:cNvSpPr/>
+          <p:cNvSpPr>
+            <a:spLocks noGrp="1" noRot="1" noChangeAspect="1"/>
+          </p:cNvSpPr>
           <p:nvPr>
-            <p:ph idx="2" type="sldImg"/>
+            <p:ph type="sldImg" idx="2"/>
           </p:nvPr>
         </p:nvSpPr>
         <p:spPr>
@@ -1704,8 +1848,13 @@
             <a:ext cx="6096000" cy="3429000"/>
           </a:xfrm>
           <a:custGeom>
+            <a:avLst/>
+            <a:gdLst/>
+            <a:ahLst/>
+            <a:cxnLst/>
+            <a:rect l="0" t="0" r="0" b="0"/>
             <a:pathLst>
-              <a:path extrusionOk="0" h="120000" w="120000">
+              <a:path w="120000" h="120000" extrusionOk="0">
                 <a:moveTo>
                   <a:pt x="0" y="0"/>
                 </a:moveTo>
@@ -1727,9 +1876,11 @@
       <p:sp>
         <p:nvSpPr>
           <p:cNvPr id="100" name="Shape 100"/>
-          <p:cNvSpPr txBox="1"/>
+          <p:cNvSpPr txBox="1">
+            <a:spLocks noGrp="1"/>
+          </p:cNvSpPr>
           <p:nvPr>
-            <p:ph idx="1" type="body"/>
+            <p:ph type="body" idx="1"/>
           </p:nvPr>
         </p:nvSpPr>
         <p:spPr>
@@ -1742,12 +1893,12 @@
           </a:prstGeom>
         </p:spPr>
         <p:txBody>
-          <a:bodyPr anchorCtr="0" anchor="t" bIns="91425" lIns="91425" spcFirstLastPara="1" rIns="91425" wrap="square" tIns="91425">
+          <a:bodyPr spcFirstLastPara="1" wrap="square" lIns="91425" tIns="91425" rIns="91425" bIns="91425" anchor="t" anchorCtr="0">
             <a:noAutofit/>
           </a:bodyPr>
           <a:lstStyle/>
           <a:p>
-            <a:pPr indent="0" lvl="0" marL="0">
+            <a:pPr marL="0" lvl="0" indent="0">
               <a:spcBef>
                 <a:spcPts val="0"/>
               </a:spcBef>
@@ -1756,14 +1907,16 @@
               </a:spcAft>
               <a:buNone/>
             </a:pPr>
-            <a:r>
-              <a:t/>
-            </a:r>
             <a:endParaRPr/>
           </a:p>
         </p:txBody>
       </p:sp>
     </p:spTree>
+    <p:extLst>
+      <p:ext uri="{BB962C8B-B14F-4D97-AF65-F5344CB8AC3E}">
+        <p14:creationId xmlns:p14="http://schemas.microsoft.com/office/powerpoint/2010/main" val="457879701"/>
+      </p:ext>
+    </p:extLst>
   </p:cSld>
   <p:clrMapOvr>
     <a:masterClrMapping/>
@@ -1772,11 +1925,11 @@
 </file>
 
 <file path=ppt/slideLayouts/slideLayout1.xml><?xml version="1.0" encoding="utf-8"?>
-<p:sldLayout xmlns:a="http://schemas.openxmlformats.org/drawingml/2006/main" xmlns:r="http://schemas.openxmlformats.org/officeDocument/2006/relationships" xmlns:mc="http://schemas.openxmlformats.org/markup-compatibility/2006" xmlns:mv="urn:schemas-microsoft-com:mac:vml" xmlns:p="http://schemas.openxmlformats.org/presentationml/2006/main" xmlns:c="http://schemas.openxmlformats.org/drawingml/2006/chart" xmlns:dgm="http://schemas.openxmlformats.org/drawingml/2006/diagram" xmlns:o="urn:schemas-microsoft-com:office:office" xmlns:v="urn:schemas-microsoft-com:vml" xmlns:pvml="urn:schemas-microsoft-com:office:powerpoint" xmlns:com="http://schemas.openxmlformats.org/drawingml/2006/compatibility" xmlns:p14="http://schemas.microsoft.com/office/powerpoint/2010/main" xmlns:p15="http://schemas.microsoft.com/office/powerpoint/2012/main" matchingName="Title slide" type="title">
+<p:sldLayout xmlns:a="http://schemas.openxmlformats.org/drawingml/2006/main" xmlns:r="http://schemas.openxmlformats.org/officeDocument/2006/relationships" xmlns:p="http://schemas.openxmlformats.org/presentationml/2006/main" matchingName="Title slide" type="title">
   <p:cSld name="TITLE">
     <p:spTree>
       <p:nvGrpSpPr>
-        <p:cNvPr id="9" name="Shape 9"/>
+        <p:cNvPr id="1" name="Shape 9"/>
         <p:cNvGrpSpPr/>
         <p:nvPr/>
       </p:nvGrpSpPr>
@@ -1791,7 +1944,9 @@
       <p:sp>
         <p:nvSpPr>
           <p:cNvPr id="10" name="Shape 10"/>
-          <p:cNvSpPr txBox="1"/>
+          <p:cNvSpPr txBox="1">
+            <a:spLocks noGrp="1"/>
+          </p:cNvSpPr>
           <p:nvPr>
             <p:ph type="ctrTitle"/>
           </p:nvPr>
@@ -1806,7 +1961,7 @@
           </a:prstGeom>
         </p:spPr>
         <p:txBody>
-          <a:bodyPr anchorCtr="0" anchor="b" bIns="91425" lIns="91425" spcFirstLastPara="1" rIns="91425" wrap="square" tIns="91425"/>
+          <a:bodyPr spcFirstLastPara="1" wrap="square" lIns="91425" tIns="91425" rIns="91425" bIns="91425" anchor="b" anchorCtr="0"/>
           <a:lstStyle>
             <a:lvl1pPr lvl="0" algn="ctr">
               <a:spcBef>
@@ -1908,15 +2063,19 @@
               <a:defRPr sz="5200"/>
             </a:lvl9pPr>
           </a:lstStyle>
-          <a:p/>
+          <a:p>
+            <a:endParaRPr/>
+          </a:p>
         </p:txBody>
       </p:sp>
       <p:sp>
         <p:nvSpPr>
           <p:cNvPr id="11" name="Shape 11"/>
-          <p:cNvSpPr txBox="1"/>
+          <p:cNvSpPr txBox="1">
+            <a:spLocks noGrp="1"/>
+          </p:cNvSpPr>
           <p:nvPr>
-            <p:ph idx="1" type="subTitle"/>
+            <p:ph type="subTitle" idx="1"/>
           </p:nvPr>
         </p:nvSpPr>
         <p:spPr>
@@ -1929,7 +2088,7 @@
           </a:prstGeom>
         </p:spPr>
         <p:txBody>
-          <a:bodyPr anchorCtr="0" anchor="t" bIns="91425" lIns="91425" spcFirstLastPara="1" rIns="91425" wrap="square" tIns="91425"/>
+          <a:bodyPr spcFirstLastPara="1" wrap="square" lIns="91425" tIns="91425" rIns="91425" bIns="91425" anchor="t" anchorCtr="0"/>
           <a:lstStyle>
             <a:lvl1pPr lvl="0" algn="ctr">
               <a:lnSpc>
@@ -2058,15 +2217,19 @@
               <a:defRPr sz="2800"/>
             </a:lvl9pPr>
           </a:lstStyle>
-          <a:p/>
+          <a:p>
+            <a:endParaRPr/>
+          </a:p>
         </p:txBody>
       </p:sp>
       <p:sp>
         <p:nvSpPr>
           <p:cNvPr id="12" name="Shape 12"/>
-          <p:cNvSpPr txBox="1"/>
+          <p:cNvSpPr txBox="1">
+            <a:spLocks noGrp="1"/>
+          </p:cNvSpPr>
           <p:nvPr>
-            <p:ph idx="12" type="sldNum"/>
+            <p:ph type="sldNum" idx="12"/>
           </p:nvPr>
         </p:nvSpPr>
         <p:spPr>
@@ -2079,7 +2242,7 @@
           </a:prstGeom>
         </p:spPr>
         <p:txBody>
-          <a:bodyPr anchorCtr="0" anchor="ctr" bIns="91425" lIns="91425" spcFirstLastPara="1" rIns="91425" wrap="square" tIns="91425">
+          <a:bodyPr spcFirstLastPara="1" wrap="square" lIns="91425" tIns="91425" rIns="91425" bIns="91425" anchor="ctr" anchorCtr="0">
             <a:noAutofit/>
           </a:bodyPr>
           <a:lstStyle>
@@ -2121,7 +2284,7 @@
             </a:lvl9pPr>
           </a:lstStyle>
           <a:p>
-            <a:pPr indent="0" lvl="0" marL="0">
+            <a:pPr marL="0" lvl="0" indent="0">
               <a:spcBef>
                 <a:spcPts val="0"/>
               </a:spcBef>
@@ -2147,11 +2310,11 @@
 </file>
 
 <file path=ppt/slideLayouts/slideLayout10.xml><?xml version="1.0" encoding="utf-8"?>
-<p:sldLayout xmlns:a="http://schemas.openxmlformats.org/drawingml/2006/main" xmlns:r="http://schemas.openxmlformats.org/officeDocument/2006/relationships" xmlns:mc="http://schemas.openxmlformats.org/markup-compatibility/2006" xmlns:mv="urn:schemas-microsoft-com:mac:vml" xmlns:p="http://schemas.openxmlformats.org/presentationml/2006/main" xmlns:c="http://schemas.openxmlformats.org/drawingml/2006/chart" xmlns:dgm="http://schemas.openxmlformats.org/drawingml/2006/diagram" xmlns:o="urn:schemas-microsoft-com:office:office" xmlns:v="urn:schemas-microsoft-com:vml" xmlns:pvml="urn:schemas-microsoft-com:office:powerpoint" xmlns:com="http://schemas.openxmlformats.org/drawingml/2006/compatibility" xmlns:p14="http://schemas.microsoft.com/office/powerpoint/2010/main" xmlns:p15="http://schemas.microsoft.com/office/powerpoint/2012/main" matchingName="Big number">
+<p:sldLayout xmlns:a="http://schemas.openxmlformats.org/drawingml/2006/main" xmlns:r="http://schemas.openxmlformats.org/officeDocument/2006/relationships" xmlns:p="http://schemas.openxmlformats.org/presentationml/2006/main" matchingName="Big number">
   <p:cSld name="BIG_NUMBER">
     <p:spTree>
       <p:nvGrpSpPr>
-        <p:cNvPr id="44" name="Shape 44"/>
+        <p:cNvPr id="1" name="Shape 44"/>
         <p:cNvGrpSpPr/>
         <p:nvPr/>
       </p:nvGrpSpPr>
@@ -2166,9 +2329,11 @@
       <p:sp>
         <p:nvSpPr>
           <p:cNvPr id="45" name="Shape 45"/>
-          <p:cNvSpPr txBox="1"/>
+          <p:cNvSpPr txBox="1">
+            <a:spLocks noGrp="1"/>
+          </p:cNvSpPr>
           <p:nvPr>
-            <p:ph hasCustomPrompt="1" type="title"/>
+            <p:ph type="title" hasCustomPrompt="1"/>
           </p:nvPr>
         </p:nvSpPr>
         <p:spPr>
@@ -2181,7 +2346,7 @@
           </a:prstGeom>
         </p:spPr>
         <p:txBody>
-          <a:bodyPr anchorCtr="0" anchor="b" bIns="91425" lIns="91425" spcFirstLastPara="1" rIns="91425" wrap="square" tIns="91425"/>
+          <a:bodyPr spcFirstLastPara="1" wrap="square" lIns="91425" tIns="91425" rIns="91425" bIns="91425" anchor="b" anchorCtr="0"/>
           <a:lstStyle>
             <a:lvl1pPr lvl="0" algn="ctr">
               <a:spcBef>
@@ -2293,9 +2458,11 @@
       <p:sp>
         <p:nvSpPr>
           <p:cNvPr id="46" name="Shape 46"/>
-          <p:cNvSpPr txBox="1"/>
+          <p:cNvSpPr txBox="1">
+            <a:spLocks noGrp="1"/>
+          </p:cNvSpPr>
           <p:nvPr>
-            <p:ph idx="1" type="body"/>
+            <p:ph type="body" idx="1"/>
           </p:nvPr>
         </p:nvSpPr>
         <p:spPr>
@@ -2308,9 +2475,9 @@
           </a:prstGeom>
         </p:spPr>
         <p:txBody>
-          <a:bodyPr anchorCtr="0" anchor="t" bIns="91425" lIns="91425" spcFirstLastPara="1" rIns="91425" wrap="square" tIns="91425"/>
+          <a:bodyPr spcFirstLastPara="1" wrap="square" lIns="91425" tIns="91425" rIns="91425" bIns="91425" anchor="t" anchorCtr="0"/>
           <a:lstStyle>
-            <a:lvl1pPr indent="-342900" lvl="0" marL="457200" algn="ctr">
+            <a:lvl1pPr marL="457200" lvl="0" indent="-342900" algn="ctr">
               <a:spcBef>
                 <a:spcPts val="0"/>
               </a:spcBef>
@@ -2321,7 +2488,7 @@
               <a:buChar char="●"/>
               <a:defRPr/>
             </a:lvl1pPr>
-            <a:lvl2pPr indent="-317500" lvl="1" marL="914400" algn="ctr">
+            <a:lvl2pPr marL="914400" lvl="1" indent="-317500" algn="ctr">
               <a:spcBef>
                 <a:spcPts val="1600"/>
               </a:spcBef>
@@ -2332,7 +2499,7 @@
               <a:buChar char="○"/>
               <a:defRPr/>
             </a:lvl2pPr>
-            <a:lvl3pPr indent="-317500" lvl="2" marL="1371600" algn="ctr">
+            <a:lvl3pPr marL="1371600" lvl="2" indent="-317500" algn="ctr">
               <a:spcBef>
                 <a:spcPts val="1600"/>
               </a:spcBef>
@@ -2343,7 +2510,7 @@
               <a:buChar char="■"/>
               <a:defRPr/>
             </a:lvl3pPr>
-            <a:lvl4pPr indent="-317500" lvl="3" marL="1828800" algn="ctr">
+            <a:lvl4pPr marL="1828800" lvl="3" indent="-317500" algn="ctr">
               <a:spcBef>
                 <a:spcPts val="1600"/>
               </a:spcBef>
@@ -2354,7 +2521,7 @@
               <a:buChar char="●"/>
               <a:defRPr/>
             </a:lvl4pPr>
-            <a:lvl5pPr indent="-317500" lvl="4" marL="2286000" algn="ctr">
+            <a:lvl5pPr marL="2286000" lvl="4" indent="-317500" algn="ctr">
               <a:spcBef>
                 <a:spcPts val="1600"/>
               </a:spcBef>
@@ -2365,7 +2532,7 @@
               <a:buChar char="○"/>
               <a:defRPr/>
             </a:lvl5pPr>
-            <a:lvl6pPr indent="-317500" lvl="5" marL="2743200" algn="ctr">
+            <a:lvl6pPr marL="2743200" lvl="5" indent="-317500" algn="ctr">
               <a:spcBef>
                 <a:spcPts val="1600"/>
               </a:spcBef>
@@ -2376,7 +2543,7 @@
               <a:buChar char="■"/>
               <a:defRPr/>
             </a:lvl6pPr>
-            <a:lvl7pPr indent="-317500" lvl="6" marL="3200400" algn="ctr">
+            <a:lvl7pPr marL="3200400" lvl="6" indent="-317500" algn="ctr">
               <a:spcBef>
                 <a:spcPts val="1600"/>
               </a:spcBef>
@@ -2387,7 +2554,7 @@
               <a:buChar char="●"/>
               <a:defRPr/>
             </a:lvl7pPr>
-            <a:lvl8pPr indent="-317500" lvl="7" marL="3657600" algn="ctr">
+            <a:lvl8pPr marL="3657600" lvl="7" indent="-317500" algn="ctr">
               <a:spcBef>
                 <a:spcPts val="1600"/>
               </a:spcBef>
@@ -2398,7 +2565,7 @@
               <a:buChar char="○"/>
               <a:defRPr/>
             </a:lvl8pPr>
-            <a:lvl9pPr indent="-317500" lvl="8" marL="4114800" algn="ctr">
+            <a:lvl9pPr marL="4114800" lvl="8" indent="-317500" algn="ctr">
               <a:spcBef>
                 <a:spcPts val="1600"/>
               </a:spcBef>
@@ -2410,15 +2577,19 @@
               <a:defRPr/>
             </a:lvl9pPr>
           </a:lstStyle>
-          <a:p/>
+          <a:p>
+            <a:endParaRPr/>
+          </a:p>
         </p:txBody>
       </p:sp>
       <p:sp>
         <p:nvSpPr>
           <p:cNvPr id="47" name="Shape 47"/>
-          <p:cNvSpPr txBox="1"/>
+          <p:cNvSpPr txBox="1">
+            <a:spLocks noGrp="1"/>
+          </p:cNvSpPr>
           <p:nvPr>
-            <p:ph idx="12" type="sldNum"/>
+            <p:ph type="sldNum" idx="12"/>
           </p:nvPr>
         </p:nvSpPr>
         <p:spPr>
@@ -2431,7 +2602,7 @@
           </a:prstGeom>
         </p:spPr>
         <p:txBody>
-          <a:bodyPr anchorCtr="0" anchor="ctr" bIns="91425" lIns="91425" spcFirstLastPara="1" rIns="91425" wrap="square" tIns="91425">
+          <a:bodyPr spcFirstLastPara="1" wrap="square" lIns="91425" tIns="91425" rIns="91425" bIns="91425" anchor="ctr" anchorCtr="0">
             <a:noAutofit/>
           </a:bodyPr>
           <a:lstStyle>
@@ -2473,7 +2644,7 @@
             </a:lvl9pPr>
           </a:lstStyle>
           <a:p>
-            <a:pPr indent="0" lvl="0" marL="0">
+            <a:pPr marL="0" lvl="0" indent="0">
               <a:spcBef>
                 <a:spcPts val="0"/>
               </a:spcBef>
@@ -2499,11 +2670,11 @@
 </file>
 
 <file path=ppt/slideLayouts/slideLayout11.xml><?xml version="1.0" encoding="utf-8"?>
-<p:sldLayout xmlns:a="http://schemas.openxmlformats.org/drawingml/2006/main" xmlns:r="http://schemas.openxmlformats.org/officeDocument/2006/relationships" xmlns:mc="http://schemas.openxmlformats.org/markup-compatibility/2006" xmlns:mv="urn:schemas-microsoft-com:mac:vml" xmlns:p="http://schemas.openxmlformats.org/presentationml/2006/main" xmlns:c="http://schemas.openxmlformats.org/drawingml/2006/chart" xmlns:dgm="http://schemas.openxmlformats.org/drawingml/2006/diagram" xmlns:o="urn:schemas-microsoft-com:office:office" xmlns:v="urn:schemas-microsoft-com:vml" xmlns:pvml="urn:schemas-microsoft-com:office:powerpoint" xmlns:com="http://schemas.openxmlformats.org/drawingml/2006/compatibility" xmlns:p14="http://schemas.microsoft.com/office/powerpoint/2010/main" xmlns:p15="http://schemas.microsoft.com/office/powerpoint/2012/main" matchingName="Blank" type="blank">
+<p:sldLayout xmlns:a="http://schemas.openxmlformats.org/drawingml/2006/main" xmlns:r="http://schemas.openxmlformats.org/officeDocument/2006/relationships" xmlns:p="http://schemas.openxmlformats.org/presentationml/2006/main" matchingName="Blank" type="blank">
   <p:cSld name="BLANK">
     <p:spTree>
       <p:nvGrpSpPr>
-        <p:cNvPr id="48" name="Shape 48"/>
+        <p:cNvPr id="1" name="Shape 48"/>
         <p:cNvGrpSpPr/>
         <p:nvPr/>
       </p:nvGrpSpPr>
@@ -2518,9 +2689,11 @@
       <p:sp>
         <p:nvSpPr>
           <p:cNvPr id="49" name="Shape 49"/>
-          <p:cNvSpPr txBox="1"/>
+          <p:cNvSpPr txBox="1">
+            <a:spLocks noGrp="1"/>
+          </p:cNvSpPr>
           <p:nvPr>
-            <p:ph idx="12" type="sldNum"/>
+            <p:ph type="sldNum" idx="12"/>
           </p:nvPr>
         </p:nvSpPr>
         <p:spPr>
@@ -2533,7 +2706,7 @@
           </a:prstGeom>
         </p:spPr>
         <p:txBody>
-          <a:bodyPr anchorCtr="0" anchor="ctr" bIns="91425" lIns="91425" spcFirstLastPara="1" rIns="91425" wrap="square" tIns="91425">
+          <a:bodyPr spcFirstLastPara="1" wrap="square" lIns="91425" tIns="91425" rIns="91425" bIns="91425" anchor="ctr" anchorCtr="0">
             <a:noAutofit/>
           </a:bodyPr>
           <a:lstStyle>
@@ -2575,7 +2748,7 @@
             </a:lvl9pPr>
           </a:lstStyle>
           <a:p>
-            <a:pPr indent="0" lvl="0" marL="0">
+            <a:pPr marL="0" lvl="0" indent="0">
               <a:spcBef>
                 <a:spcPts val="0"/>
               </a:spcBef>
@@ -2601,11 +2774,11 @@
 </file>
 
 <file path=ppt/slideLayouts/slideLayout2.xml><?xml version="1.0" encoding="utf-8"?>
-<p:sldLayout xmlns:a="http://schemas.openxmlformats.org/drawingml/2006/main" xmlns:r="http://schemas.openxmlformats.org/officeDocument/2006/relationships" xmlns:mc="http://schemas.openxmlformats.org/markup-compatibility/2006" xmlns:mv="urn:schemas-microsoft-com:mac:vml" xmlns:p="http://schemas.openxmlformats.org/presentationml/2006/main" xmlns:c="http://schemas.openxmlformats.org/drawingml/2006/chart" xmlns:dgm="http://schemas.openxmlformats.org/drawingml/2006/diagram" xmlns:o="urn:schemas-microsoft-com:office:office" xmlns:v="urn:schemas-microsoft-com:vml" xmlns:pvml="urn:schemas-microsoft-com:office:powerpoint" xmlns:com="http://schemas.openxmlformats.org/drawingml/2006/compatibility" xmlns:p14="http://schemas.microsoft.com/office/powerpoint/2010/main" xmlns:p15="http://schemas.microsoft.com/office/powerpoint/2012/main" matchingName="Section header" type="secHead">
+<p:sldLayout xmlns:a="http://schemas.openxmlformats.org/drawingml/2006/main" xmlns:r="http://schemas.openxmlformats.org/officeDocument/2006/relationships" xmlns:p="http://schemas.openxmlformats.org/presentationml/2006/main" matchingName="Section header" type="secHead">
   <p:cSld name="SECTION_HEADER">
     <p:spTree>
       <p:nvGrpSpPr>
-        <p:cNvPr id="13" name="Shape 13"/>
+        <p:cNvPr id="1" name="Shape 13"/>
         <p:cNvGrpSpPr/>
         <p:nvPr/>
       </p:nvGrpSpPr>
@@ -2620,7 +2793,9 @@
       <p:sp>
         <p:nvSpPr>
           <p:cNvPr id="14" name="Shape 14"/>
-          <p:cNvSpPr txBox="1"/>
+          <p:cNvSpPr txBox="1">
+            <a:spLocks noGrp="1"/>
+          </p:cNvSpPr>
           <p:nvPr>
             <p:ph type="title"/>
           </p:nvPr>
@@ -2635,7 +2810,7 @@
           </a:prstGeom>
         </p:spPr>
         <p:txBody>
-          <a:bodyPr anchorCtr="0" anchor="ctr" bIns="91425" lIns="91425" spcFirstLastPara="1" rIns="91425" wrap="square" tIns="91425"/>
+          <a:bodyPr spcFirstLastPara="1" wrap="square" lIns="91425" tIns="91425" rIns="91425" bIns="91425" anchor="ctr" anchorCtr="0"/>
           <a:lstStyle>
             <a:lvl1pPr lvl="0" algn="ctr">
               <a:spcBef>
@@ -2737,15 +2912,19 @@
               <a:defRPr sz="3600"/>
             </a:lvl9pPr>
           </a:lstStyle>
-          <a:p/>
+          <a:p>
+            <a:endParaRPr/>
+          </a:p>
         </p:txBody>
       </p:sp>
       <p:sp>
         <p:nvSpPr>
           <p:cNvPr id="15" name="Shape 15"/>
-          <p:cNvSpPr txBox="1"/>
+          <p:cNvSpPr txBox="1">
+            <a:spLocks noGrp="1"/>
+          </p:cNvSpPr>
           <p:nvPr>
-            <p:ph idx="12" type="sldNum"/>
+            <p:ph type="sldNum" idx="12"/>
           </p:nvPr>
         </p:nvSpPr>
         <p:spPr>
@@ -2758,7 +2937,7 @@
           </a:prstGeom>
         </p:spPr>
         <p:txBody>
-          <a:bodyPr anchorCtr="0" anchor="ctr" bIns="91425" lIns="91425" spcFirstLastPara="1" rIns="91425" wrap="square" tIns="91425">
+          <a:bodyPr spcFirstLastPara="1" wrap="square" lIns="91425" tIns="91425" rIns="91425" bIns="91425" anchor="ctr" anchorCtr="0">
             <a:noAutofit/>
           </a:bodyPr>
           <a:lstStyle>
@@ -2800,7 +2979,7 @@
             </a:lvl9pPr>
           </a:lstStyle>
           <a:p>
-            <a:pPr indent="0" lvl="0" marL="0">
+            <a:pPr marL="0" lvl="0" indent="0">
               <a:spcBef>
                 <a:spcPts val="0"/>
               </a:spcBef>
@@ -2826,11 +3005,11 @@
 </file>
 
 <file path=ppt/slideLayouts/slideLayout3.xml><?xml version="1.0" encoding="utf-8"?>
-<p:sldLayout xmlns:a="http://schemas.openxmlformats.org/drawingml/2006/main" xmlns:r="http://schemas.openxmlformats.org/officeDocument/2006/relationships" xmlns:mc="http://schemas.openxmlformats.org/markup-compatibility/2006" xmlns:mv="urn:schemas-microsoft-com:mac:vml" xmlns:p="http://schemas.openxmlformats.org/presentationml/2006/main" xmlns:c="http://schemas.openxmlformats.org/drawingml/2006/chart" xmlns:dgm="http://schemas.openxmlformats.org/drawingml/2006/diagram" xmlns:o="urn:schemas-microsoft-com:office:office" xmlns:v="urn:schemas-microsoft-com:vml" xmlns:pvml="urn:schemas-microsoft-com:office:powerpoint" xmlns:com="http://schemas.openxmlformats.org/drawingml/2006/compatibility" xmlns:p14="http://schemas.microsoft.com/office/powerpoint/2010/main" xmlns:p15="http://schemas.microsoft.com/office/powerpoint/2012/main" matchingName="Title and body" type="tx">
+<p:sldLayout xmlns:a="http://schemas.openxmlformats.org/drawingml/2006/main" xmlns:r="http://schemas.openxmlformats.org/officeDocument/2006/relationships" xmlns:p="http://schemas.openxmlformats.org/presentationml/2006/main" matchingName="Title and body" type="tx">
   <p:cSld name="TITLE_AND_BODY">
     <p:spTree>
       <p:nvGrpSpPr>
-        <p:cNvPr id="16" name="Shape 16"/>
+        <p:cNvPr id="1" name="Shape 16"/>
         <p:cNvGrpSpPr/>
         <p:nvPr/>
       </p:nvGrpSpPr>
@@ -2845,7 +3024,9 @@
       <p:sp>
         <p:nvSpPr>
           <p:cNvPr id="17" name="Shape 17"/>
-          <p:cNvSpPr txBox="1"/>
+          <p:cNvSpPr txBox="1">
+            <a:spLocks noGrp="1"/>
+          </p:cNvSpPr>
           <p:nvPr>
             <p:ph type="title"/>
           </p:nvPr>
@@ -2860,7 +3041,7 @@
           </a:prstGeom>
         </p:spPr>
         <p:txBody>
-          <a:bodyPr anchorCtr="0" anchor="t" bIns="91425" lIns="91425" spcFirstLastPara="1" rIns="91425" wrap="square" tIns="91425"/>
+          <a:bodyPr spcFirstLastPara="1" wrap="square" lIns="91425" tIns="91425" rIns="91425" bIns="91425" anchor="t" anchorCtr="0"/>
           <a:lstStyle>
             <a:lvl1pPr lvl="0">
               <a:spcBef>
@@ -2962,15 +3143,19 @@
               <a:defRPr/>
             </a:lvl9pPr>
           </a:lstStyle>
-          <a:p/>
+          <a:p>
+            <a:endParaRPr/>
+          </a:p>
         </p:txBody>
       </p:sp>
       <p:sp>
         <p:nvSpPr>
           <p:cNvPr id="18" name="Shape 18"/>
-          <p:cNvSpPr txBox="1"/>
+          <p:cNvSpPr txBox="1">
+            <a:spLocks noGrp="1"/>
+          </p:cNvSpPr>
           <p:nvPr>
-            <p:ph idx="1" type="body"/>
+            <p:ph type="body" idx="1"/>
           </p:nvPr>
         </p:nvSpPr>
         <p:spPr>
@@ -2983,9 +3168,9 @@
           </a:prstGeom>
         </p:spPr>
         <p:txBody>
-          <a:bodyPr anchorCtr="0" anchor="t" bIns="91425" lIns="91425" spcFirstLastPara="1" rIns="91425" wrap="square" tIns="91425"/>
+          <a:bodyPr spcFirstLastPara="1" wrap="square" lIns="91425" tIns="91425" rIns="91425" bIns="91425" anchor="t" anchorCtr="0"/>
           <a:lstStyle>
-            <a:lvl1pPr indent="-342900" lvl="0" marL="457200">
+            <a:lvl1pPr marL="457200" lvl="0" indent="-342900">
               <a:spcBef>
                 <a:spcPts val="0"/>
               </a:spcBef>
@@ -2996,7 +3181,7 @@
               <a:buChar char="●"/>
               <a:defRPr/>
             </a:lvl1pPr>
-            <a:lvl2pPr indent="-317500" lvl="1" marL="914400">
+            <a:lvl2pPr marL="914400" lvl="1" indent="-317500">
               <a:spcBef>
                 <a:spcPts val="1600"/>
               </a:spcBef>
@@ -3007,7 +3192,7 @@
               <a:buChar char="○"/>
               <a:defRPr/>
             </a:lvl2pPr>
-            <a:lvl3pPr indent="-317500" lvl="2" marL="1371600">
+            <a:lvl3pPr marL="1371600" lvl="2" indent="-317500">
               <a:spcBef>
                 <a:spcPts val="1600"/>
               </a:spcBef>
@@ -3018,7 +3203,7 @@
               <a:buChar char="■"/>
               <a:defRPr/>
             </a:lvl3pPr>
-            <a:lvl4pPr indent="-317500" lvl="3" marL="1828800">
+            <a:lvl4pPr marL="1828800" lvl="3" indent="-317500">
               <a:spcBef>
                 <a:spcPts val="1600"/>
               </a:spcBef>
@@ -3029,7 +3214,7 @@
               <a:buChar char="●"/>
               <a:defRPr/>
             </a:lvl4pPr>
-            <a:lvl5pPr indent="-317500" lvl="4" marL="2286000">
+            <a:lvl5pPr marL="2286000" lvl="4" indent="-317500">
               <a:spcBef>
                 <a:spcPts val="1600"/>
               </a:spcBef>
@@ -3040,7 +3225,7 @@
               <a:buChar char="○"/>
               <a:defRPr/>
             </a:lvl5pPr>
-            <a:lvl6pPr indent="-317500" lvl="5" marL="2743200">
+            <a:lvl6pPr marL="2743200" lvl="5" indent="-317500">
               <a:spcBef>
                 <a:spcPts val="1600"/>
               </a:spcBef>
@@ -3051,7 +3236,7 @@
               <a:buChar char="■"/>
               <a:defRPr/>
             </a:lvl6pPr>
-            <a:lvl7pPr indent="-317500" lvl="6" marL="3200400">
+            <a:lvl7pPr marL="3200400" lvl="6" indent="-317500">
               <a:spcBef>
                 <a:spcPts val="1600"/>
               </a:spcBef>
@@ -3062,7 +3247,7 @@
               <a:buChar char="●"/>
               <a:defRPr/>
             </a:lvl7pPr>
-            <a:lvl8pPr indent="-317500" lvl="7" marL="3657600">
+            <a:lvl8pPr marL="3657600" lvl="7" indent="-317500">
               <a:spcBef>
                 <a:spcPts val="1600"/>
               </a:spcBef>
@@ -3073,7 +3258,7 @@
               <a:buChar char="○"/>
               <a:defRPr/>
             </a:lvl8pPr>
-            <a:lvl9pPr indent="-317500" lvl="8" marL="4114800">
+            <a:lvl9pPr marL="4114800" lvl="8" indent="-317500">
               <a:spcBef>
                 <a:spcPts val="1600"/>
               </a:spcBef>
@@ -3085,15 +3270,19 @@
               <a:defRPr/>
             </a:lvl9pPr>
           </a:lstStyle>
-          <a:p/>
+          <a:p>
+            <a:endParaRPr/>
+          </a:p>
         </p:txBody>
       </p:sp>
       <p:sp>
         <p:nvSpPr>
           <p:cNvPr id="19" name="Shape 19"/>
-          <p:cNvSpPr txBox="1"/>
+          <p:cNvSpPr txBox="1">
+            <a:spLocks noGrp="1"/>
+          </p:cNvSpPr>
           <p:nvPr>
-            <p:ph idx="12" type="sldNum"/>
+            <p:ph type="sldNum" idx="12"/>
           </p:nvPr>
         </p:nvSpPr>
         <p:spPr>
@@ -3106,7 +3295,7 @@
           </a:prstGeom>
         </p:spPr>
         <p:txBody>
-          <a:bodyPr anchorCtr="0" anchor="ctr" bIns="91425" lIns="91425" spcFirstLastPara="1" rIns="91425" wrap="square" tIns="91425">
+          <a:bodyPr spcFirstLastPara="1" wrap="square" lIns="91425" tIns="91425" rIns="91425" bIns="91425" anchor="ctr" anchorCtr="0">
             <a:noAutofit/>
           </a:bodyPr>
           <a:lstStyle>
@@ -3148,7 +3337,7 @@
             </a:lvl9pPr>
           </a:lstStyle>
           <a:p>
-            <a:pPr indent="0" lvl="0" marL="0">
+            <a:pPr marL="0" lvl="0" indent="0">
               <a:spcBef>
                 <a:spcPts val="0"/>
               </a:spcBef>
@@ -3174,11 +3363,11 @@
 </file>
 
 <file path=ppt/slideLayouts/slideLayout4.xml><?xml version="1.0" encoding="utf-8"?>
-<p:sldLayout xmlns:a="http://schemas.openxmlformats.org/drawingml/2006/main" xmlns:r="http://schemas.openxmlformats.org/officeDocument/2006/relationships" xmlns:mc="http://schemas.openxmlformats.org/markup-compatibility/2006" xmlns:mv="urn:schemas-microsoft-com:mac:vml" xmlns:p="http://schemas.openxmlformats.org/presentationml/2006/main" xmlns:c="http://schemas.openxmlformats.org/drawingml/2006/chart" xmlns:dgm="http://schemas.openxmlformats.org/drawingml/2006/diagram" xmlns:o="urn:schemas-microsoft-com:office:office" xmlns:v="urn:schemas-microsoft-com:vml" xmlns:pvml="urn:schemas-microsoft-com:office:powerpoint" xmlns:com="http://schemas.openxmlformats.org/drawingml/2006/compatibility" xmlns:p14="http://schemas.microsoft.com/office/powerpoint/2010/main" xmlns:p15="http://schemas.microsoft.com/office/powerpoint/2012/main" matchingName="Title and two columns" type="twoColTx">
+<p:sldLayout xmlns:a="http://schemas.openxmlformats.org/drawingml/2006/main" xmlns:r="http://schemas.openxmlformats.org/officeDocument/2006/relationships" xmlns:p="http://schemas.openxmlformats.org/presentationml/2006/main" matchingName="Title and two columns" type="twoColTx">
   <p:cSld name="TITLE_AND_TWO_COLUMNS">
     <p:spTree>
       <p:nvGrpSpPr>
-        <p:cNvPr id="20" name="Shape 20"/>
+        <p:cNvPr id="1" name="Shape 20"/>
         <p:cNvGrpSpPr/>
         <p:nvPr/>
       </p:nvGrpSpPr>
@@ -3193,7 +3382,9 @@
       <p:sp>
         <p:nvSpPr>
           <p:cNvPr id="21" name="Shape 21"/>
-          <p:cNvSpPr txBox="1"/>
+          <p:cNvSpPr txBox="1">
+            <a:spLocks noGrp="1"/>
+          </p:cNvSpPr>
           <p:nvPr>
             <p:ph type="title"/>
           </p:nvPr>
@@ -3208,7 +3399,7 @@
           </a:prstGeom>
         </p:spPr>
         <p:txBody>
-          <a:bodyPr anchorCtr="0" anchor="t" bIns="91425" lIns="91425" spcFirstLastPara="1" rIns="91425" wrap="square" tIns="91425"/>
+          <a:bodyPr spcFirstLastPara="1" wrap="square" lIns="91425" tIns="91425" rIns="91425" bIns="91425" anchor="t" anchorCtr="0"/>
           <a:lstStyle>
             <a:lvl1pPr lvl="0">
               <a:spcBef>
@@ -3310,15 +3501,19 @@
               <a:defRPr/>
             </a:lvl9pPr>
           </a:lstStyle>
-          <a:p/>
+          <a:p>
+            <a:endParaRPr/>
+          </a:p>
         </p:txBody>
       </p:sp>
       <p:sp>
         <p:nvSpPr>
           <p:cNvPr id="22" name="Shape 22"/>
-          <p:cNvSpPr txBox="1"/>
+          <p:cNvSpPr txBox="1">
+            <a:spLocks noGrp="1"/>
+          </p:cNvSpPr>
           <p:nvPr>
-            <p:ph idx="1" type="body"/>
+            <p:ph type="body" idx="1"/>
           </p:nvPr>
         </p:nvSpPr>
         <p:spPr>
@@ -3331,9 +3526,9 @@
           </a:prstGeom>
         </p:spPr>
         <p:txBody>
-          <a:bodyPr anchorCtr="0" anchor="t" bIns="91425" lIns="91425" spcFirstLastPara="1" rIns="91425" wrap="square" tIns="91425"/>
+          <a:bodyPr spcFirstLastPara="1" wrap="square" lIns="91425" tIns="91425" rIns="91425" bIns="91425" anchor="t" anchorCtr="0"/>
           <a:lstStyle>
-            <a:lvl1pPr indent="-317500" lvl="0" marL="457200">
+            <a:lvl1pPr marL="457200" lvl="0" indent="-317500">
               <a:spcBef>
                 <a:spcPts val="0"/>
               </a:spcBef>
@@ -3344,7 +3539,7 @@
               <a:buChar char="●"/>
               <a:defRPr sz="1400"/>
             </a:lvl1pPr>
-            <a:lvl2pPr indent="-304800" lvl="1" marL="914400">
+            <a:lvl2pPr marL="914400" lvl="1" indent="-304800">
               <a:spcBef>
                 <a:spcPts val="1600"/>
               </a:spcBef>
@@ -3355,7 +3550,7 @@
               <a:buChar char="○"/>
               <a:defRPr sz="1200"/>
             </a:lvl2pPr>
-            <a:lvl3pPr indent="-304800" lvl="2" marL="1371600">
+            <a:lvl3pPr marL="1371600" lvl="2" indent="-304800">
               <a:spcBef>
                 <a:spcPts val="1600"/>
               </a:spcBef>
@@ -3366,7 +3561,7 @@
               <a:buChar char="■"/>
               <a:defRPr sz="1200"/>
             </a:lvl3pPr>
-            <a:lvl4pPr indent="-304800" lvl="3" marL="1828800">
+            <a:lvl4pPr marL="1828800" lvl="3" indent="-304800">
               <a:spcBef>
                 <a:spcPts val="1600"/>
               </a:spcBef>
@@ -3377,7 +3572,7 @@
               <a:buChar char="●"/>
               <a:defRPr sz="1200"/>
             </a:lvl4pPr>
-            <a:lvl5pPr indent="-304800" lvl="4" marL="2286000">
+            <a:lvl5pPr marL="2286000" lvl="4" indent="-304800">
               <a:spcBef>
                 <a:spcPts val="1600"/>
               </a:spcBef>
@@ -3388,7 +3583,7 @@
               <a:buChar char="○"/>
               <a:defRPr sz="1200"/>
             </a:lvl5pPr>
-            <a:lvl6pPr indent="-304800" lvl="5" marL="2743200">
+            <a:lvl6pPr marL="2743200" lvl="5" indent="-304800">
               <a:spcBef>
                 <a:spcPts val="1600"/>
               </a:spcBef>
@@ -3399,7 +3594,7 @@
               <a:buChar char="■"/>
               <a:defRPr sz="1200"/>
             </a:lvl6pPr>
-            <a:lvl7pPr indent="-304800" lvl="6" marL="3200400">
+            <a:lvl7pPr marL="3200400" lvl="6" indent="-304800">
               <a:spcBef>
                 <a:spcPts val="1600"/>
               </a:spcBef>
@@ -3410,7 +3605,7 @@
               <a:buChar char="●"/>
               <a:defRPr sz="1200"/>
             </a:lvl7pPr>
-            <a:lvl8pPr indent="-304800" lvl="7" marL="3657600">
+            <a:lvl8pPr marL="3657600" lvl="7" indent="-304800">
               <a:spcBef>
                 <a:spcPts val="1600"/>
               </a:spcBef>
@@ -3421,7 +3616,7 @@
               <a:buChar char="○"/>
               <a:defRPr sz="1200"/>
             </a:lvl8pPr>
-            <a:lvl9pPr indent="-304800" lvl="8" marL="4114800">
+            <a:lvl9pPr marL="4114800" lvl="8" indent="-304800">
               <a:spcBef>
                 <a:spcPts val="1600"/>
               </a:spcBef>
@@ -3433,15 +3628,19 @@
               <a:defRPr sz="1200"/>
             </a:lvl9pPr>
           </a:lstStyle>
-          <a:p/>
+          <a:p>
+            <a:endParaRPr/>
+          </a:p>
         </p:txBody>
       </p:sp>
       <p:sp>
         <p:nvSpPr>
           <p:cNvPr id="23" name="Shape 23"/>
-          <p:cNvSpPr txBox="1"/>
+          <p:cNvSpPr txBox="1">
+            <a:spLocks noGrp="1"/>
+          </p:cNvSpPr>
           <p:nvPr>
-            <p:ph idx="2" type="body"/>
+            <p:ph type="body" idx="2"/>
           </p:nvPr>
         </p:nvSpPr>
         <p:spPr>
@@ -3454,9 +3653,9 @@
           </a:prstGeom>
         </p:spPr>
         <p:txBody>
-          <a:bodyPr anchorCtr="0" anchor="t" bIns="91425" lIns="91425" spcFirstLastPara="1" rIns="91425" wrap="square" tIns="91425"/>
+          <a:bodyPr spcFirstLastPara="1" wrap="square" lIns="91425" tIns="91425" rIns="91425" bIns="91425" anchor="t" anchorCtr="0"/>
           <a:lstStyle>
-            <a:lvl1pPr indent="-317500" lvl="0" marL="457200">
+            <a:lvl1pPr marL="457200" lvl="0" indent="-317500">
               <a:spcBef>
                 <a:spcPts val="0"/>
               </a:spcBef>
@@ -3467,7 +3666,7 @@
               <a:buChar char="●"/>
               <a:defRPr sz="1400"/>
             </a:lvl1pPr>
-            <a:lvl2pPr indent="-304800" lvl="1" marL="914400">
+            <a:lvl2pPr marL="914400" lvl="1" indent="-304800">
               <a:spcBef>
                 <a:spcPts val="1600"/>
               </a:spcBef>
@@ -3478,7 +3677,7 @@
               <a:buChar char="○"/>
               <a:defRPr sz="1200"/>
             </a:lvl2pPr>
-            <a:lvl3pPr indent="-304800" lvl="2" marL="1371600">
+            <a:lvl3pPr marL="1371600" lvl="2" indent="-304800">
               <a:spcBef>
                 <a:spcPts val="1600"/>
               </a:spcBef>
@@ -3489,7 +3688,7 @@
               <a:buChar char="■"/>
               <a:defRPr sz="1200"/>
             </a:lvl3pPr>
-            <a:lvl4pPr indent="-304800" lvl="3" marL="1828800">
+            <a:lvl4pPr marL="1828800" lvl="3" indent="-304800">
               <a:spcBef>
                 <a:spcPts val="1600"/>
               </a:spcBef>
@@ -3500,7 +3699,7 @@
               <a:buChar char="●"/>
               <a:defRPr sz="1200"/>
             </a:lvl4pPr>
-            <a:lvl5pPr indent="-304800" lvl="4" marL="2286000">
+            <a:lvl5pPr marL="2286000" lvl="4" indent="-304800">
               <a:spcBef>
                 <a:spcPts val="1600"/>
               </a:spcBef>
@@ -3511,7 +3710,7 @@
               <a:buChar char="○"/>
               <a:defRPr sz="1200"/>
             </a:lvl5pPr>
-            <a:lvl6pPr indent="-304800" lvl="5" marL="2743200">
+            <a:lvl6pPr marL="2743200" lvl="5" indent="-304800">
               <a:spcBef>
                 <a:spcPts val="1600"/>
               </a:spcBef>
@@ -3522,7 +3721,7 @@
               <a:buChar char="■"/>
               <a:defRPr sz="1200"/>
             </a:lvl6pPr>
-            <a:lvl7pPr indent="-304800" lvl="6" marL="3200400">
+            <a:lvl7pPr marL="3200400" lvl="6" indent="-304800">
               <a:spcBef>
                 <a:spcPts val="1600"/>
               </a:spcBef>
@@ -3533,7 +3732,7 @@
               <a:buChar char="●"/>
               <a:defRPr sz="1200"/>
             </a:lvl7pPr>
-            <a:lvl8pPr indent="-304800" lvl="7" marL="3657600">
+            <a:lvl8pPr marL="3657600" lvl="7" indent="-304800">
               <a:spcBef>
                 <a:spcPts val="1600"/>
               </a:spcBef>
@@ -3544,7 +3743,7 @@
               <a:buChar char="○"/>
               <a:defRPr sz="1200"/>
             </a:lvl8pPr>
-            <a:lvl9pPr indent="-304800" lvl="8" marL="4114800">
+            <a:lvl9pPr marL="4114800" lvl="8" indent="-304800">
               <a:spcBef>
                 <a:spcPts val="1600"/>
               </a:spcBef>
@@ -3556,15 +3755,19 @@
               <a:defRPr sz="1200"/>
             </a:lvl9pPr>
           </a:lstStyle>
-          <a:p/>
+          <a:p>
+            <a:endParaRPr/>
+          </a:p>
         </p:txBody>
       </p:sp>
       <p:sp>
         <p:nvSpPr>
           <p:cNvPr id="24" name="Shape 24"/>
-          <p:cNvSpPr txBox="1"/>
+          <p:cNvSpPr txBox="1">
+            <a:spLocks noGrp="1"/>
+          </p:cNvSpPr>
           <p:nvPr>
-            <p:ph idx="12" type="sldNum"/>
+            <p:ph type="sldNum" idx="12"/>
           </p:nvPr>
         </p:nvSpPr>
         <p:spPr>
@@ -3577,7 +3780,7 @@
           </a:prstGeom>
         </p:spPr>
         <p:txBody>
-          <a:bodyPr anchorCtr="0" anchor="ctr" bIns="91425" lIns="91425" spcFirstLastPara="1" rIns="91425" wrap="square" tIns="91425">
+          <a:bodyPr spcFirstLastPara="1" wrap="square" lIns="91425" tIns="91425" rIns="91425" bIns="91425" anchor="ctr" anchorCtr="0">
             <a:noAutofit/>
           </a:bodyPr>
           <a:lstStyle>
@@ -3619,7 +3822,7 @@
             </a:lvl9pPr>
           </a:lstStyle>
           <a:p>
-            <a:pPr indent="0" lvl="0" marL="0">
+            <a:pPr marL="0" lvl="0" indent="0">
               <a:spcBef>
                 <a:spcPts val="0"/>
               </a:spcBef>
@@ -3645,11 +3848,11 @@
 </file>
 
 <file path=ppt/slideLayouts/slideLayout5.xml><?xml version="1.0" encoding="utf-8"?>
-<p:sldLayout xmlns:a="http://schemas.openxmlformats.org/drawingml/2006/main" xmlns:r="http://schemas.openxmlformats.org/officeDocument/2006/relationships" xmlns:mc="http://schemas.openxmlformats.org/markup-compatibility/2006" xmlns:mv="urn:schemas-microsoft-com:mac:vml" xmlns:p="http://schemas.openxmlformats.org/presentationml/2006/main" xmlns:c="http://schemas.openxmlformats.org/drawingml/2006/chart" xmlns:dgm="http://schemas.openxmlformats.org/drawingml/2006/diagram" xmlns:o="urn:schemas-microsoft-com:office:office" xmlns:v="urn:schemas-microsoft-com:vml" xmlns:pvml="urn:schemas-microsoft-com:office:powerpoint" xmlns:com="http://schemas.openxmlformats.org/drawingml/2006/compatibility" xmlns:p14="http://schemas.microsoft.com/office/powerpoint/2010/main" xmlns:p15="http://schemas.microsoft.com/office/powerpoint/2012/main" matchingName="Title only" type="titleOnly">
+<p:sldLayout xmlns:a="http://schemas.openxmlformats.org/drawingml/2006/main" xmlns:r="http://schemas.openxmlformats.org/officeDocument/2006/relationships" xmlns:p="http://schemas.openxmlformats.org/presentationml/2006/main" matchingName="Title only" type="titleOnly">
   <p:cSld name="TITLE_ONLY">
     <p:spTree>
       <p:nvGrpSpPr>
-        <p:cNvPr id="25" name="Shape 25"/>
+        <p:cNvPr id="1" name="Shape 25"/>
         <p:cNvGrpSpPr/>
         <p:nvPr/>
       </p:nvGrpSpPr>
@@ -3664,7 +3867,9 @@
       <p:sp>
         <p:nvSpPr>
           <p:cNvPr id="26" name="Shape 26"/>
-          <p:cNvSpPr txBox="1"/>
+          <p:cNvSpPr txBox="1">
+            <a:spLocks noGrp="1"/>
+          </p:cNvSpPr>
           <p:nvPr>
             <p:ph type="title"/>
           </p:nvPr>
@@ -3679,7 +3884,7 @@
           </a:prstGeom>
         </p:spPr>
         <p:txBody>
-          <a:bodyPr anchorCtr="0" anchor="t" bIns="91425" lIns="91425" spcFirstLastPara="1" rIns="91425" wrap="square" tIns="91425"/>
+          <a:bodyPr spcFirstLastPara="1" wrap="square" lIns="91425" tIns="91425" rIns="91425" bIns="91425" anchor="t" anchorCtr="0"/>
           <a:lstStyle>
             <a:lvl1pPr lvl="0">
               <a:spcBef>
@@ -3781,15 +3986,19 @@
               <a:defRPr/>
             </a:lvl9pPr>
           </a:lstStyle>
-          <a:p/>
+          <a:p>
+            <a:endParaRPr/>
+          </a:p>
         </p:txBody>
       </p:sp>
       <p:sp>
         <p:nvSpPr>
           <p:cNvPr id="27" name="Shape 27"/>
-          <p:cNvSpPr txBox="1"/>
+          <p:cNvSpPr txBox="1">
+            <a:spLocks noGrp="1"/>
+          </p:cNvSpPr>
           <p:nvPr>
-            <p:ph idx="12" type="sldNum"/>
+            <p:ph type="sldNum" idx="12"/>
           </p:nvPr>
         </p:nvSpPr>
         <p:spPr>
@@ -3802,7 +4011,7 @@
           </a:prstGeom>
         </p:spPr>
         <p:txBody>
-          <a:bodyPr anchorCtr="0" anchor="ctr" bIns="91425" lIns="91425" spcFirstLastPara="1" rIns="91425" wrap="square" tIns="91425">
+          <a:bodyPr spcFirstLastPara="1" wrap="square" lIns="91425" tIns="91425" rIns="91425" bIns="91425" anchor="ctr" anchorCtr="0">
             <a:noAutofit/>
           </a:bodyPr>
           <a:lstStyle>
@@ -3844,7 +4053,7 @@
             </a:lvl9pPr>
           </a:lstStyle>
           <a:p>
-            <a:pPr indent="0" lvl="0" marL="0">
+            <a:pPr marL="0" lvl="0" indent="0">
               <a:spcBef>
                 <a:spcPts val="0"/>
               </a:spcBef>
@@ -3870,11 +4079,11 @@
 </file>
 
 <file path=ppt/slideLayouts/slideLayout6.xml><?xml version="1.0" encoding="utf-8"?>
-<p:sldLayout xmlns:a="http://schemas.openxmlformats.org/drawingml/2006/main" xmlns:r="http://schemas.openxmlformats.org/officeDocument/2006/relationships" xmlns:mc="http://schemas.openxmlformats.org/markup-compatibility/2006" xmlns:mv="urn:schemas-microsoft-com:mac:vml" xmlns:p="http://schemas.openxmlformats.org/presentationml/2006/main" xmlns:c="http://schemas.openxmlformats.org/drawingml/2006/chart" xmlns:dgm="http://schemas.openxmlformats.org/drawingml/2006/diagram" xmlns:o="urn:schemas-microsoft-com:office:office" xmlns:v="urn:schemas-microsoft-com:vml" xmlns:pvml="urn:schemas-microsoft-com:office:powerpoint" xmlns:com="http://schemas.openxmlformats.org/drawingml/2006/compatibility" xmlns:p14="http://schemas.microsoft.com/office/powerpoint/2010/main" xmlns:p15="http://schemas.microsoft.com/office/powerpoint/2012/main" matchingName="One column text">
+<p:sldLayout xmlns:a="http://schemas.openxmlformats.org/drawingml/2006/main" xmlns:r="http://schemas.openxmlformats.org/officeDocument/2006/relationships" xmlns:p="http://schemas.openxmlformats.org/presentationml/2006/main" matchingName="One column text">
   <p:cSld name="ONE_COLUMN_TEXT">
     <p:spTree>
       <p:nvGrpSpPr>
-        <p:cNvPr id="28" name="Shape 28"/>
+        <p:cNvPr id="1" name="Shape 28"/>
         <p:cNvGrpSpPr/>
         <p:nvPr/>
       </p:nvGrpSpPr>
@@ -3889,7 +4098,9 @@
       <p:sp>
         <p:nvSpPr>
           <p:cNvPr id="29" name="Shape 29"/>
-          <p:cNvSpPr txBox="1"/>
+          <p:cNvSpPr txBox="1">
+            <a:spLocks noGrp="1"/>
+          </p:cNvSpPr>
           <p:nvPr>
             <p:ph type="title"/>
           </p:nvPr>
@@ -3904,7 +4115,7 @@
           </a:prstGeom>
         </p:spPr>
         <p:txBody>
-          <a:bodyPr anchorCtr="0" anchor="b" bIns="91425" lIns="91425" spcFirstLastPara="1" rIns="91425" wrap="square" tIns="91425"/>
+          <a:bodyPr spcFirstLastPara="1" wrap="square" lIns="91425" tIns="91425" rIns="91425" bIns="91425" anchor="b" anchorCtr="0"/>
           <a:lstStyle>
             <a:lvl1pPr lvl="0">
               <a:spcBef>
@@ -4006,15 +4217,19 @@
               <a:defRPr sz="2400"/>
             </a:lvl9pPr>
           </a:lstStyle>
-          <a:p/>
+          <a:p>
+            <a:endParaRPr/>
+          </a:p>
         </p:txBody>
       </p:sp>
       <p:sp>
         <p:nvSpPr>
           <p:cNvPr id="30" name="Shape 30"/>
-          <p:cNvSpPr txBox="1"/>
+          <p:cNvSpPr txBox="1">
+            <a:spLocks noGrp="1"/>
+          </p:cNvSpPr>
           <p:nvPr>
-            <p:ph idx="1" type="body"/>
+            <p:ph type="body" idx="1"/>
           </p:nvPr>
         </p:nvSpPr>
         <p:spPr>
@@ -4027,9 +4242,9 @@
           </a:prstGeom>
         </p:spPr>
         <p:txBody>
-          <a:bodyPr anchorCtr="0" anchor="t" bIns="91425" lIns="91425" spcFirstLastPara="1" rIns="91425" wrap="square" tIns="91425"/>
+          <a:bodyPr spcFirstLastPara="1" wrap="square" lIns="91425" tIns="91425" rIns="91425" bIns="91425" anchor="t" anchorCtr="0"/>
           <a:lstStyle>
-            <a:lvl1pPr indent="-304800" lvl="0" marL="457200">
+            <a:lvl1pPr marL="457200" lvl="0" indent="-304800">
               <a:spcBef>
                 <a:spcPts val="0"/>
               </a:spcBef>
@@ -4040,7 +4255,7 @@
               <a:buChar char="●"/>
               <a:defRPr sz="1200"/>
             </a:lvl1pPr>
-            <a:lvl2pPr indent="-304800" lvl="1" marL="914400">
+            <a:lvl2pPr marL="914400" lvl="1" indent="-304800">
               <a:spcBef>
                 <a:spcPts val="1600"/>
               </a:spcBef>
@@ -4051,7 +4266,7 @@
               <a:buChar char="○"/>
               <a:defRPr sz="1200"/>
             </a:lvl2pPr>
-            <a:lvl3pPr indent="-304800" lvl="2" marL="1371600">
+            <a:lvl3pPr marL="1371600" lvl="2" indent="-304800">
               <a:spcBef>
                 <a:spcPts val="1600"/>
               </a:spcBef>
@@ -4062,7 +4277,7 @@
               <a:buChar char="■"/>
               <a:defRPr sz="1200"/>
             </a:lvl3pPr>
-            <a:lvl4pPr indent="-304800" lvl="3" marL="1828800">
+            <a:lvl4pPr marL="1828800" lvl="3" indent="-304800">
               <a:spcBef>
                 <a:spcPts val="1600"/>
               </a:spcBef>
@@ -4073,7 +4288,7 @@
               <a:buChar char="●"/>
               <a:defRPr sz="1200"/>
             </a:lvl4pPr>
-            <a:lvl5pPr indent="-304800" lvl="4" marL="2286000">
+            <a:lvl5pPr marL="2286000" lvl="4" indent="-304800">
               <a:spcBef>
                 <a:spcPts val="1600"/>
               </a:spcBef>
@@ -4084,7 +4299,7 @@
               <a:buChar char="○"/>
               <a:defRPr sz="1200"/>
             </a:lvl5pPr>
-            <a:lvl6pPr indent="-304800" lvl="5" marL="2743200">
+            <a:lvl6pPr marL="2743200" lvl="5" indent="-304800">
               <a:spcBef>
                 <a:spcPts val="1600"/>
               </a:spcBef>
@@ -4095,7 +4310,7 @@
               <a:buChar char="■"/>
               <a:defRPr sz="1200"/>
             </a:lvl6pPr>
-            <a:lvl7pPr indent="-304800" lvl="6" marL="3200400">
+            <a:lvl7pPr marL="3200400" lvl="6" indent="-304800">
               <a:spcBef>
                 <a:spcPts val="1600"/>
               </a:spcBef>
@@ -4106,7 +4321,7 @@
               <a:buChar char="●"/>
               <a:defRPr sz="1200"/>
             </a:lvl7pPr>
-            <a:lvl8pPr indent="-304800" lvl="7" marL="3657600">
+            <a:lvl8pPr marL="3657600" lvl="7" indent="-304800">
               <a:spcBef>
                 <a:spcPts val="1600"/>
               </a:spcBef>
@@ -4117,7 +4332,7 @@
               <a:buChar char="○"/>
               <a:defRPr sz="1200"/>
             </a:lvl8pPr>
-            <a:lvl9pPr indent="-304800" lvl="8" marL="4114800">
+            <a:lvl9pPr marL="4114800" lvl="8" indent="-304800">
               <a:spcBef>
                 <a:spcPts val="1600"/>
               </a:spcBef>
@@ -4129,15 +4344,19 @@
               <a:defRPr sz="1200"/>
             </a:lvl9pPr>
           </a:lstStyle>
-          <a:p/>
+          <a:p>
+            <a:endParaRPr/>
+          </a:p>
         </p:txBody>
       </p:sp>
       <p:sp>
         <p:nvSpPr>
           <p:cNvPr id="31" name="Shape 31"/>
-          <p:cNvSpPr txBox="1"/>
+          <p:cNvSpPr txBox="1">
+            <a:spLocks noGrp="1"/>
+          </p:cNvSpPr>
           <p:nvPr>
-            <p:ph idx="12" type="sldNum"/>
+            <p:ph type="sldNum" idx="12"/>
           </p:nvPr>
         </p:nvSpPr>
         <p:spPr>
@@ -4150,7 +4369,7 @@
           </a:prstGeom>
         </p:spPr>
         <p:txBody>
-          <a:bodyPr anchorCtr="0" anchor="ctr" bIns="91425" lIns="91425" spcFirstLastPara="1" rIns="91425" wrap="square" tIns="91425">
+          <a:bodyPr spcFirstLastPara="1" wrap="square" lIns="91425" tIns="91425" rIns="91425" bIns="91425" anchor="ctr" anchorCtr="0">
             <a:noAutofit/>
           </a:bodyPr>
           <a:lstStyle>
@@ -4192,7 +4411,7 @@
             </a:lvl9pPr>
           </a:lstStyle>
           <a:p>
-            <a:pPr indent="0" lvl="0" marL="0">
+            <a:pPr marL="0" lvl="0" indent="0">
               <a:spcBef>
                 <a:spcPts val="0"/>
               </a:spcBef>
@@ -4218,11 +4437,11 @@
 </file>
 
 <file path=ppt/slideLayouts/slideLayout7.xml><?xml version="1.0" encoding="utf-8"?>
-<p:sldLayout xmlns:a="http://schemas.openxmlformats.org/drawingml/2006/main" xmlns:r="http://schemas.openxmlformats.org/officeDocument/2006/relationships" xmlns:mc="http://schemas.openxmlformats.org/markup-compatibility/2006" xmlns:mv="urn:schemas-microsoft-com:mac:vml" xmlns:p="http://schemas.openxmlformats.org/presentationml/2006/main" xmlns:c="http://schemas.openxmlformats.org/drawingml/2006/chart" xmlns:dgm="http://schemas.openxmlformats.org/drawingml/2006/diagram" xmlns:o="urn:schemas-microsoft-com:office:office" xmlns:v="urn:schemas-microsoft-com:vml" xmlns:pvml="urn:schemas-microsoft-com:office:powerpoint" xmlns:com="http://schemas.openxmlformats.org/drawingml/2006/compatibility" xmlns:p14="http://schemas.microsoft.com/office/powerpoint/2010/main" xmlns:p15="http://schemas.microsoft.com/office/powerpoint/2012/main" matchingName="Main point">
+<p:sldLayout xmlns:a="http://schemas.openxmlformats.org/drawingml/2006/main" xmlns:r="http://schemas.openxmlformats.org/officeDocument/2006/relationships" xmlns:p="http://schemas.openxmlformats.org/presentationml/2006/main" matchingName="Main point">
   <p:cSld name="MAIN_POINT">
     <p:spTree>
       <p:nvGrpSpPr>
-        <p:cNvPr id="32" name="Shape 32"/>
+        <p:cNvPr id="1" name="Shape 32"/>
         <p:cNvGrpSpPr/>
         <p:nvPr/>
       </p:nvGrpSpPr>
@@ -4237,7 +4456,9 @@
       <p:sp>
         <p:nvSpPr>
           <p:cNvPr id="33" name="Shape 33"/>
-          <p:cNvSpPr txBox="1"/>
+          <p:cNvSpPr txBox="1">
+            <a:spLocks noGrp="1"/>
+          </p:cNvSpPr>
           <p:nvPr>
             <p:ph type="title"/>
           </p:nvPr>
@@ -4252,7 +4473,7 @@
           </a:prstGeom>
         </p:spPr>
         <p:txBody>
-          <a:bodyPr anchorCtr="0" anchor="ctr" bIns="91425" lIns="91425" spcFirstLastPara="1" rIns="91425" wrap="square" tIns="91425"/>
+          <a:bodyPr spcFirstLastPara="1" wrap="square" lIns="91425" tIns="91425" rIns="91425" bIns="91425" anchor="ctr" anchorCtr="0"/>
           <a:lstStyle>
             <a:lvl1pPr lvl="0">
               <a:spcBef>
@@ -4354,15 +4575,19 @@
               <a:defRPr sz="4800"/>
             </a:lvl9pPr>
           </a:lstStyle>
-          <a:p/>
+          <a:p>
+            <a:endParaRPr/>
+          </a:p>
         </p:txBody>
       </p:sp>
       <p:sp>
         <p:nvSpPr>
           <p:cNvPr id="34" name="Shape 34"/>
-          <p:cNvSpPr txBox="1"/>
+          <p:cNvSpPr txBox="1">
+            <a:spLocks noGrp="1"/>
+          </p:cNvSpPr>
           <p:nvPr>
-            <p:ph idx="12" type="sldNum"/>
+            <p:ph type="sldNum" idx="12"/>
           </p:nvPr>
         </p:nvSpPr>
         <p:spPr>
@@ -4375,7 +4600,7 @@
           </a:prstGeom>
         </p:spPr>
         <p:txBody>
-          <a:bodyPr anchorCtr="0" anchor="ctr" bIns="91425" lIns="91425" spcFirstLastPara="1" rIns="91425" wrap="square" tIns="91425">
+          <a:bodyPr spcFirstLastPara="1" wrap="square" lIns="91425" tIns="91425" rIns="91425" bIns="91425" anchor="ctr" anchorCtr="0">
             <a:noAutofit/>
           </a:bodyPr>
           <a:lstStyle>
@@ -4417,7 +4642,7 @@
             </a:lvl9pPr>
           </a:lstStyle>
           <a:p>
-            <a:pPr indent="0" lvl="0" marL="0">
+            <a:pPr marL="0" lvl="0" indent="0">
               <a:spcBef>
                 <a:spcPts val="0"/>
               </a:spcBef>
@@ -4443,11 +4668,11 @@
 </file>
 
 <file path=ppt/slideLayouts/slideLayout8.xml><?xml version="1.0" encoding="utf-8"?>
-<p:sldLayout xmlns:a="http://schemas.openxmlformats.org/drawingml/2006/main" xmlns:r="http://schemas.openxmlformats.org/officeDocument/2006/relationships" xmlns:mc="http://schemas.openxmlformats.org/markup-compatibility/2006" xmlns:mv="urn:schemas-microsoft-com:mac:vml" xmlns:p="http://schemas.openxmlformats.org/presentationml/2006/main" xmlns:c="http://schemas.openxmlformats.org/drawingml/2006/chart" xmlns:dgm="http://schemas.openxmlformats.org/drawingml/2006/diagram" xmlns:o="urn:schemas-microsoft-com:office:office" xmlns:v="urn:schemas-microsoft-com:vml" xmlns:pvml="urn:schemas-microsoft-com:office:powerpoint" xmlns:com="http://schemas.openxmlformats.org/drawingml/2006/compatibility" xmlns:p14="http://schemas.microsoft.com/office/powerpoint/2010/main" xmlns:p15="http://schemas.microsoft.com/office/powerpoint/2012/main" matchingName="Section title and description">
+<p:sldLayout xmlns:a="http://schemas.openxmlformats.org/drawingml/2006/main" xmlns:r="http://schemas.openxmlformats.org/officeDocument/2006/relationships" xmlns:p="http://schemas.openxmlformats.org/presentationml/2006/main" matchingName="Section title and description">
   <p:cSld name="SECTION_TITLE_AND_DESCRIPTION">
     <p:spTree>
       <p:nvGrpSpPr>
-        <p:cNvPr id="35" name="Shape 35"/>
+        <p:cNvPr id="1" name="Shape 35"/>
         <p:cNvGrpSpPr/>
         <p:nvPr/>
       </p:nvGrpSpPr>
@@ -4481,12 +4706,12 @@
           </a:ln>
         </p:spPr>
         <p:txBody>
-          <a:bodyPr anchorCtr="0" anchor="ctr" bIns="91425" lIns="91425" spcFirstLastPara="1" rIns="91425" wrap="square" tIns="91425">
+          <a:bodyPr spcFirstLastPara="1" wrap="square" lIns="91425" tIns="91425" rIns="91425" bIns="91425" anchor="ctr" anchorCtr="0">
             <a:noAutofit/>
           </a:bodyPr>
           <a:lstStyle/>
           <a:p>
-            <a:pPr indent="0" lvl="0" marL="0">
+            <a:pPr marL="0" lvl="0" indent="0">
               <a:spcBef>
                 <a:spcPts val="0"/>
               </a:spcBef>
@@ -4495,9 +4720,6 @@
               </a:spcAft>
               <a:buNone/>
             </a:pPr>
-            <a:r>
-              <a:t/>
-            </a:r>
             <a:endParaRPr/>
           </a:p>
         </p:txBody>
@@ -4505,7 +4727,9 @@
       <p:sp>
         <p:nvSpPr>
           <p:cNvPr id="37" name="Shape 37"/>
-          <p:cNvSpPr txBox="1"/>
+          <p:cNvSpPr txBox="1">
+            <a:spLocks noGrp="1"/>
+          </p:cNvSpPr>
           <p:nvPr>
             <p:ph type="title"/>
           </p:nvPr>
@@ -4520,7 +4744,7 @@
           </a:prstGeom>
         </p:spPr>
         <p:txBody>
-          <a:bodyPr anchorCtr="0" anchor="b" bIns="91425" lIns="91425" spcFirstLastPara="1" rIns="91425" wrap="square" tIns="91425"/>
+          <a:bodyPr spcFirstLastPara="1" wrap="square" lIns="91425" tIns="91425" rIns="91425" bIns="91425" anchor="b" anchorCtr="0"/>
           <a:lstStyle>
             <a:lvl1pPr lvl="0" algn="ctr">
               <a:spcBef>
@@ -4622,15 +4846,19 @@
               <a:defRPr sz="4200"/>
             </a:lvl9pPr>
           </a:lstStyle>
-          <a:p/>
+          <a:p>
+            <a:endParaRPr/>
+          </a:p>
         </p:txBody>
       </p:sp>
       <p:sp>
         <p:nvSpPr>
           <p:cNvPr id="38" name="Shape 38"/>
-          <p:cNvSpPr txBox="1"/>
+          <p:cNvSpPr txBox="1">
+            <a:spLocks noGrp="1"/>
+          </p:cNvSpPr>
           <p:nvPr>
-            <p:ph idx="1" type="subTitle"/>
+            <p:ph type="subTitle" idx="1"/>
           </p:nvPr>
         </p:nvSpPr>
         <p:spPr>
@@ -4643,7 +4871,7 @@
           </a:prstGeom>
         </p:spPr>
         <p:txBody>
-          <a:bodyPr anchorCtr="0" anchor="t" bIns="91425" lIns="91425" spcFirstLastPara="1" rIns="91425" wrap="square" tIns="91425"/>
+          <a:bodyPr spcFirstLastPara="1" wrap="square" lIns="91425" tIns="91425" rIns="91425" bIns="91425" anchor="t" anchorCtr="0"/>
           <a:lstStyle>
             <a:lvl1pPr lvl="0" algn="ctr">
               <a:lnSpc>
@@ -4772,15 +5000,19 @@
               <a:defRPr sz="2100"/>
             </a:lvl9pPr>
           </a:lstStyle>
-          <a:p/>
+          <a:p>
+            <a:endParaRPr/>
+          </a:p>
         </p:txBody>
       </p:sp>
       <p:sp>
         <p:nvSpPr>
           <p:cNvPr id="39" name="Shape 39"/>
-          <p:cNvSpPr txBox="1"/>
+          <p:cNvSpPr txBox="1">
+            <a:spLocks noGrp="1"/>
+          </p:cNvSpPr>
           <p:nvPr>
-            <p:ph idx="2" type="body"/>
+            <p:ph type="body" idx="2"/>
           </p:nvPr>
         </p:nvSpPr>
         <p:spPr>
@@ -4793,9 +5025,9 @@
           </a:prstGeom>
         </p:spPr>
         <p:txBody>
-          <a:bodyPr anchorCtr="0" anchor="ctr" bIns="91425" lIns="91425" spcFirstLastPara="1" rIns="91425" wrap="square" tIns="91425"/>
+          <a:bodyPr spcFirstLastPara="1" wrap="square" lIns="91425" tIns="91425" rIns="91425" bIns="91425" anchor="ctr" anchorCtr="0"/>
           <a:lstStyle>
-            <a:lvl1pPr indent="-342900" lvl="0" marL="457200">
+            <a:lvl1pPr marL="457200" lvl="0" indent="-342900">
               <a:spcBef>
                 <a:spcPts val="0"/>
               </a:spcBef>
@@ -4806,7 +5038,7 @@
               <a:buChar char="●"/>
               <a:defRPr/>
             </a:lvl1pPr>
-            <a:lvl2pPr indent="-317500" lvl="1" marL="914400">
+            <a:lvl2pPr marL="914400" lvl="1" indent="-317500">
               <a:spcBef>
                 <a:spcPts val="1600"/>
               </a:spcBef>
@@ -4817,7 +5049,7 @@
               <a:buChar char="○"/>
               <a:defRPr/>
             </a:lvl2pPr>
-            <a:lvl3pPr indent="-317500" lvl="2" marL="1371600">
+            <a:lvl3pPr marL="1371600" lvl="2" indent="-317500">
               <a:spcBef>
                 <a:spcPts val="1600"/>
               </a:spcBef>
@@ -4828,7 +5060,7 @@
               <a:buChar char="■"/>
               <a:defRPr/>
             </a:lvl3pPr>
-            <a:lvl4pPr indent="-317500" lvl="3" marL="1828800">
+            <a:lvl4pPr marL="1828800" lvl="3" indent="-317500">
               <a:spcBef>
                 <a:spcPts val="1600"/>
               </a:spcBef>
@@ -4839,7 +5071,7 @@
               <a:buChar char="●"/>
               <a:defRPr/>
             </a:lvl4pPr>
-            <a:lvl5pPr indent="-317500" lvl="4" marL="2286000">
+            <a:lvl5pPr marL="2286000" lvl="4" indent="-317500">
               <a:spcBef>
                 <a:spcPts val="1600"/>
               </a:spcBef>
@@ -4850,7 +5082,7 @@
               <a:buChar char="○"/>
               <a:defRPr/>
             </a:lvl5pPr>
-            <a:lvl6pPr indent="-317500" lvl="5" marL="2743200">
+            <a:lvl6pPr marL="2743200" lvl="5" indent="-317500">
               <a:spcBef>
                 <a:spcPts val="1600"/>
               </a:spcBef>
@@ -4861,7 +5093,7 @@
               <a:buChar char="■"/>
               <a:defRPr/>
             </a:lvl6pPr>
-            <a:lvl7pPr indent="-317500" lvl="6" marL="3200400">
+            <a:lvl7pPr marL="3200400" lvl="6" indent="-317500">
               <a:spcBef>
                 <a:spcPts val="1600"/>
               </a:spcBef>
@@ -4872,7 +5104,7 @@
               <a:buChar char="●"/>
               <a:defRPr/>
             </a:lvl7pPr>
-            <a:lvl8pPr indent="-317500" lvl="7" marL="3657600">
+            <a:lvl8pPr marL="3657600" lvl="7" indent="-317500">
               <a:spcBef>
                 <a:spcPts val="1600"/>
               </a:spcBef>
@@ -4883,7 +5115,7 @@
               <a:buChar char="○"/>
               <a:defRPr/>
             </a:lvl8pPr>
-            <a:lvl9pPr indent="-317500" lvl="8" marL="4114800">
+            <a:lvl9pPr marL="4114800" lvl="8" indent="-317500">
               <a:spcBef>
                 <a:spcPts val="1600"/>
               </a:spcBef>
@@ -4895,15 +5127,19 @@
               <a:defRPr/>
             </a:lvl9pPr>
           </a:lstStyle>
-          <a:p/>
+          <a:p>
+            <a:endParaRPr/>
+          </a:p>
         </p:txBody>
       </p:sp>
       <p:sp>
         <p:nvSpPr>
           <p:cNvPr id="40" name="Shape 40"/>
-          <p:cNvSpPr txBox="1"/>
+          <p:cNvSpPr txBox="1">
+            <a:spLocks noGrp="1"/>
+          </p:cNvSpPr>
           <p:nvPr>
-            <p:ph idx="12" type="sldNum"/>
+            <p:ph type="sldNum" idx="12"/>
           </p:nvPr>
         </p:nvSpPr>
         <p:spPr>
@@ -4916,7 +5152,7 @@
           </a:prstGeom>
         </p:spPr>
         <p:txBody>
-          <a:bodyPr anchorCtr="0" anchor="ctr" bIns="91425" lIns="91425" spcFirstLastPara="1" rIns="91425" wrap="square" tIns="91425">
+          <a:bodyPr spcFirstLastPara="1" wrap="square" lIns="91425" tIns="91425" rIns="91425" bIns="91425" anchor="ctr" anchorCtr="0">
             <a:noAutofit/>
           </a:bodyPr>
           <a:lstStyle>
@@ -4958,7 +5194,7 @@
             </a:lvl9pPr>
           </a:lstStyle>
           <a:p>
-            <a:pPr indent="0" lvl="0" marL="0">
+            <a:pPr marL="0" lvl="0" indent="0">
               <a:spcBef>
                 <a:spcPts val="0"/>
               </a:spcBef>
@@ -4984,11 +5220,11 @@
 </file>
 
 <file path=ppt/slideLayouts/slideLayout9.xml><?xml version="1.0" encoding="utf-8"?>
-<p:sldLayout xmlns:a="http://schemas.openxmlformats.org/drawingml/2006/main" xmlns:r="http://schemas.openxmlformats.org/officeDocument/2006/relationships" xmlns:mc="http://schemas.openxmlformats.org/markup-compatibility/2006" xmlns:mv="urn:schemas-microsoft-com:mac:vml" xmlns:p="http://schemas.openxmlformats.org/presentationml/2006/main" xmlns:c="http://schemas.openxmlformats.org/drawingml/2006/chart" xmlns:dgm="http://schemas.openxmlformats.org/drawingml/2006/diagram" xmlns:o="urn:schemas-microsoft-com:office:office" xmlns:v="urn:schemas-microsoft-com:vml" xmlns:pvml="urn:schemas-microsoft-com:office:powerpoint" xmlns:com="http://schemas.openxmlformats.org/drawingml/2006/compatibility" xmlns:p14="http://schemas.microsoft.com/office/powerpoint/2010/main" xmlns:p15="http://schemas.microsoft.com/office/powerpoint/2012/main" matchingName="Caption">
+<p:sldLayout xmlns:a="http://schemas.openxmlformats.org/drawingml/2006/main" xmlns:r="http://schemas.openxmlformats.org/officeDocument/2006/relationships" xmlns:p="http://schemas.openxmlformats.org/presentationml/2006/main" matchingName="Caption">
   <p:cSld name="CAPTION_ONLY">
     <p:spTree>
       <p:nvGrpSpPr>
-        <p:cNvPr id="41" name="Shape 41"/>
+        <p:cNvPr id="1" name="Shape 41"/>
         <p:cNvGrpSpPr/>
         <p:nvPr/>
       </p:nvGrpSpPr>
@@ -5003,9 +5239,11 @@
       <p:sp>
         <p:nvSpPr>
           <p:cNvPr id="42" name="Shape 42"/>
-          <p:cNvSpPr txBox="1"/>
+          <p:cNvSpPr txBox="1">
+            <a:spLocks noGrp="1"/>
+          </p:cNvSpPr>
           <p:nvPr>
-            <p:ph idx="1" type="body"/>
+            <p:ph type="body" idx="1"/>
           </p:nvPr>
         </p:nvSpPr>
         <p:spPr>
@@ -5018,9 +5256,9 @@
           </a:prstGeom>
         </p:spPr>
         <p:txBody>
-          <a:bodyPr anchorCtr="0" anchor="ctr" bIns="91425" lIns="91425" spcFirstLastPara="1" rIns="91425" wrap="square" tIns="91425"/>
+          <a:bodyPr spcFirstLastPara="1" wrap="square" lIns="91425" tIns="91425" rIns="91425" bIns="91425" anchor="ctr" anchorCtr="0"/>
           <a:lstStyle>
-            <a:lvl1pPr indent="-228600" lvl="0" marL="457200">
+            <a:lvl1pPr marL="457200" lvl="0" indent="-228600">
               <a:lnSpc>
                 <a:spcPct val="100000"/>
               </a:lnSpc>
@@ -5035,15 +5273,19 @@
               <a:defRPr/>
             </a:lvl1pPr>
           </a:lstStyle>
-          <a:p/>
+          <a:p>
+            <a:endParaRPr/>
+          </a:p>
         </p:txBody>
       </p:sp>
       <p:sp>
         <p:nvSpPr>
           <p:cNvPr id="43" name="Shape 43"/>
-          <p:cNvSpPr txBox="1"/>
+          <p:cNvSpPr txBox="1">
+            <a:spLocks noGrp="1"/>
+          </p:cNvSpPr>
           <p:nvPr>
-            <p:ph idx="12" type="sldNum"/>
+            <p:ph type="sldNum" idx="12"/>
           </p:nvPr>
         </p:nvSpPr>
         <p:spPr>
@@ -5056,7 +5298,7 @@
           </a:prstGeom>
         </p:spPr>
         <p:txBody>
-          <a:bodyPr anchorCtr="0" anchor="ctr" bIns="91425" lIns="91425" spcFirstLastPara="1" rIns="91425" wrap="square" tIns="91425">
+          <a:bodyPr spcFirstLastPara="1" wrap="square" lIns="91425" tIns="91425" rIns="91425" bIns="91425" anchor="ctr" anchorCtr="0">
             <a:noAutofit/>
           </a:bodyPr>
           <a:lstStyle>
@@ -5098,7 +5340,7 @@
             </a:lvl9pPr>
           </a:lstStyle>
           <a:p>
-            <a:pPr indent="0" lvl="0" marL="0">
+            <a:pPr marL="0" lvl="0" indent="0">
               <a:spcBef>
                 <a:spcPts val="0"/>
               </a:spcBef>
@@ -5124,18 +5366,19 @@
 </file>
 
 <file path=ppt/slideMasters/slideMaster1.xml><?xml version="1.0" encoding="utf-8"?>
-<p:sldMaster xmlns:a="http://schemas.openxmlformats.org/drawingml/2006/main" xmlns:r="http://schemas.openxmlformats.org/officeDocument/2006/relationships" xmlns:mc="http://schemas.openxmlformats.org/markup-compatibility/2006" xmlns:mv="urn:schemas-microsoft-com:mac:vml" xmlns:p="http://schemas.openxmlformats.org/presentationml/2006/main" xmlns:c="http://schemas.openxmlformats.org/drawingml/2006/chart" xmlns:dgm="http://schemas.openxmlformats.org/drawingml/2006/diagram" xmlns:o="urn:schemas-microsoft-com:office:office" xmlns:v="urn:schemas-microsoft-com:vml" xmlns:pvml="urn:schemas-microsoft-com:office:powerpoint" xmlns:com="http://schemas.openxmlformats.org/drawingml/2006/compatibility" xmlns:p14="http://schemas.microsoft.com/office/powerpoint/2010/main" xmlns:p15="http://schemas.microsoft.com/office/powerpoint/2012/main">
+<p:sldMaster xmlns:a="http://schemas.openxmlformats.org/drawingml/2006/main" xmlns:r="http://schemas.openxmlformats.org/officeDocument/2006/relationships" xmlns:p="http://schemas.openxmlformats.org/presentationml/2006/main">
   <p:cSld name="simple-light-2">
     <p:bg>
       <p:bgPr>
         <a:solidFill>
           <a:schemeClr val="lt1"/>
         </a:solidFill>
+        <a:effectLst/>
       </p:bgPr>
     </p:bg>
     <p:spTree>
       <p:nvGrpSpPr>
-        <p:cNvPr id="5" name="Shape 5"/>
+        <p:cNvPr id="1" name="Shape 5"/>
         <p:cNvGrpSpPr/>
         <p:nvPr/>
       </p:nvGrpSpPr>
@@ -5150,7 +5393,9 @@
       <p:sp>
         <p:nvSpPr>
           <p:cNvPr id="6" name="Shape 6"/>
-          <p:cNvSpPr txBox="1"/>
+          <p:cNvSpPr txBox="1">
+            <a:spLocks noGrp="1"/>
+          </p:cNvSpPr>
           <p:nvPr>
             <p:ph type="title"/>
           </p:nvPr>
@@ -5169,7 +5414,7 @@
           </a:ln>
         </p:spPr>
         <p:txBody>
-          <a:bodyPr anchorCtr="0" anchor="t" bIns="91425" lIns="91425" spcFirstLastPara="1" rIns="91425" wrap="square" tIns="91425"/>
+          <a:bodyPr spcFirstLastPara="1" wrap="square" lIns="91425" tIns="91425" rIns="91425" bIns="91425" anchor="t" anchorCtr="0"/>
           <a:lstStyle>
             <a:lvl1pPr lvl="0">
               <a:spcBef>
@@ -5334,15 +5579,19 @@
               </a:defRPr>
             </a:lvl9pPr>
           </a:lstStyle>
-          <a:p/>
+          <a:p>
+            <a:endParaRPr/>
+          </a:p>
         </p:txBody>
       </p:sp>
       <p:sp>
         <p:nvSpPr>
           <p:cNvPr id="7" name="Shape 7"/>
-          <p:cNvSpPr txBox="1"/>
+          <p:cNvSpPr txBox="1">
+            <a:spLocks noGrp="1"/>
+          </p:cNvSpPr>
           <p:nvPr>
-            <p:ph idx="1" type="body"/>
+            <p:ph type="body" idx="1"/>
           </p:nvPr>
         </p:nvSpPr>
         <p:spPr>
@@ -5359,9 +5608,9 @@
           </a:ln>
         </p:spPr>
         <p:txBody>
-          <a:bodyPr anchorCtr="0" anchor="t" bIns="91425" lIns="91425" spcFirstLastPara="1" rIns="91425" wrap="square" tIns="91425"/>
+          <a:bodyPr spcFirstLastPara="1" wrap="square" lIns="91425" tIns="91425" rIns="91425" bIns="91425" anchor="t" anchorCtr="0"/>
           <a:lstStyle>
-            <a:lvl1pPr indent="-342900" lvl="0" marL="457200">
+            <a:lvl1pPr marL="457200" lvl="0" indent="-342900">
               <a:lnSpc>
                 <a:spcPct val="115000"/>
               </a:lnSpc>
@@ -5382,7 +5631,7 @@
                 </a:solidFill>
               </a:defRPr>
             </a:lvl1pPr>
-            <a:lvl2pPr indent="-317500" lvl="1" marL="914400">
+            <a:lvl2pPr marL="914400" lvl="1" indent="-317500">
               <a:lnSpc>
                 <a:spcPct val="115000"/>
               </a:lnSpc>
@@ -5403,7 +5652,7 @@
                 </a:solidFill>
               </a:defRPr>
             </a:lvl2pPr>
-            <a:lvl3pPr indent="-317500" lvl="2" marL="1371600">
+            <a:lvl3pPr marL="1371600" lvl="2" indent="-317500">
               <a:lnSpc>
                 <a:spcPct val="115000"/>
               </a:lnSpc>
@@ -5424,7 +5673,7 @@
                 </a:solidFill>
               </a:defRPr>
             </a:lvl3pPr>
-            <a:lvl4pPr indent="-317500" lvl="3" marL="1828800">
+            <a:lvl4pPr marL="1828800" lvl="3" indent="-317500">
               <a:lnSpc>
                 <a:spcPct val="115000"/>
               </a:lnSpc>
@@ -5445,7 +5694,7 @@
                 </a:solidFill>
               </a:defRPr>
             </a:lvl4pPr>
-            <a:lvl5pPr indent="-317500" lvl="4" marL="2286000">
+            <a:lvl5pPr marL="2286000" lvl="4" indent="-317500">
               <a:lnSpc>
                 <a:spcPct val="115000"/>
               </a:lnSpc>
@@ -5466,7 +5715,7 @@
                 </a:solidFill>
               </a:defRPr>
             </a:lvl5pPr>
-            <a:lvl6pPr indent="-317500" lvl="5" marL="2743200">
+            <a:lvl6pPr marL="2743200" lvl="5" indent="-317500">
               <a:lnSpc>
                 <a:spcPct val="115000"/>
               </a:lnSpc>
@@ -5487,7 +5736,7 @@
                 </a:solidFill>
               </a:defRPr>
             </a:lvl6pPr>
-            <a:lvl7pPr indent="-317500" lvl="6" marL="3200400">
+            <a:lvl7pPr marL="3200400" lvl="6" indent="-317500">
               <a:lnSpc>
                 <a:spcPct val="115000"/>
               </a:lnSpc>
@@ -5508,7 +5757,7 @@
                 </a:solidFill>
               </a:defRPr>
             </a:lvl7pPr>
-            <a:lvl8pPr indent="-317500" lvl="7" marL="3657600">
+            <a:lvl8pPr marL="3657600" lvl="7" indent="-317500">
               <a:lnSpc>
                 <a:spcPct val="115000"/>
               </a:lnSpc>
@@ -5529,7 +5778,7 @@
                 </a:solidFill>
               </a:defRPr>
             </a:lvl8pPr>
-            <a:lvl9pPr indent="-317500" lvl="8" marL="4114800">
+            <a:lvl9pPr marL="4114800" lvl="8" indent="-317500">
               <a:lnSpc>
                 <a:spcPct val="115000"/>
               </a:lnSpc>
@@ -5551,15 +5800,19 @@
               </a:defRPr>
             </a:lvl9pPr>
           </a:lstStyle>
-          <a:p/>
+          <a:p>
+            <a:endParaRPr/>
+          </a:p>
         </p:txBody>
       </p:sp>
       <p:sp>
         <p:nvSpPr>
           <p:cNvPr id="8" name="Shape 8"/>
-          <p:cNvSpPr txBox="1"/>
+          <p:cNvSpPr txBox="1">
+            <a:spLocks noGrp="1"/>
+          </p:cNvSpPr>
           <p:nvPr>
-            <p:ph idx="12" type="sldNum"/>
+            <p:ph type="sldNum" idx="12"/>
           </p:nvPr>
         </p:nvSpPr>
         <p:spPr>
@@ -5576,7 +5829,7 @@
           </a:ln>
         </p:spPr>
         <p:txBody>
-          <a:bodyPr anchorCtr="0" anchor="ctr" bIns="91425" lIns="91425" spcFirstLastPara="1" rIns="91425" wrap="square" tIns="91425">
+          <a:bodyPr spcFirstLastPara="1" wrap="square" lIns="91425" tIns="91425" rIns="91425" bIns="91425" anchor="ctr" anchorCtr="0">
             <a:noAutofit/>
           </a:bodyPr>
           <a:lstStyle>
@@ -5654,7 +5907,7 @@
             </a:lvl9pPr>
           </a:lstStyle>
           <a:p>
-            <a:pPr indent="0" lvl="0" marL="0">
+            <a:pPr marL="0" lvl="0" indent="0">
               <a:spcBef>
                 <a:spcPts val="0"/>
               </a:spcBef>
@@ -5673,7 +5926,7 @@
       </p:sp>
     </p:spTree>
   </p:cSld>
-  <p:clrMap accent1="accent1" accent2="accent2" accent3="accent3" accent4="accent4" accent5="accent5" accent6="accent6" bg1="lt1" bg2="dk2" tx1="dk1" tx2="lt2" folHlink="folHlink" hlink="hlink"/>
+  <p:clrMap bg1="lt1" tx1="dk1" bg2="dk2" tx2="lt2" accent1="accent1" accent2="accent2" accent3="accent3" accent4="accent4" accent5="accent5" accent6="accent6" hlink="hlink" folHlink="folHlink"/>
   <p:sldLayoutIdLst>
     <p:sldLayoutId id="2147483648" r:id="rId1"/>
     <p:sldLayoutId id="2147483649" r:id="rId2"/>
@@ -5687,10 +5940,10 @@
     <p:sldLayoutId id="2147483657" r:id="rId10"/>
     <p:sldLayoutId id="2147483658" r:id="rId11"/>
   </p:sldLayoutIdLst>
-  <p:hf dt="0" ftr="0" hdr="0" sldNum="0"/>
+  <p:hf sldNum="0" hdr="0" ftr="0" dt="0"/>
   <p:txStyles>
     <p:titleStyle>
-      <a:defPPr lvl="0" marR="0" rtl="0" algn="l">
+      <a:defPPr marR="0" lvl="0" algn="l" rtl="0">
         <a:lnSpc>
           <a:spcPct val="100000"/>
         </a:lnSpc>
@@ -5701,7 +5954,7 @@
           <a:spcPts val="0"/>
         </a:spcAft>
       </a:defPPr>
-      <a:lvl1pPr lvl="0" marR="0" rtl="0" algn="l">
+      <a:lvl1pPr marR="0" lvl="0" algn="l" rtl="0">
         <a:lnSpc>
           <a:spcPct val="100000"/>
         </a:lnSpc>
@@ -5715,7 +5968,7 @@
           <a:srgbClr val="000000"/>
         </a:buClr>
         <a:buFont typeface="Arial"/>
-        <a:defRPr b="0" i="0" sz="1400" u="none" cap="none" strike="noStrike">
+        <a:defRPr sz="1400" b="0" i="0" u="none" strike="noStrike" cap="none">
           <a:solidFill>
             <a:srgbClr val="000000"/>
           </a:solidFill>
@@ -5725,7 +5978,7 @@
           <a:sym typeface="Arial"/>
         </a:defRPr>
       </a:lvl1pPr>
-      <a:lvl2pPr lvl="1" marR="0" rtl="0" algn="l">
+      <a:lvl2pPr marR="0" lvl="1" algn="l" rtl="0">
         <a:lnSpc>
           <a:spcPct val="100000"/>
         </a:lnSpc>
@@ -5739,7 +5992,7 @@
           <a:srgbClr val="000000"/>
         </a:buClr>
         <a:buFont typeface="Arial"/>
-        <a:defRPr b="0" i="0" sz="1400" u="none" cap="none" strike="noStrike">
+        <a:defRPr sz="1400" b="0" i="0" u="none" strike="noStrike" cap="none">
           <a:solidFill>
             <a:srgbClr val="000000"/>
           </a:solidFill>
@@ -5749,7 +6002,7 @@
           <a:sym typeface="Arial"/>
         </a:defRPr>
       </a:lvl2pPr>
-      <a:lvl3pPr lvl="2" marR="0" rtl="0" algn="l">
+      <a:lvl3pPr marR="0" lvl="2" algn="l" rtl="0">
         <a:lnSpc>
           <a:spcPct val="100000"/>
         </a:lnSpc>
@@ -5763,7 +6016,7 @@
           <a:srgbClr val="000000"/>
         </a:buClr>
         <a:buFont typeface="Arial"/>
-        <a:defRPr b="0" i="0" sz="1400" u="none" cap="none" strike="noStrike">
+        <a:defRPr sz="1400" b="0" i="0" u="none" strike="noStrike" cap="none">
           <a:solidFill>
             <a:srgbClr val="000000"/>
           </a:solidFill>
@@ -5773,7 +6026,7 @@
           <a:sym typeface="Arial"/>
         </a:defRPr>
       </a:lvl3pPr>
-      <a:lvl4pPr lvl="3" marR="0" rtl="0" algn="l">
+      <a:lvl4pPr marR="0" lvl="3" algn="l" rtl="0">
         <a:lnSpc>
           <a:spcPct val="100000"/>
         </a:lnSpc>
@@ -5787,7 +6040,7 @@
           <a:srgbClr val="000000"/>
         </a:buClr>
         <a:buFont typeface="Arial"/>
-        <a:defRPr b="0" i="0" sz="1400" u="none" cap="none" strike="noStrike">
+        <a:defRPr sz="1400" b="0" i="0" u="none" strike="noStrike" cap="none">
           <a:solidFill>
             <a:srgbClr val="000000"/>
           </a:solidFill>
@@ -5797,7 +6050,7 @@
           <a:sym typeface="Arial"/>
         </a:defRPr>
       </a:lvl4pPr>
-      <a:lvl5pPr lvl="4" marR="0" rtl="0" algn="l">
+      <a:lvl5pPr marR="0" lvl="4" algn="l" rtl="0">
         <a:lnSpc>
           <a:spcPct val="100000"/>
         </a:lnSpc>
@@ -5811,7 +6064,7 @@
           <a:srgbClr val="000000"/>
         </a:buClr>
         <a:buFont typeface="Arial"/>
-        <a:defRPr b="0" i="0" sz="1400" u="none" cap="none" strike="noStrike">
+        <a:defRPr sz="1400" b="0" i="0" u="none" strike="noStrike" cap="none">
           <a:solidFill>
             <a:srgbClr val="000000"/>
           </a:solidFill>
@@ -5821,7 +6074,7 @@
           <a:sym typeface="Arial"/>
         </a:defRPr>
       </a:lvl5pPr>
-      <a:lvl6pPr lvl="5" marR="0" rtl="0" algn="l">
+      <a:lvl6pPr marR="0" lvl="5" algn="l" rtl="0">
         <a:lnSpc>
           <a:spcPct val="100000"/>
         </a:lnSpc>
@@ -5835,7 +6088,7 @@
           <a:srgbClr val="000000"/>
         </a:buClr>
         <a:buFont typeface="Arial"/>
-        <a:defRPr b="0" i="0" sz="1400" u="none" cap="none" strike="noStrike">
+        <a:defRPr sz="1400" b="0" i="0" u="none" strike="noStrike" cap="none">
           <a:solidFill>
             <a:srgbClr val="000000"/>
           </a:solidFill>
@@ -5845,7 +6098,7 @@
           <a:sym typeface="Arial"/>
         </a:defRPr>
       </a:lvl6pPr>
-      <a:lvl7pPr lvl="6" marR="0" rtl="0" algn="l">
+      <a:lvl7pPr marR="0" lvl="6" algn="l" rtl="0">
         <a:lnSpc>
           <a:spcPct val="100000"/>
         </a:lnSpc>
@@ -5859,7 +6112,7 @@
           <a:srgbClr val="000000"/>
         </a:buClr>
         <a:buFont typeface="Arial"/>
-        <a:defRPr b="0" i="0" sz="1400" u="none" cap="none" strike="noStrike">
+        <a:defRPr sz="1400" b="0" i="0" u="none" strike="noStrike" cap="none">
           <a:solidFill>
             <a:srgbClr val="000000"/>
           </a:solidFill>
@@ -5869,7 +6122,7 @@
           <a:sym typeface="Arial"/>
         </a:defRPr>
       </a:lvl7pPr>
-      <a:lvl8pPr lvl="7" marR="0" rtl="0" algn="l">
+      <a:lvl8pPr marR="0" lvl="7" algn="l" rtl="0">
         <a:lnSpc>
           <a:spcPct val="100000"/>
         </a:lnSpc>
@@ -5883,7 +6136,7 @@
           <a:srgbClr val="000000"/>
         </a:buClr>
         <a:buFont typeface="Arial"/>
-        <a:defRPr b="0" i="0" sz="1400" u="none" cap="none" strike="noStrike">
+        <a:defRPr sz="1400" b="0" i="0" u="none" strike="noStrike" cap="none">
           <a:solidFill>
             <a:srgbClr val="000000"/>
           </a:solidFill>
@@ -5893,7 +6146,7 @@
           <a:sym typeface="Arial"/>
         </a:defRPr>
       </a:lvl8pPr>
-      <a:lvl9pPr lvl="8" marR="0" rtl="0" algn="l">
+      <a:lvl9pPr marR="0" lvl="8" algn="l" rtl="0">
         <a:lnSpc>
           <a:spcPct val="100000"/>
         </a:lnSpc>
@@ -5907,7 +6160,7 @@
           <a:srgbClr val="000000"/>
         </a:buClr>
         <a:buFont typeface="Arial"/>
-        <a:defRPr b="0" i="0" sz="1400" u="none" cap="none" strike="noStrike">
+        <a:defRPr sz="1400" b="0" i="0" u="none" strike="noStrike" cap="none">
           <a:solidFill>
             <a:srgbClr val="000000"/>
           </a:solidFill>
@@ -5919,7 +6172,7 @@
       </a:lvl9pPr>
     </p:titleStyle>
     <p:bodyStyle>
-      <a:defPPr lvl="0" marR="0" rtl="0" algn="l">
+      <a:defPPr marR="0" lvl="0" algn="l" rtl="0">
         <a:lnSpc>
           <a:spcPct val="100000"/>
         </a:lnSpc>
@@ -5930,7 +6183,7 @@
           <a:spcPts val="0"/>
         </a:spcAft>
       </a:defPPr>
-      <a:lvl1pPr lvl="0" marR="0" rtl="0" algn="l">
+      <a:lvl1pPr marR="0" lvl="0" algn="l" rtl="0">
         <a:lnSpc>
           <a:spcPct val="100000"/>
         </a:lnSpc>
@@ -5944,7 +6197,7 @@
           <a:srgbClr val="000000"/>
         </a:buClr>
         <a:buFont typeface="Arial"/>
-        <a:defRPr b="0" i="0" sz="1400" u="none" cap="none" strike="noStrike">
+        <a:defRPr sz="1400" b="0" i="0" u="none" strike="noStrike" cap="none">
           <a:solidFill>
             <a:srgbClr val="000000"/>
           </a:solidFill>
@@ -5954,7 +6207,7 @@
           <a:sym typeface="Arial"/>
         </a:defRPr>
       </a:lvl1pPr>
-      <a:lvl2pPr lvl="1" marR="0" rtl="0" algn="l">
+      <a:lvl2pPr marR="0" lvl="1" algn="l" rtl="0">
         <a:lnSpc>
           <a:spcPct val="100000"/>
         </a:lnSpc>
@@ -5968,7 +6221,7 @@
           <a:srgbClr val="000000"/>
         </a:buClr>
         <a:buFont typeface="Arial"/>
-        <a:defRPr b="0" i="0" sz="1400" u="none" cap="none" strike="noStrike">
+        <a:defRPr sz="1400" b="0" i="0" u="none" strike="noStrike" cap="none">
           <a:solidFill>
             <a:srgbClr val="000000"/>
           </a:solidFill>
@@ -5978,7 +6231,7 @@
           <a:sym typeface="Arial"/>
         </a:defRPr>
       </a:lvl2pPr>
-      <a:lvl3pPr lvl="2" marR="0" rtl="0" algn="l">
+      <a:lvl3pPr marR="0" lvl="2" algn="l" rtl="0">
         <a:lnSpc>
           <a:spcPct val="100000"/>
         </a:lnSpc>
@@ -5992,7 +6245,7 @@
           <a:srgbClr val="000000"/>
         </a:buClr>
         <a:buFont typeface="Arial"/>
-        <a:defRPr b="0" i="0" sz="1400" u="none" cap="none" strike="noStrike">
+        <a:defRPr sz="1400" b="0" i="0" u="none" strike="noStrike" cap="none">
           <a:solidFill>
             <a:srgbClr val="000000"/>
           </a:solidFill>
@@ -6002,7 +6255,7 @@
           <a:sym typeface="Arial"/>
         </a:defRPr>
       </a:lvl3pPr>
-      <a:lvl4pPr lvl="3" marR="0" rtl="0" algn="l">
+      <a:lvl4pPr marR="0" lvl="3" algn="l" rtl="0">
         <a:lnSpc>
           <a:spcPct val="100000"/>
         </a:lnSpc>
@@ -6016,7 +6269,7 @@
           <a:srgbClr val="000000"/>
         </a:buClr>
         <a:buFont typeface="Arial"/>
-        <a:defRPr b="0" i="0" sz="1400" u="none" cap="none" strike="noStrike">
+        <a:defRPr sz="1400" b="0" i="0" u="none" strike="noStrike" cap="none">
           <a:solidFill>
             <a:srgbClr val="000000"/>
           </a:solidFill>
@@ -6026,7 +6279,7 @@
           <a:sym typeface="Arial"/>
         </a:defRPr>
       </a:lvl4pPr>
-      <a:lvl5pPr lvl="4" marR="0" rtl="0" algn="l">
+      <a:lvl5pPr marR="0" lvl="4" algn="l" rtl="0">
         <a:lnSpc>
           <a:spcPct val="100000"/>
         </a:lnSpc>
@@ -6040,7 +6293,7 @@
           <a:srgbClr val="000000"/>
         </a:buClr>
         <a:buFont typeface="Arial"/>
-        <a:defRPr b="0" i="0" sz="1400" u="none" cap="none" strike="noStrike">
+        <a:defRPr sz="1400" b="0" i="0" u="none" strike="noStrike" cap="none">
           <a:solidFill>
             <a:srgbClr val="000000"/>
           </a:solidFill>
@@ -6050,7 +6303,7 @@
           <a:sym typeface="Arial"/>
         </a:defRPr>
       </a:lvl5pPr>
-      <a:lvl6pPr lvl="5" marR="0" rtl="0" algn="l">
+      <a:lvl6pPr marR="0" lvl="5" algn="l" rtl="0">
         <a:lnSpc>
           <a:spcPct val="100000"/>
         </a:lnSpc>
@@ -6064,7 +6317,7 @@
           <a:srgbClr val="000000"/>
         </a:buClr>
         <a:buFont typeface="Arial"/>
-        <a:defRPr b="0" i="0" sz="1400" u="none" cap="none" strike="noStrike">
+        <a:defRPr sz="1400" b="0" i="0" u="none" strike="noStrike" cap="none">
           <a:solidFill>
             <a:srgbClr val="000000"/>
           </a:solidFill>
@@ -6074,7 +6327,7 @@
           <a:sym typeface="Arial"/>
         </a:defRPr>
       </a:lvl6pPr>
-      <a:lvl7pPr lvl="6" marR="0" rtl="0" algn="l">
+      <a:lvl7pPr marR="0" lvl="6" algn="l" rtl="0">
         <a:lnSpc>
           <a:spcPct val="100000"/>
         </a:lnSpc>
@@ -6088,7 +6341,7 @@
           <a:srgbClr val="000000"/>
         </a:buClr>
         <a:buFont typeface="Arial"/>
-        <a:defRPr b="0" i="0" sz="1400" u="none" cap="none" strike="noStrike">
+        <a:defRPr sz="1400" b="0" i="0" u="none" strike="noStrike" cap="none">
           <a:solidFill>
             <a:srgbClr val="000000"/>
           </a:solidFill>
@@ -6098,7 +6351,7 @@
           <a:sym typeface="Arial"/>
         </a:defRPr>
       </a:lvl7pPr>
-      <a:lvl8pPr lvl="7" marR="0" rtl="0" algn="l">
+      <a:lvl8pPr marR="0" lvl="7" algn="l" rtl="0">
         <a:lnSpc>
           <a:spcPct val="100000"/>
         </a:lnSpc>
@@ -6112,7 +6365,7 @@
           <a:srgbClr val="000000"/>
         </a:buClr>
         <a:buFont typeface="Arial"/>
-        <a:defRPr b="0" i="0" sz="1400" u="none" cap="none" strike="noStrike">
+        <a:defRPr sz="1400" b="0" i="0" u="none" strike="noStrike" cap="none">
           <a:solidFill>
             <a:srgbClr val="000000"/>
           </a:solidFill>
@@ -6122,7 +6375,7 @@
           <a:sym typeface="Arial"/>
         </a:defRPr>
       </a:lvl8pPr>
-      <a:lvl9pPr lvl="8" marR="0" rtl="0" algn="l">
+      <a:lvl9pPr marR="0" lvl="8" algn="l" rtl="0">
         <a:lnSpc>
           <a:spcPct val="100000"/>
         </a:lnSpc>
@@ -6136,7 +6389,7 @@
           <a:srgbClr val="000000"/>
         </a:buClr>
         <a:buFont typeface="Arial"/>
-        <a:defRPr b="0" i="0" sz="1400" u="none" cap="none" strike="noStrike">
+        <a:defRPr sz="1400" b="0" i="0" u="none" strike="noStrike" cap="none">
           <a:solidFill>
             <a:srgbClr val="000000"/>
           </a:solidFill>
@@ -6148,7 +6401,7 @@
       </a:lvl9pPr>
     </p:bodyStyle>
     <p:otherStyle>
-      <a:defPPr lvl="0" marR="0" rtl="0" algn="l">
+      <a:defPPr marR="0" lvl="0" algn="l" rtl="0">
         <a:lnSpc>
           <a:spcPct val="100000"/>
         </a:lnSpc>
@@ -6159,7 +6412,7 @@
           <a:spcPts val="0"/>
         </a:spcAft>
       </a:defPPr>
-      <a:lvl1pPr lvl="0" marR="0" rtl="0" algn="l">
+      <a:lvl1pPr marR="0" lvl="0" algn="l" rtl="0">
         <a:lnSpc>
           <a:spcPct val="100000"/>
         </a:lnSpc>
@@ -6173,7 +6426,7 @@
           <a:srgbClr val="000000"/>
         </a:buClr>
         <a:buFont typeface="Arial"/>
-        <a:defRPr b="0" i="0" sz="1400" u="none" cap="none" strike="noStrike">
+        <a:defRPr sz="1400" b="0" i="0" u="none" strike="noStrike" cap="none">
           <a:solidFill>
             <a:srgbClr val="000000"/>
           </a:solidFill>
@@ -6183,7 +6436,7 @@
           <a:sym typeface="Arial"/>
         </a:defRPr>
       </a:lvl1pPr>
-      <a:lvl2pPr lvl="1" marR="0" rtl="0" algn="l">
+      <a:lvl2pPr marR="0" lvl="1" algn="l" rtl="0">
         <a:lnSpc>
           <a:spcPct val="100000"/>
         </a:lnSpc>
@@ -6197,7 +6450,7 @@
           <a:srgbClr val="000000"/>
         </a:buClr>
         <a:buFont typeface="Arial"/>
-        <a:defRPr b="0" i="0" sz="1400" u="none" cap="none" strike="noStrike">
+        <a:defRPr sz="1400" b="0" i="0" u="none" strike="noStrike" cap="none">
           <a:solidFill>
             <a:srgbClr val="000000"/>
           </a:solidFill>
@@ -6207,7 +6460,7 @@
           <a:sym typeface="Arial"/>
         </a:defRPr>
       </a:lvl2pPr>
-      <a:lvl3pPr lvl="2" marR="0" rtl="0" algn="l">
+      <a:lvl3pPr marR="0" lvl="2" algn="l" rtl="0">
         <a:lnSpc>
           <a:spcPct val="100000"/>
         </a:lnSpc>
@@ -6221,7 +6474,7 @@
           <a:srgbClr val="000000"/>
         </a:buClr>
         <a:buFont typeface="Arial"/>
-        <a:defRPr b="0" i="0" sz="1400" u="none" cap="none" strike="noStrike">
+        <a:defRPr sz="1400" b="0" i="0" u="none" strike="noStrike" cap="none">
           <a:solidFill>
             <a:srgbClr val="000000"/>
           </a:solidFill>
@@ -6231,7 +6484,7 @@
           <a:sym typeface="Arial"/>
         </a:defRPr>
       </a:lvl3pPr>
-      <a:lvl4pPr lvl="3" marR="0" rtl="0" algn="l">
+      <a:lvl4pPr marR="0" lvl="3" algn="l" rtl="0">
         <a:lnSpc>
           <a:spcPct val="100000"/>
         </a:lnSpc>
@@ -6245,7 +6498,7 @@
           <a:srgbClr val="000000"/>
         </a:buClr>
         <a:buFont typeface="Arial"/>
-        <a:defRPr b="0" i="0" sz="1400" u="none" cap="none" strike="noStrike">
+        <a:defRPr sz="1400" b="0" i="0" u="none" strike="noStrike" cap="none">
           <a:solidFill>
             <a:srgbClr val="000000"/>
           </a:solidFill>
@@ -6255,7 +6508,7 @@
           <a:sym typeface="Arial"/>
         </a:defRPr>
       </a:lvl4pPr>
-      <a:lvl5pPr lvl="4" marR="0" rtl="0" algn="l">
+      <a:lvl5pPr marR="0" lvl="4" algn="l" rtl="0">
         <a:lnSpc>
           <a:spcPct val="100000"/>
         </a:lnSpc>
@@ -6269,7 +6522,7 @@
           <a:srgbClr val="000000"/>
         </a:buClr>
         <a:buFont typeface="Arial"/>
-        <a:defRPr b="0" i="0" sz="1400" u="none" cap="none" strike="noStrike">
+        <a:defRPr sz="1400" b="0" i="0" u="none" strike="noStrike" cap="none">
           <a:solidFill>
             <a:srgbClr val="000000"/>
           </a:solidFill>
@@ -6279,7 +6532,7 @@
           <a:sym typeface="Arial"/>
         </a:defRPr>
       </a:lvl5pPr>
-      <a:lvl6pPr lvl="5" marR="0" rtl="0" algn="l">
+      <a:lvl6pPr marR="0" lvl="5" algn="l" rtl="0">
         <a:lnSpc>
           <a:spcPct val="100000"/>
         </a:lnSpc>
@@ -6293,7 +6546,7 @@
           <a:srgbClr val="000000"/>
         </a:buClr>
         <a:buFont typeface="Arial"/>
-        <a:defRPr b="0" i="0" sz="1400" u="none" cap="none" strike="noStrike">
+        <a:defRPr sz="1400" b="0" i="0" u="none" strike="noStrike" cap="none">
           <a:solidFill>
             <a:srgbClr val="000000"/>
           </a:solidFill>
@@ -6303,7 +6556,7 @@
           <a:sym typeface="Arial"/>
         </a:defRPr>
       </a:lvl6pPr>
-      <a:lvl7pPr lvl="6" marR="0" rtl="0" algn="l">
+      <a:lvl7pPr marR="0" lvl="6" algn="l" rtl="0">
         <a:lnSpc>
           <a:spcPct val="100000"/>
         </a:lnSpc>
@@ -6317,7 +6570,7 @@
           <a:srgbClr val="000000"/>
         </a:buClr>
         <a:buFont typeface="Arial"/>
-        <a:defRPr b="0" i="0" sz="1400" u="none" cap="none" strike="noStrike">
+        <a:defRPr sz="1400" b="0" i="0" u="none" strike="noStrike" cap="none">
           <a:solidFill>
             <a:srgbClr val="000000"/>
           </a:solidFill>
@@ -6327,7 +6580,7 @@
           <a:sym typeface="Arial"/>
         </a:defRPr>
       </a:lvl7pPr>
-      <a:lvl8pPr lvl="7" marR="0" rtl="0" algn="l">
+      <a:lvl8pPr marR="0" lvl="7" algn="l" rtl="0">
         <a:lnSpc>
           <a:spcPct val="100000"/>
         </a:lnSpc>
@@ -6341,7 +6594,7 @@
           <a:srgbClr val="000000"/>
         </a:buClr>
         <a:buFont typeface="Arial"/>
-        <a:defRPr b="0" i="0" sz="1400" u="none" cap="none" strike="noStrike">
+        <a:defRPr sz="1400" b="0" i="0" u="none" strike="noStrike" cap="none">
           <a:solidFill>
             <a:srgbClr val="000000"/>
           </a:solidFill>
@@ -6351,7 +6604,7 @@
           <a:sym typeface="Arial"/>
         </a:defRPr>
       </a:lvl8pPr>
-      <a:lvl9pPr lvl="8" marR="0" rtl="0" algn="l">
+      <a:lvl9pPr marR="0" lvl="8" algn="l" rtl="0">
         <a:lnSpc>
           <a:spcPct val="100000"/>
         </a:lnSpc>
@@ -6365,7 +6618,7 @@
           <a:srgbClr val="000000"/>
         </a:buClr>
         <a:buFont typeface="Arial"/>
-        <a:defRPr b="0" i="0" sz="1400" u="none" cap="none" strike="noStrike">
+        <a:defRPr sz="1400" b="0" i="0" u="none" strike="noStrike" cap="none">
           <a:solidFill>
             <a:srgbClr val="000000"/>
           </a:solidFill>
@@ -6381,11 +6634,11 @@
 </file>
 
 <file path=ppt/slides/slide1.xml><?xml version="1.0" encoding="utf-8"?>
-<p:sld xmlns:a="http://schemas.openxmlformats.org/drawingml/2006/main" xmlns:r="http://schemas.openxmlformats.org/officeDocument/2006/relationships" xmlns:mc="http://schemas.openxmlformats.org/markup-compatibility/2006" xmlns:mv="urn:schemas-microsoft-com:mac:vml" xmlns:p="http://schemas.openxmlformats.org/presentationml/2006/main" xmlns:c="http://schemas.openxmlformats.org/drawingml/2006/chart" xmlns:dgm="http://schemas.openxmlformats.org/drawingml/2006/diagram" xmlns:o="urn:schemas-microsoft-com:office:office" xmlns:v="urn:schemas-microsoft-com:vml" xmlns:pvml="urn:schemas-microsoft-com:office:powerpoint" xmlns:com="http://schemas.openxmlformats.org/drawingml/2006/compatibility" xmlns:p14="http://schemas.microsoft.com/office/powerpoint/2010/main" xmlns:p15="http://schemas.microsoft.com/office/powerpoint/2012/main">
+<p:sld xmlns:a="http://schemas.openxmlformats.org/drawingml/2006/main" xmlns:r="http://schemas.openxmlformats.org/officeDocument/2006/relationships" xmlns:p="http://schemas.openxmlformats.org/presentationml/2006/main">
   <p:cSld>
     <p:spTree>
       <p:nvGrpSpPr>
-        <p:cNvPr id="53" name="Shape 53"/>
+        <p:cNvPr id="1" name="Shape 53"/>
         <p:cNvGrpSpPr/>
         <p:nvPr/>
       </p:nvGrpSpPr>
@@ -6400,7 +6653,9 @@
       <p:sp>
         <p:nvSpPr>
           <p:cNvPr id="54" name="Shape 54"/>
-          <p:cNvSpPr txBox="1"/>
+          <p:cNvSpPr txBox="1">
+            <a:spLocks noGrp="1"/>
+          </p:cNvSpPr>
           <p:nvPr>
             <p:ph type="ctrTitle"/>
           </p:nvPr>
@@ -6415,12 +6670,12 @@
           </a:prstGeom>
         </p:spPr>
         <p:txBody>
-          <a:bodyPr anchorCtr="0" anchor="b" bIns="91425" lIns="91425" spcFirstLastPara="1" rIns="91425" wrap="square" tIns="91425">
+          <a:bodyPr spcFirstLastPara="1" wrap="square" lIns="91425" tIns="91425" rIns="91425" bIns="91425" anchor="b" anchorCtr="0">
             <a:noAutofit/>
           </a:bodyPr>
           <a:lstStyle/>
           <a:p>
-            <a:pPr indent="0" lvl="0" marL="0">
+            <a:pPr marL="0" lvl="0" indent="0">
               <a:spcBef>
                 <a:spcPts val="0"/>
               </a:spcBef>
@@ -6430,19 +6685,29 @@
               <a:buNone/>
             </a:pPr>
             <a:r>
-              <a:rPr lang="zh-CN"/>
-              <a:t>Android Permission</a:t>
+              <a:rPr lang="zh-CN" dirty="0"/>
+              <a:t>Android </a:t>
             </a:r>
-            <a:endParaRPr/>
+            <a:r>
+              <a:rPr lang="zh-CN" dirty="0" smtClean="0"/>
+              <a:t>Permission</a:t>
+            </a:r>
+            <a:r>
+              <a:rPr lang="en-US" altLang="zh-CN" dirty="0" smtClean="0"/>
+              <a:t> Model</a:t>
+            </a:r>
+            <a:endParaRPr dirty="0"/>
           </a:p>
         </p:txBody>
       </p:sp>
       <p:sp>
         <p:nvSpPr>
           <p:cNvPr id="55" name="Shape 55"/>
-          <p:cNvSpPr txBox="1"/>
+          <p:cNvSpPr txBox="1">
+            <a:spLocks noGrp="1"/>
+          </p:cNvSpPr>
           <p:nvPr>
-            <p:ph idx="1" type="subTitle"/>
+            <p:ph type="subTitle" idx="1"/>
           </p:nvPr>
         </p:nvSpPr>
         <p:spPr>
@@ -6455,12 +6720,12 @@
           </a:prstGeom>
         </p:spPr>
         <p:txBody>
-          <a:bodyPr anchorCtr="0" anchor="t" bIns="91425" lIns="91425" spcFirstLastPara="1" rIns="91425" wrap="square" tIns="91425">
+          <a:bodyPr spcFirstLastPara="1" wrap="square" lIns="91425" tIns="91425" rIns="91425" bIns="91425" anchor="t" anchorCtr="0">
             <a:noAutofit/>
           </a:bodyPr>
           <a:lstStyle/>
           <a:p>
-            <a:pPr indent="0" lvl="0" marL="0">
+            <a:pPr marL="0" lvl="0" indent="0">
               <a:spcBef>
                 <a:spcPts val="0"/>
               </a:spcBef>
@@ -6470,10 +6735,10 @@
               <a:buNone/>
             </a:pPr>
             <a:r>
-              <a:rPr lang="zh-CN"/>
+              <a:rPr lang="zh-CN" dirty="0"/>
               <a:t>2018/06</a:t>
             </a:r>
-            <a:endParaRPr/>
+            <a:endParaRPr dirty="0"/>
           </a:p>
         </p:txBody>
       </p:sp>
@@ -6482,15 +6747,22 @@
   <p:clrMapOvr>
     <a:masterClrMapping/>
   </p:clrMapOvr>
+  <p:timing>
+    <p:tnLst>
+      <p:par>
+        <p:cTn id="1" dur="indefinite" restart="never" nodeType="tmRoot"/>
+      </p:par>
+    </p:tnLst>
+  </p:timing>
 </p:sld>
 </file>
 
 <file path=ppt/slides/slide10.xml><?xml version="1.0" encoding="utf-8"?>
-<p:sld xmlns:a="http://schemas.openxmlformats.org/drawingml/2006/main" xmlns:r="http://schemas.openxmlformats.org/officeDocument/2006/relationships" xmlns:mc="http://schemas.openxmlformats.org/markup-compatibility/2006" xmlns:mv="urn:schemas-microsoft-com:mac:vml" xmlns:p="http://schemas.openxmlformats.org/presentationml/2006/main" xmlns:c="http://schemas.openxmlformats.org/drawingml/2006/chart" xmlns:dgm="http://schemas.openxmlformats.org/drawingml/2006/diagram" xmlns:o="urn:schemas-microsoft-com:office:office" xmlns:v="urn:schemas-microsoft-com:vml" xmlns:pvml="urn:schemas-microsoft-com:office:powerpoint" xmlns:com="http://schemas.openxmlformats.org/drawingml/2006/compatibility" xmlns:p14="http://schemas.microsoft.com/office/powerpoint/2010/main" xmlns:p15="http://schemas.microsoft.com/office/powerpoint/2012/main">
+<p:sld xmlns:a="http://schemas.openxmlformats.org/drawingml/2006/main" xmlns:r="http://schemas.openxmlformats.org/officeDocument/2006/relationships" xmlns:p="http://schemas.openxmlformats.org/presentationml/2006/main">
   <p:cSld>
     <p:spTree>
       <p:nvGrpSpPr>
-        <p:cNvPr id="107" name="Shape 107"/>
+        <p:cNvPr id="1" name=""/>
         <p:cNvGrpSpPr/>
         <p:nvPr/>
       </p:nvGrpSpPr>
@@ -6504,8 +6776,535 @@
       </p:grpSpPr>
       <p:sp>
         <p:nvSpPr>
-          <p:cNvPr id="108" name="Shape 108"/>
-          <p:cNvSpPr txBox="1"/>
+          <p:cNvPr id="2" name="Title 1"/>
+          <p:cNvSpPr>
+            <a:spLocks noGrp="1"/>
+          </p:cNvSpPr>
+          <p:nvPr>
+            <p:ph type="title"/>
+          </p:nvPr>
+        </p:nvSpPr>
+        <p:spPr/>
+        <p:txBody>
+          <a:bodyPr/>
+          <a:lstStyle/>
+          <a:p>
+            <a:r>
+              <a:rPr lang="en-US" altLang="zh-CN" dirty="0" smtClean="0"/>
+              <a:t>Custom ROM</a:t>
+            </a:r>
+            <a:endParaRPr lang="zh-CN" altLang="en-US" dirty="0"/>
+          </a:p>
+        </p:txBody>
+      </p:sp>
+      <p:sp>
+        <p:nvSpPr>
+          <p:cNvPr id="3" name="Text Placeholder 2"/>
+          <p:cNvSpPr>
+            <a:spLocks noGrp="1"/>
+          </p:cNvSpPr>
+          <p:nvPr>
+            <p:ph type="body" idx="1"/>
+          </p:nvPr>
+        </p:nvSpPr>
+        <p:spPr/>
+        <p:txBody>
+          <a:bodyPr/>
+          <a:lstStyle/>
+          <a:p>
+            <a:r>
+              <a:rPr lang="en-US" altLang="zh-CN" dirty="0" smtClean="0"/>
+              <a:t>/data/system/appops.xml</a:t>
+            </a:r>
+            <a:endParaRPr lang="zh-CN" altLang="en-US" dirty="0"/>
+          </a:p>
+        </p:txBody>
+      </p:sp>
+      <p:pic>
+        <p:nvPicPr>
+          <p:cNvPr id="4" name="Picture 3"/>
+          <p:cNvPicPr>
+            <a:picLocks noChangeAspect="1"/>
+          </p:cNvPicPr>
+          <p:nvPr/>
+        </p:nvPicPr>
+        <p:blipFill>
+          <a:blip r:embed="rId2">
+            <a:extLst>
+              <a:ext uri="{28A0092B-C50C-407E-A947-70E740481C1C}">
+                <a14:useLocalDpi xmlns:a14="http://schemas.microsoft.com/office/drawing/2010/main" val="0"/>
+              </a:ext>
+            </a:extLst>
+          </a:blip>
+          <a:stretch>
+            <a:fillRect/>
+          </a:stretch>
+        </p:blipFill>
+        <p:spPr>
+          <a:xfrm>
+            <a:off x="786144" y="1562970"/>
+            <a:ext cx="4191585" cy="3077004"/>
+          </a:xfrm>
+          <a:prstGeom prst="rect">
+            <a:avLst/>
+          </a:prstGeom>
+        </p:spPr>
+      </p:pic>
+    </p:spTree>
+    <p:extLst>
+      <p:ext uri="{BB962C8B-B14F-4D97-AF65-F5344CB8AC3E}">
+        <p14:creationId xmlns:p14="http://schemas.microsoft.com/office/powerpoint/2010/main" val="3357166686"/>
+      </p:ext>
+    </p:extLst>
+  </p:cSld>
+  <p:clrMapOvr>
+    <a:masterClrMapping/>
+  </p:clrMapOvr>
+  <p:timing>
+    <p:tnLst>
+      <p:par>
+        <p:cTn id="1" dur="indefinite" restart="never" nodeType="tmRoot"/>
+      </p:par>
+    </p:tnLst>
+  </p:timing>
+</p:sld>
+</file>
+
+<file path=ppt/slides/slide11.xml><?xml version="1.0" encoding="utf-8"?>
+<p:sld xmlns:a="http://schemas.openxmlformats.org/drawingml/2006/main" xmlns:r="http://schemas.openxmlformats.org/officeDocument/2006/relationships" xmlns:p="http://schemas.openxmlformats.org/presentationml/2006/main">
+  <p:cSld>
+    <p:spTree>
+      <p:nvGrpSpPr>
+        <p:cNvPr id="1" name=""/>
+        <p:cNvGrpSpPr/>
+        <p:nvPr/>
+      </p:nvGrpSpPr>
+      <p:grpSpPr>
+        <a:xfrm>
+          <a:off x="0" y="0"/>
+          <a:ext cx="0" cy="0"/>
+          <a:chOff x="0" y="0"/>
+          <a:chExt cx="0" cy="0"/>
+        </a:xfrm>
+      </p:grpSpPr>
+      <p:sp>
+        <p:nvSpPr>
+          <p:cNvPr id="2" name="Title 1"/>
+          <p:cNvSpPr>
+            <a:spLocks noGrp="1"/>
+          </p:cNvSpPr>
+          <p:nvPr>
+            <p:ph type="title"/>
+          </p:nvPr>
+        </p:nvSpPr>
+        <p:spPr/>
+        <p:txBody>
+          <a:bodyPr/>
+          <a:lstStyle/>
+          <a:p>
+            <a:r>
+              <a:rPr lang="en-US" altLang="zh-CN" dirty="0" smtClean="0"/>
+              <a:t>Problem</a:t>
+            </a:r>
+            <a:endParaRPr lang="zh-CN" altLang="en-US" dirty="0"/>
+          </a:p>
+        </p:txBody>
+      </p:sp>
+      <p:sp>
+        <p:nvSpPr>
+          <p:cNvPr id="3" name="Text Placeholder 2"/>
+          <p:cNvSpPr>
+            <a:spLocks noGrp="1"/>
+          </p:cNvSpPr>
+          <p:nvPr>
+            <p:ph type="body" idx="1"/>
+          </p:nvPr>
+        </p:nvSpPr>
+        <p:spPr/>
+        <p:txBody>
+          <a:bodyPr/>
+          <a:lstStyle/>
+          <a:p>
+            <a:r>
+              <a:rPr lang="en-US" altLang="zh-CN" dirty="0" smtClean="0"/>
+              <a:t>Installed Packages List Permission</a:t>
+            </a:r>
+          </a:p>
+          <a:p>
+            <a:r>
+              <a:rPr lang="en-US" altLang="zh-CN" dirty="0" smtClean="0"/>
+              <a:t>Installed Packages</a:t>
+            </a:r>
+          </a:p>
+          <a:p>
+            <a:pPr lvl="1">
+              <a:buFont typeface="Wingdings" panose="05000000000000000000" pitchFamily="2" charset="2"/>
+              <a:buChar char="u"/>
+            </a:pPr>
+            <a:r>
+              <a:rPr lang="en-US" altLang="zh-CN" dirty="0" smtClean="0"/>
+              <a:t>File : /data/system/packages.xml</a:t>
+            </a:r>
+          </a:p>
+          <a:p>
+            <a:pPr lvl="1">
+              <a:buFont typeface="Wingdings" panose="05000000000000000000" pitchFamily="2" charset="2"/>
+              <a:buChar char="u"/>
+            </a:pPr>
+            <a:r>
+              <a:rPr lang="en-US" altLang="zh-CN" dirty="0" smtClean="0"/>
+              <a:t>Memory : </a:t>
+            </a:r>
+            <a:r>
+              <a:rPr lang="en-US" altLang="zh-CN" dirty="0" err="1" smtClean="0"/>
+              <a:t>PackageManagerService</a:t>
+            </a:r>
+            <a:r>
+              <a:rPr lang="en-US" altLang="zh-CN" dirty="0" smtClean="0"/>
+              <a:t>  </a:t>
+            </a:r>
+            <a:r>
+              <a:rPr lang="en-US" altLang="zh-CN" dirty="0" err="1" smtClean="0"/>
+              <a:t>system_service</a:t>
+            </a:r>
+            <a:endParaRPr lang="en-US" altLang="zh-CN" dirty="0" smtClean="0"/>
+          </a:p>
+        </p:txBody>
+      </p:sp>
+    </p:spTree>
+    <p:extLst>
+      <p:ext uri="{BB962C8B-B14F-4D97-AF65-F5344CB8AC3E}">
+        <p14:creationId xmlns:p14="http://schemas.microsoft.com/office/powerpoint/2010/main" val="3880398116"/>
+      </p:ext>
+    </p:extLst>
+  </p:cSld>
+  <p:clrMapOvr>
+    <a:masterClrMapping/>
+  </p:clrMapOvr>
+  <p:timing>
+    <p:tnLst>
+      <p:par>
+        <p:cTn id="1" dur="indefinite" restart="never" nodeType="tmRoot"/>
+      </p:par>
+    </p:tnLst>
+  </p:timing>
+</p:sld>
+</file>
+
+<file path=ppt/slides/slide12.xml><?xml version="1.0" encoding="utf-8"?>
+<p:sld xmlns:a="http://schemas.openxmlformats.org/drawingml/2006/main" xmlns:r="http://schemas.openxmlformats.org/officeDocument/2006/relationships" xmlns:p="http://schemas.openxmlformats.org/presentationml/2006/main">
+  <p:cSld>
+    <p:spTree>
+      <p:nvGrpSpPr>
+        <p:cNvPr id="1" name=""/>
+        <p:cNvGrpSpPr/>
+        <p:nvPr/>
+      </p:nvGrpSpPr>
+      <p:grpSpPr>
+        <a:xfrm>
+          <a:off x="0" y="0"/>
+          <a:ext cx="0" cy="0"/>
+          <a:chOff x="0" y="0"/>
+          <a:chExt cx="0" cy="0"/>
+        </a:xfrm>
+      </p:grpSpPr>
+      <p:sp>
+        <p:nvSpPr>
+          <p:cNvPr id="2" name="Title 1"/>
+          <p:cNvSpPr>
+            <a:spLocks noGrp="1"/>
+          </p:cNvSpPr>
+          <p:nvPr>
+            <p:ph type="title"/>
+          </p:nvPr>
+        </p:nvSpPr>
+        <p:spPr/>
+        <p:txBody>
+          <a:bodyPr/>
+          <a:lstStyle/>
+          <a:p>
+            <a:r>
+              <a:rPr lang="en-US" altLang="zh-CN" dirty="0" smtClean="0"/>
+              <a:t>Problem</a:t>
+            </a:r>
+            <a:endParaRPr lang="zh-CN" altLang="en-US" dirty="0"/>
+          </a:p>
+        </p:txBody>
+      </p:sp>
+      <p:sp>
+        <p:nvSpPr>
+          <p:cNvPr id="3" name="Text Placeholder 2"/>
+          <p:cNvSpPr>
+            <a:spLocks noGrp="1"/>
+          </p:cNvSpPr>
+          <p:nvPr>
+            <p:ph type="body" idx="1"/>
+          </p:nvPr>
+        </p:nvSpPr>
+        <p:spPr/>
+        <p:txBody>
+          <a:bodyPr/>
+          <a:lstStyle/>
+          <a:p>
+            <a:r>
+              <a:rPr lang="en-US" altLang="zh-CN" dirty="0" err="1" smtClean="0"/>
+              <a:t>Xposed</a:t>
+            </a:r>
+            <a:endParaRPr lang="zh-CN" altLang="en-US" dirty="0"/>
+          </a:p>
+        </p:txBody>
+      </p:sp>
+    </p:spTree>
+    <p:extLst>
+      <p:ext uri="{BB962C8B-B14F-4D97-AF65-F5344CB8AC3E}">
+        <p14:creationId xmlns:p14="http://schemas.microsoft.com/office/powerpoint/2010/main" val="2632492617"/>
+      </p:ext>
+    </p:extLst>
+  </p:cSld>
+  <p:clrMapOvr>
+    <a:masterClrMapping/>
+  </p:clrMapOvr>
+  <p:timing>
+    <p:tnLst>
+      <p:par>
+        <p:cTn id="1" dur="indefinite" restart="never" nodeType="tmRoot"/>
+      </p:par>
+    </p:tnLst>
+  </p:timing>
+</p:sld>
+</file>
+
+<file path=ppt/slides/slide13.xml><?xml version="1.0" encoding="utf-8"?>
+<p:sld xmlns:a="http://schemas.openxmlformats.org/drawingml/2006/main" xmlns:r="http://schemas.openxmlformats.org/officeDocument/2006/relationships" xmlns:p="http://schemas.openxmlformats.org/presentationml/2006/main">
+  <p:cSld>
+    <p:spTree>
+      <p:nvGrpSpPr>
+        <p:cNvPr id="1" name=""/>
+        <p:cNvGrpSpPr/>
+        <p:nvPr/>
+      </p:nvGrpSpPr>
+      <p:grpSpPr>
+        <a:xfrm>
+          <a:off x="0" y="0"/>
+          <a:ext cx="0" cy="0"/>
+          <a:chOff x="0" y="0"/>
+          <a:chExt cx="0" cy="0"/>
+        </a:xfrm>
+      </p:grpSpPr>
+      <p:sp>
+        <p:nvSpPr>
+          <p:cNvPr id="2" name="Title 1"/>
+          <p:cNvSpPr>
+            <a:spLocks noGrp="1"/>
+          </p:cNvSpPr>
+          <p:nvPr>
+            <p:ph type="title"/>
+          </p:nvPr>
+        </p:nvSpPr>
+        <p:spPr/>
+        <p:txBody>
+          <a:bodyPr/>
+          <a:lstStyle/>
+          <a:p>
+            <a:r>
+              <a:rPr lang="en-US" altLang="zh-CN" dirty="0" smtClean="0"/>
+              <a:t>Problem</a:t>
+            </a:r>
+            <a:endParaRPr lang="zh-CN" altLang="en-US" dirty="0"/>
+          </a:p>
+        </p:txBody>
+      </p:sp>
+      <p:sp>
+        <p:nvSpPr>
+          <p:cNvPr id="3" name="Text Placeholder 2"/>
+          <p:cNvSpPr>
+            <a:spLocks noGrp="1"/>
+          </p:cNvSpPr>
+          <p:nvPr>
+            <p:ph type="body" idx="1"/>
+          </p:nvPr>
+        </p:nvSpPr>
+        <p:spPr/>
+        <p:txBody>
+          <a:bodyPr/>
+          <a:lstStyle/>
+          <a:p>
+            <a:r>
+              <a:rPr lang="en-US" altLang="zh-CN" dirty="0" smtClean="0"/>
+              <a:t>Custom ROM : MI 7.0</a:t>
+            </a:r>
+          </a:p>
+          <a:p>
+            <a:endParaRPr lang="zh-CN" altLang="en-US" dirty="0"/>
+          </a:p>
+        </p:txBody>
+      </p:sp>
+      <p:pic>
+        <p:nvPicPr>
+          <p:cNvPr id="4" name="Picture 3"/>
+          <p:cNvPicPr>
+            <a:picLocks noChangeAspect="1"/>
+          </p:cNvPicPr>
+          <p:nvPr/>
+        </p:nvPicPr>
+        <p:blipFill>
+          <a:blip r:embed="rId2">
+            <a:extLst>
+              <a:ext uri="{28A0092B-C50C-407E-A947-70E740481C1C}">
+                <a14:useLocalDpi xmlns:a14="http://schemas.microsoft.com/office/drawing/2010/main" val="0"/>
+              </a:ext>
+            </a:extLst>
+          </a:blip>
+          <a:stretch>
+            <a:fillRect/>
+          </a:stretch>
+        </p:blipFill>
+        <p:spPr>
+          <a:xfrm>
+            <a:off x="0" y="1694051"/>
+            <a:ext cx="9144000" cy="2045483"/>
+          </a:xfrm>
+          <a:prstGeom prst="rect">
+            <a:avLst/>
+          </a:prstGeom>
+        </p:spPr>
+      </p:pic>
+    </p:spTree>
+    <p:extLst>
+      <p:ext uri="{BB962C8B-B14F-4D97-AF65-F5344CB8AC3E}">
+        <p14:creationId xmlns:p14="http://schemas.microsoft.com/office/powerpoint/2010/main" val="113858475"/>
+      </p:ext>
+    </p:extLst>
+  </p:cSld>
+  <p:clrMapOvr>
+    <a:masterClrMapping/>
+  </p:clrMapOvr>
+  <p:timing>
+    <p:tnLst>
+      <p:par>
+        <p:cTn id="1" dur="indefinite" restart="never" nodeType="tmRoot"/>
+      </p:par>
+    </p:tnLst>
+  </p:timing>
+</p:sld>
+</file>
+
+<file path=ppt/slides/slide14.xml><?xml version="1.0" encoding="utf-8"?>
+<p:sld xmlns:a="http://schemas.openxmlformats.org/drawingml/2006/main" xmlns:r="http://schemas.openxmlformats.org/officeDocument/2006/relationships" xmlns:p="http://schemas.openxmlformats.org/presentationml/2006/main">
+  <p:cSld>
+    <p:spTree>
+      <p:nvGrpSpPr>
+        <p:cNvPr id="1" name=""/>
+        <p:cNvGrpSpPr/>
+        <p:nvPr/>
+      </p:nvGrpSpPr>
+      <p:grpSpPr>
+        <a:xfrm>
+          <a:off x="0" y="0"/>
+          <a:ext cx="0" cy="0"/>
+          <a:chOff x="0" y="0"/>
+          <a:chExt cx="0" cy="0"/>
+        </a:xfrm>
+      </p:grpSpPr>
+      <p:sp>
+        <p:nvSpPr>
+          <p:cNvPr id="2" name="Title 1"/>
+          <p:cNvSpPr>
+            <a:spLocks noGrp="1"/>
+          </p:cNvSpPr>
+          <p:nvPr>
+            <p:ph type="title"/>
+          </p:nvPr>
+        </p:nvSpPr>
+        <p:spPr>
+          <a:xfrm>
+            <a:off x="311700" y="470249"/>
+            <a:ext cx="8520600" cy="572700"/>
+          </a:xfrm>
+        </p:spPr>
+        <p:txBody>
+          <a:bodyPr/>
+          <a:lstStyle/>
+          <a:p>
+            <a:endParaRPr lang="zh-CN" altLang="en-US" dirty="0"/>
+          </a:p>
+        </p:txBody>
+      </p:sp>
+      <p:sp>
+        <p:nvSpPr>
+          <p:cNvPr id="3" name="Text Placeholder 2"/>
+          <p:cNvSpPr>
+            <a:spLocks noGrp="1"/>
+          </p:cNvSpPr>
+          <p:nvPr>
+            <p:ph type="body" idx="1"/>
+          </p:nvPr>
+        </p:nvSpPr>
+        <p:spPr/>
+        <p:txBody>
+          <a:bodyPr/>
+          <a:lstStyle/>
+          <a:p>
+            <a:pPr marL="114300" indent="0" algn="ctr">
+              <a:buNone/>
+            </a:pPr>
+            <a:endParaRPr lang="en-US" altLang="zh-CN" sz="6000" dirty="0" smtClean="0"/>
+          </a:p>
+          <a:p>
+            <a:pPr marL="114300" indent="0" algn="ctr">
+              <a:buNone/>
+            </a:pPr>
+            <a:r>
+              <a:rPr lang="en-US" altLang="zh-CN" sz="6000" dirty="0" smtClean="0"/>
+              <a:t>THANKS</a:t>
+            </a:r>
+            <a:endParaRPr lang="zh-CN" altLang="en-US" sz="6000" dirty="0"/>
+          </a:p>
+        </p:txBody>
+      </p:sp>
+    </p:spTree>
+    <p:extLst>
+      <p:ext uri="{BB962C8B-B14F-4D97-AF65-F5344CB8AC3E}">
+        <p14:creationId xmlns:p14="http://schemas.microsoft.com/office/powerpoint/2010/main" val="311215610"/>
+      </p:ext>
+    </p:extLst>
+  </p:cSld>
+  <p:clrMapOvr>
+    <a:masterClrMapping/>
+  </p:clrMapOvr>
+  <p:timing>
+    <p:tnLst>
+      <p:par>
+        <p:cTn id="1" dur="indefinite" restart="never" nodeType="tmRoot"/>
+      </p:par>
+    </p:tnLst>
+  </p:timing>
+</p:sld>
+</file>
+
+<file path=ppt/slides/slide15.xml><?xml version="1.0" encoding="utf-8"?>
+<p:sld xmlns:a="http://schemas.openxmlformats.org/drawingml/2006/main" xmlns:r="http://schemas.openxmlformats.org/officeDocument/2006/relationships" xmlns:p="http://schemas.openxmlformats.org/presentationml/2006/main">
+  <p:cSld>
+    <p:spTree>
+      <p:nvGrpSpPr>
+        <p:cNvPr id="1" name="Shape 71"/>
+        <p:cNvGrpSpPr/>
+        <p:nvPr/>
+      </p:nvGrpSpPr>
+      <p:grpSpPr>
+        <a:xfrm>
+          <a:off x="0" y="0"/>
+          <a:ext cx="0" cy="0"/>
+          <a:chOff x="0" y="0"/>
+          <a:chExt cx="0" cy="0"/>
+        </a:xfrm>
+      </p:grpSpPr>
+      <p:sp>
+        <p:nvSpPr>
+          <p:cNvPr id="72" name="Shape 72"/>
+          <p:cNvSpPr txBox="1">
+            <a:spLocks noGrp="1"/>
+          </p:cNvSpPr>
           <p:nvPr>
             <p:ph type="title"/>
           </p:nvPr>
@@ -6520,12 +7319,12 @@
           </a:prstGeom>
         </p:spPr>
         <p:txBody>
-          <a:bodyPr anchorCtr="0" anchor="t" bIns="91425" lIns="91425" spcFirstLastPara="1" rIns="91425" wrap="square" tIns="91425">
+          <a:bodyPr spcFirstLastPara="1" wrap="square" lIns="91425" tIns="91425" rIns="91425" bIns="91425" anchor="t" anchorCtr="0">
             <a:noAutofit/>
           </a:bodyPr>
           <a:lstStyle/>
           <a:p>
-            <a:pPr indent="0" lvl="0" marL="0">
+            <a:pPr marL="0" lvl="0" indent="0">
               <a:spcBef>
                 <a:spcPts val="0"/>
               </a:spcBef>
@@ -6536,7 +7335,7 @@
             </a:pPr>
             <a:r>
               <a:rPr lang="zh-CN"/>
-              <a:t>packages.xml</a:t>
+              <a:t>Basic</a:t>
             </a:r>
             <a:endParaRPr/>
           </a:p>
@@ -6544,10 +7343,12 @@
       </p:sp>
       <p:sp>
         <p:nvSpPr>
-          <p:cNvPr id="109" name="Shape 109"/>
-          <p:cNvSpPr txBox="1"/>
+          <p:cNvPr id="73" name="Shape 73"/>
+          <p:cNvSpPr txBox="1">
+            <a:spLocks noGrp="1"/>
+          </p:cNvSpPr>
           <p:nvPr>
-            <p:ph idx="1" type="body"/>
+            <p:ph type="body" idx="1"/>
           </p:nvPr>
         </p:nvSpPr>
         <p:spPr>
@@ -6560,12 +7361,12 @@
           </a:prstGeom>
         </p:spPr>
         <p:txBody>
-          <a:bodyPr anchorCtr="0" anchor="t" bIns="91425" lIns="91425" spcFirstLastPara="1" rIns="91425" wrap="square" tIns="91425">
+          <a:bodyPr spcFirstLastPara="1" wrap="square" lIns="91425" tIns="91425" rIns="91425" bIns="91425" anchor="t" anchorCtr="0">
             <a:noAutofit/>
           </a:bodyPr>
           <a:lstStyle/>
           <a:p>
-            <a:pPr indent="0" lvl="0" marL="0">
+            <a:pPr marL="0" lvl="0" indent="0">
               <a:spcBef>
                 <a:spcPts val="0"/>
               </a:spcBef>
@@ -6576,12 +7377,12 @@
             </a:pPr>
             <a:r>
               <a:rPr lang="zh-CN"/>
-              <a:t>/data/system/packages.xml</a:t>
+              <a:t>a unique user and group ID</a:t>
             </a:r>
             <a:endParaRPr/>
           </a:p>
           <a:p>
-            <a:pPr indent="0" lvl="0" marL="0">
+            <a:pPr marL="0" lvl="0" indent="0">
               <a:spcBef>
                 <a:spcPts val="1600"/>
               </a:spcBef>
@@ -6592,12 +7393,12 @@
             </a:pPr>
             <a:r>
               <a:rPr lang="zh-CN"/>
-              <a:t>PMS</a:t>
+              <a:t>Permission system</a:t>
             </a:r>
             <a:endParaRPr/>
           </a:p>
           <a:p>
-            <a:pPr indent="0" lvl="0" marL="0">
+            <a:pPr marL="0" lvl="0" indent="0">
               <a:spcBef>
                 <a:spcPts val="1600"/>
               </a:spcBef>
@@ -6608,12 +7409,12 @@
             </a:pPr>
             <a:r>
               <a:rPr lang="zh-CN"/>
-              <a:t>&lt;permissions&gt;</a:t>
+              <a:t>	API Level 23  install vs runtime</a:t>
             </a:r>
             <a:endParaRPr/>
           </a:p>
           <a:p>
-            <a:pPr indent="0" lvl="0" marL="0">
+            <a:pPr marL="0" lvl="0" indent="0">
               <a:spcBef>
                 <a:spcPts val="1600"/>
               </a:spcBef>
@@ -6624,23 +7425,39 @@
             </a:pPr>
             <a:r>
               <a:rPr lang="zh-CN"/>
-              <a:t>package=”android” system permission</a:t>
+              <a:t>	Normal Permissions:network</a:t>
             </a:r>
             <a:endParaRPr/>
           </a:p>
           <a:p>
-            <a:pPr indent="0" lvl="0" marL="0">
+            <a:pPr marL="0" lvl="0" indent="0">
               <a:spcBef>
                 <a:spcPts val="1600"/>
               </a:spcBef>
               <a:spcAft>
-                <a:spcPts val="1600"/>
+                <a:spcPts val="0"/>
               </a:spcAft>
               <a:buNone/>
             </a:pPr>
             <a:r>
               <a:rPr lang="zh-CN"/>
-              <a:t>package=”package name” application permission</a:t>
+              <a:t>	Dangerous Permissions:read users contact data</a:t>
+            </a:r>
+            <a:endParaRPr/>
+          </a:p>
+          <a:p>
+            <a:pPr marL="0" lvl="0" indent="0">
+              <a:spcBef>
+                <a:spcPts val="1600"/>
+              </a:spcBef>
+              <a:spcAft>
+                <a:spcPts val="1600"/>
+              </a:spcAft>
+              <a:buNone/>
+            </a:pPr>
+            <a:r>
+              <a:rPr lang="zh-CN"/>
+              <a:t>Runtime Permissions</a:t>
             </a:r>
             <a:endParaRPr/>
           </a:p>
@@ -6651,15 +7468,22 @@
   <p:clrMapOvr>
     <a:masterClrMapping/>
   </p:clrMapOvr>
+  <p:timing>
+    <p:tnLst>
+      <p:par>
+        <p:cTn id="1" dur="indefinite" restart="never" nodeType="tmRoot"/>
+      </p:par>
+    </p:tnLst>
+  </p:timing>
 </p:sld>
 </file>
 
-<file path=ppt/slides/slide11.xml><?xml version="1.0" encoding="utf-8"?>
-<p:sld xmlns:a="http://schemas.openxmlformats.org/drawingml/2006/main" xmlns:r="http://schemas.openxmlformats.org/officeDocument/2006/relationships" xmlns:mc="http://schemas.openxmlformats.org/markup-compatibility/2006" xmlns:mv="urn:schemas-microsoft-com:mac:vml" xmlns:p="http://schemas.openxmlformats.org/presentationml/2006/main" xmlns:c="http://schemas.openxmlformats.org/drawingml/2006/chart" xmlns:dgm="http://schemas.openxmlformats.org/drawingml/2006/diagram" xmlns:o="urn:schemas-microsoft-com:office:office" xmlns:v="urn:schemas-microsoft-com:vml" xmlns:pvml="urn:schemas-microsoft-com:office:powerpoint" xmlns:com="http://schemas.openxmlformats.org/drawingml/2006/compatibility" xmlns:p14="http://schemas.microsoft.com/office/powerpoint/2010/main" xmlns:p15="http://schemas.microsoft.com/office/powerpoint/2012/main">
+<file path=ppt/slides/slide16.xml><?xml version="1.0" encoding="utf-8"?>
+<p:sld xmlns:a="http://schemas.openxmlformats.org/drawingml/2006/main" xmlns:r="http://schemas.openxmlformats.org/officeDocument/2006/relationships" xmlns:p="http://schemas.openxmlformats.org/presentationml/2006/main">
   <p:cSld>
     <p:spTree>
       <p:nvGrpSpPr>
-        <p:cNvPr id="113" name="Shape 113"/>
+        <p:cNvPr id="1" name="Shape 65"/>
         <p:cNvGrpSpPr/>
         <p:nvPr/>
       </p:nvGrpSpPr>
@@ -6673,8 +7497,10 @@
       </p:grpSpPr>
       <p:sp>
         <p:nvSpPr>
-          <p:cNvPr id="114" name="Shape 114"/>
-          <p:cNvSpPr txBox="1"/>
+          <p:cNvPr id="66" name="Shape 66"/>
+          <p:cNvSpPr txBox="1">
+            <a:spLocks noGrp="1"/>
+          </p:cNvSpPr>
           <p:nvPr>
             <p:ph type="title"/>
           </p:nvPr>
@@ -6689,12 +7515,12 @@
           </a:prstGeom>
         </p:spPr>
         <p:txBody>
-          <a:bodyPr anchorCtr="0" anchor="t" bIns="91425" lIns="91425" spcFirstLastPara="1" rIns="91425" wrap="square" tIns="91425">
+          <a:bodyPr spcFirstLastPara="1" wrap="square" lIns="91425" tIns="91425" rIns="91425" bIns="91425" anchor="t" anchorCtr="0">
             <a:noAutofit/>
           </a:bodyPr>
           <a:lstStyle/>
           <a:p>
-            <a:pPr indent="0" lvl="0" marL="0">
+            <a:pPr marL="0" lvl="0" indent="0">
               <a:spcBef>
                 <a:spcPts val="0"/>
               </a:spcBef>
@@ -6705,7 +7531,7 @@
             </a:pPr>
             <a:r>
               <a:rPr lang="zh-CN"/>
-              <a:t>odex =&gt; jar</a:t>
+              <a:t>Model</a:t>
             </a:r>
             <a:endParaRPr/>
           </a:p>
@@ -6713,10 +7539,12 @@
       </p:sp>
       <p:sp>
         <p:nvSpPr>
-          <p:cNvPr id="115" name="Shape 115"/>
-          <p:cNvSpPr txBox="1"/>
+          <p:cNvPr id="67" name="Shape 67"/>
+          <p:cNvSpPr txBox="1">
+            <a:spLocks noGrp="1"/>
+          </p:cNvSpPr>
           <p:nvPr>
-            <p:ph idx="1" type="body"/>
+            <p:ph type="body" idx="1"/>
           </p:nvPr>
         </p:nvSpPr>
         <p:spPr>
@@ -6729,12 +7557,12 @@
           </a:prstGeom>
         </p:spPr>
         <p:txBody>
-          <a:bodyPr anchorCtr="0" anchor="t" bIns="91425" lIns="91425" spcFirstLastPara="1" rIns="91425" wrap="square" tIns="91425">
+          <a:bodyPr spcFirstLastPara="1" wrap="square" lIns="91425" tIns="91425" rIns="91425" bIns="91425" anchor="t" anchorCtr="0">
             <a:noAutofit/>
           </a:bodyPr>
           <a:lstStyle/>
           <a:p>
-            <a:pPr indent="0" lvl="0" marL="0">
+            <a:pPr marL="0" lvl="0" indent="0">
               <a:spcBef>
                 <a:spcPts val="0"/>
               </a:spcBef>
@@ -6745,12 +7573,12 @@
             </a:pPr>
             <a:r>
               <a:rPr lang="zh-CN"/>
-              <a:t>java -jar baksmali.jar d settings.odex</a:t>
+              <a:t>MI 7.0</a:t>
             </a:r>
             <a:endParaRPr/>
           </a:p>
           <a:p>
-            <a:pPr indent="0" lvl="0" marL="0">
+            <a:pPr marL="0" lvl="0" indent="0">
               <a:spcBef>
                 <a:spcPts val="1600"/>
               </a:spcBef>
@@ -6761,24 +7589,57 @@
             </a:pPr>
             <a:r>
               <a:rPr lang="zh-CN"/>
-              <a:t>java -jar smali.jar a out -o setting.dex</a:t>
+              <a:t>HW 6.0.1</a:t>
             </a:r>
             <a:endParaRPr/>
           </a:p>
           <a:p>
-            <a:pPr indent="0" lvl="0" marL="0">
+            <a:pPr marL="0" lvl="0" indent="0">
               <a:spcBef>
                 <a:spcPts val="1600"/>
               </a:spcBef>
               <a:spcAft>
-                <a:spcPts val="1600"/>
+                <a:spcPts val="0"/>
               </a:spcAft>
               <a:buNone/>
             </a:pPr>
             <a:r>
               <a:rPr lang="zh-CN"/>
-              <a:t>d2j-dex2jar.bat  settings.dex</a:t>
+              <a:t>Google NEXUS 6.0.1</a:t>
             </a:r>
+            <a:endParaRPr/>
+          </a:p>
+          <a:p>
+            <a:pPr marL="0" lvl="0" indent="0">
+              <a:spcBef>
+                <a:spcPts val="1600"/>
+              </a:spcBef>
+              <a:spcAft>
+                <a:spcPts val="0"/>
+              </a:spcAft>
+              <a:buNone/>
+            </a:pPr>
+            <a:r>
+              <a:rPr lang="zh-CN" u="sng">
+                <a:solidFill>
+                  <a:schemeClr val="hlink"/>
+                </a:solidFill>
+                <a:hlinkClick r:id="rId3"/>
+              </a:rPr>
+              <a:t>https://blog.csdn.net/lewif/article/details/49124757</a:t>
+            </a:r>
+            <a:endParaRPr/>
+          </a:p>
+          <a:p>
+            <a:pPr marL="0" lvl="0" indent="0">
+              <a:spcBef>
+                <a:spcPts val="1600"/>
+              </a:spcBef>
+              <a:spcAft>
+                <a:spcPts val="1600"/>
+              </a:spcAft>
+              <a:buNone/>
+            </a:pPr>
             <a:endParaRPr/>
           </a:p>
         </p:txBody>
@@ -6788,15 +7649,22 @@
   <p:clrMapOvr>
     <a:masterClrMapping/>
   </p:clrMapOvr>
+  <p:timing>
+    <p:tnLst>
+      <p:par>
+        <p:cTn id="1" dur="indefinite" restart="never" nodeType="tmRoot"/>
+      </p:par>
+    </p:tnLst>
+  </p:timing>
 </p:sld>
 </file>
 
-<file path=ppt/slides/slide2.xml><?xml version="1.0" encoding="utf-8"?>
-<p:sld xmlns:a="http://schemas.openxmlformats.org/drawingml/2006/main" xmlns:r="http://schemas.openxmlformats.org/officeDocument/2006/relationships" xmlns:mc="http://schemas.openxmlformats.org/markup-compatibility/2006" xmlns:mv="urn:schemas-microsoft-com:mac:vml" xmlns:p="http://schemas.openxmlformats.org/presentationml/2006/main" xmlns:c="http://schemas.openxmlformats.org/drawingml/2006/chart" xmlns:dgm="http://schemas.openxmlformats.org/drawingml/2006/diagram" xmlns:o="urn:schemas-microsoft-com:office:office" xmlns:v="urn:schemas-microsoft-com:vml" xmlns:pvml="urn:schemas-microsoft-com:office:powerpoint" xmlns:com="http://schemas.openxmlformats.org/drawingml/2006/compatibility" xmlns:p14="http://schemas.microsoft.com/office/powerpoint/2010/main" xmlns:p15="http://schemas.microsoft.com/office/powerpoint/2012/main">
+<file path=ppt/slides/slide17.xml><?xml version="1.0" encoding="utf-8"?>
+<p:sld xmlns:a="http://schemas.openxmlformats.org/drawingml/2006/main" xmlns:r="http://schemas.openxmlformats.org/officeDocument/2006/relationships" xmlns:p="http://schemas.openxmlformats.org/presentationml/2006/main">
   <p:cSld>
     <p:spTree>
       <p:nvGrpSpPr>
-        <p:cNvPr id="59" name="Shape 59"/>
+        <p:cNvPr id="1" name="Shape 77"/>
         <p:cNvGrpSpPr/>
         <p:nvPr/>
       </p:nvGrpSpPr>
@@ -6810,8 +7678,10 @@
       </p:grpSpPr>
       <p:sp>
         <p:nvSpPr>
-          <p:cNvPr id="60" name="Shape 60"/>
-          <p:cNvSpPr txBox="1"/>
+          <p:cNvPr id="78" name="Shape 78"/>
+          <p:cNvSpPr txBox="1">
+            <a:spLocks noGrp="1"/>
+          </p:cNvSpPr>
           <p:nvPr>
             <p:ph type="title"/>
           </p:nvPr>
@@ -6826,12 +7696,12 @@
           </a:prstGeom>
         </p:spPr>
         <p:txBody>
-          <a:bodyPr anchorCtr="0" anchor="t" bIns="91425" lIns="91425" spcFirstLastPara="1" rIns="91425" wrap="square" tIns="91425">
+          <a:bodyPr spcFirstLastPara="1" wrap="square" lIns="91425" tIns="91425" rIns="91425" bIns="91425" anchor="t" anchorCtr="0">
             <a:noAutofit/>
           </a:bodyPr>
           <a:lstStyle/>
           <a:p>
-            <a:pPr indent="0" lvl="0" marL="0">
+            <a:pPr marL="0" lvl="0" indent="0">
               <a:spcBef>
                 <a:spcPts val="0"/>
               </a:spcBef>
@@ -6842,7 +7712,7 @@
             </a:pPr>
             <a:r>
               <a:rPr lang="zh-CN"/>
-              <a:t>Contents</a:t>
+              <a:t>AndroidManifest</a:t>
             </a:r>
             <a:endParaRPr/>
           </a:p>
@@ -6850,10 +7720,12 @@
       </p:sp>
       <p:sp>
         <p:nvSpPr>
-          <p:cNvPr id="61" name="Shape 61"/>
-          <p:cNvSpPr txBox="1"/>
+          <p:cNvPr id="79" name="Shape 79"/>
+          <p:cNvSpPr txBox="1">
+            <a:spLocks noGrp="1"/>
+          </p:cNvSpPr>
           <p:nvPr>
-            <p:ph idx="1" type="body"/>
+            <p:ph type="body" idx="1"/>
           </p:nvPr>
         </p:nvSpPr>
         <p:spPr>
@@ -6866,539 +7738,12 @@
           </a:prstGeom>
         </p:spPr>
         <p:txBody>
-          <a:bodyPr anchorCtr="0" anchor="t" bIns="91425" lIns="91425" spcFirstLastPara="1" rIns="91425" wrap="square" tIns="91425">
+          <a:bodyPr spcFirstLastPara="1" wrap="square" lIns="91425" tIns="91425" rIns="91425" bIns="91425" anchor="t" anchorCtr="0">
             <a:noAutofit/>
           </a:bodyPr>
           <a:lstStyle/>
           <a:p>
-            <a:pPr indent="0" lvl="0" marL="0">
-              <a:spcBef>
-                <a:spcPts val="0"/>
-              </a:spcBef>
-              <a:spcAft>
-                <a:spcPts val="0"/>
-              </a:spcAft>
-              <a:buNone/>
-            </a:pPr>
-            <a:r>
-              <a:rPr lang="zh-CN"/>
-              <a:t>Basic</a:t>
-            </a:r>
-            <a:endParaRPr/>
-          </a:p>
-          <a:p>
-            <a:pPr indent="0" lvl="0" marL="0">
-              <a:spcBef>
-                <a:spcPts val="1600"/>
-              </a:spcBef>
-              <a:spcAft>
-                <a:spcPts val="0"/>
-              </a:spcAft>
-              <a:buNone/>
-            </a:pPr>
-            <a:r>
-              <a:rPr lang="zh-CN"/>
-              <a:t>Principle</a:t>
-            </a:r>
-            <a:endParaRPr/>
-          </a:p>
-          <a:p>
-            <a:pPr indent="0" lvl="0" marL="0">
-              <a:spcBef>
-                <a:spcPts val="1600"/>
-              </a:spcBef>
-              <a:spcAft>
-                <a:spcPts val="0"/>
-              </a:spcAft>
-              <a:buNone/>
-            </a:pPr>
-            <a:r>
-              <a:rPr lang="zh-CN"/>
-              <a:t>Example</a:t>
-            </a:r>
-            <a:endParaRPr/>
-          </a:p>
-          <a:p>
-            <a:pPr indent="0" lvl="0" marL="0">
-              <a:spcBef>
-                <a:spcPts val="1600"/>
-              </a:spcBef>
-              <a:spcAft>
-                <a:spcPts val="0"/>
-              </a:spcAft>
-              <a:buNone/>
-            </a:pPr>
-            <a:r>
-              <a:rPr lang="zh-CN"/>
-              <a:t>Google Origin</a:t>
-            </a:r>
-            <a:endParaRPr/>
-          </a:p>
-          <a:p>
-            <a:pPr indent="0" lvl="0" marL="0">
-              <a:spcBef>
-                <a:spcPts val="1600"/>
-              </a:spcBef>
-              <a:spcAft>
-                <a:spcPts val="1600"/>
-              </a:spcAft>
-              <a:buNone/>
-            </a:pPr>
-            <a:r>
-              <a:rPr lang="zh-CN"/>
-              <a:t>Custom</a:t>
-            </a:r>
-            <a:endParaRPr/>
-          </a:p>
-        </p:txBody>
-      </p:sp>
-    </p:spTree>
-  </p:cSld>
-  <p:clrMapOvr>
-    <a:masterClrMapping/>
-  </p:clrMapOvr>
-</p:sld>
-</file>
-
-<file path=ppt/slides/slide3.xml><?xml version="1.0" encoding="utf-8"?>
-<p:sld xmlns:a="http://schemas.openxmlformats.org/drawingml/2006/main" xmlns:r="http://schemas.openxmlformats.org/officeDocument/2006/relationships" xmlns:mc="http://schemas.openxmlformats.org/markup-compatibility/2006" xmlns:mv="urn:schemas-microsoft-com:mac:vml" xmlns:p="http://schemas.openxmlformats.org/presentationml/2006/main" xmlns:c="http://schemas.openxmlformats.org/drawingml/2006/chart" xmlns:dgm="http://schemas.openxmlformats.org/drawingml/2006/diagram" xmlns:o="urn:schemas-microsoft-com:office:office" xmlns:v="urn:schemas-microsoft-com:vml" xmlns:pvml="urn:schemas-microsoft-com:office:powerpoint" xmlns:com="http://schemas.openxmlformats.org/drawingml/2006/compatibility" xmlns:p14="http://schemas.microsoft.com/office/powerpoint/2010/main" xmlns:p15="http://schemas.microsoft.com/office/powerpoint/2012/main">
-  <p:cSld>
-    <p:spTree>
-      <p:nvGrpSpPr>
-        <p:cNvPr id="65" name="Shape 65"/>
-        <p:cNvGrpSpPr/>
-        <p:nvPr/>
-      </p:nvGrpSpPr>
-      <p:grpSpPr>
-        <a:xfrm>
-          <a:off x="0" y="0"/>
-          <a:ext cx="0" cy="0"/>
-          <a:chOff x="0" y="0"/>
-          <a:chExt cx="0" cy="0"/>
-        </a:xfrm>
-      </p:grpSpPr>
-      <p:sp>
-        <p:nvSpPr>
-          <p:cNvPr id="66" name="Shape 66"/>
-          <p:cNvSpPr txBox="1"/>
-          <p:nvPr>
-            <p:ph type="title"/>
-          </p:nvPr>
-        </p:nvSpPr>
-        <p:spPr>
-          <a:xfrm>
-            <a:off x="311700" y="445025"/>
-            <a:ext cx="8520600" cy="572700"/>
-          </a:xfrm>
-          <a:prstGeom prst="rect">
-            <a:avLst/>
-          </a:prstGeom>
-        </p:spPr>
-        <p:txBody>
-          <a:bodyPr anchorCtr="0" anchor="t" bIns="91425" lIns="91425" spcFirstLastPara="1" rIns="91425" wrap="square" tIns="91425">
-            <a:noAutofit/>
-          </a:bodyPr>
-          <a:lstStyle/>
-          <a:p>
-            <a:pPr indent="0" lvl="0" marL="0">
-              <a:spcBef>
-                <a:spcPts val="0"/>
-              </a:spcBef>
-              <a:spcAft>
-                <a:spcPts val="0"/>
-              </a:spcAft>
-              <a:buNone/>
-            </a:pPr>
-            <a:r>
-              <a:rPr lang="zh-CN"/>
-              <a:t>Model</a:t>
-            </a:r>
-            <a:endParaRPr/>
-          </a:p>
-        </p:txBody>
-      </p:sp>
-      <p:sp>
-        <p:nvSpPr>
-          <p:cNvPr id="67" name="Shape 67"/>
-          <p:cNvSpPr txBox="1"/>
-          <p:nvPr>
-            <p:ph idx="1" type="body"/>
-          </p:nvPr>
-        </p:nvSpPr>
-        <p:spPr>
-          <a:xfrm>
-            <a:off x="311700" y="1152475"/>
-            <a:ext cx="8520600" cy="3416400"/>
-          </a:xfrm>
-          <a:prstGeom prst="rect">
-            <a:avLst/>
-          </a:prstGeom>
-        </p:spPr>
-        <p:txBody>
-          <a:bodyPr anchorCtr="0" anchor="t" bIns="91425" lIns="91425" spcFirstLastPara="1" rIns="91425" wrap="square" tIns="91425">
-            <a:noAutofit/>
-          </a:bodyPr>
-          <a:lstStyle/>
-          <a:p>
-            <a:pPr indent="0" lvl="0" marL="0">
-              <a:spcBef>
-                <a:spcPts val="0"/>
-              </a:spcBef>
-              <a:spcAft>
-                <a:spcPts val="0"/>
-              </a:spcAft>
-              <a:buNone/>
-            </a:pPr>
-            <a:r>
-              <a:rPr lang="zh-CN"/>
-              <a:t>MI 7.0</a:t>
-            </a:r>
-            <a:endParaRPr/>
-          </a:p>
-          <a:p>
-            <a:pPr indent="0" lvl="0" marL="0">
-              <a:spcBef>
-                <a:spcPts val="1600"/>
-              </a:spcBef>
-              <a:spcAft>
-                <a:spcPts val="0"/>
-              </a:spcAft>
-              <a:buNone/>
-            </a:pPr>
-            <a:r>
-              <a:rPr lang="zh-CN"/>
-              <a:t>HW 6.0.1</a:t>
-            </a:r>
-            <a:endParaRPr/>
-          </a:p>
-          <a:p>
-            <a:pPr indent="0" lvl="0" marL="0">
-              <a:spcBef>
-                <a:spcPts val="1600"/>
-              </a:spcBef>
-              <a:spcAft>
-                <a:spcPts val="0"/>
-              </a:spcAft>
-              <a:buNone/>
-            </a:pPr>
-            <a:r>
-              <a:rPr lang="zh-CN"/>
-              <a:t>Google NEXUS 6.0.1</a:t>
-            </a:r>
-            <a:endParaRPr/>
-          </a:p>
-          <a:p>
-            <a:pPr indent="0" lvl="0" marL="0">
-              <a:spcBef>
-                <a:spcPts val="1600"/>
-              </a:spcBef>
-              <a:spcAft>
-                <a:spcPts val="0"/>
-              </a:spcAft>
-              <a:buNone/>
-            </a:pPr>
-            <a:r>
-              <a:rPr lang="zh-CN" u="sng">
-                <a:solidFill>
-                  <a:schemeClr val="hlink"/>
-                </a:solidFill>
-                <a:hlinkClick r:id="rId3"/>
-              </a:rPr>
-              <a:t>https://blog.csdn.net/lewif/article/details/49124757</a:t>
-            </a:r>
-            <a:endParaRPr/>
-          </a:p>
-          <a:p>
-            <a:pPr indent="0" lvl="0" marL="0">
-              <a:spcBef>
-                <a:spcPts val="1600"/>
-              </a:spcBef>
-              <a:spcAft>
-                <a:spcPts val="1600"/>
-              </a:spcAft>
-              <a:buNone/>
-            </a:pPr>
-            <a:r>
-              <a:t/>
-            </a:r>
-            <a:endParaRPr/>
-          </a:p>
-        </p:txBody>
-      </p:sp>
-    </p:spTree>
-  </p:cSld>
-  <p:clrMapOvr>
-    <a:masterClrMapping/>
-  </p:clrMapOvr>
-</p:sld>
-</file>
-
-<file path=ppt/slides/slide4.xml><?xml version="1.0" encoding="utf-8"?>
-<p:sld xmlns:a="http://schemas.openxmlformats.org/drawingml/2006/main" xmlns:r="http://schemas.openxmlformats.org/officeDocument/2006/relationships" xmlns:mc="http://schemas.openxmlformats.org/markup-compatibility/2006" xmlns:mv="urn:schemas-microsoft-com:mac:vml" xmlns:p="http://schemas.openxmlformats.org/presentationml/2006/main" xmlns:c="http://schemas.openxmlformats.org/drawingml/2006/chart" xmlns:dgm="http://schemas.openxmlformats.org/drawingml/2006/diagram" xmlns:o="urn:schemas-microsoft-com:office:office" xmlns:v="urn:schemas-microsoft-com:vml" xmlns:pvml="urn:schemas-microsoft-com:office:powerpoint" xmlns:com="http://schemas.openxmlformats.org/drawingml/2006/compatibility" xmlns:p14="http://schemas.microsoft.com/office/powerpoint/2010/main" xmlns:p15="http://schemas.microsoft.com/office/powerpoint/2012/main">
-  <p:cSld>
-    <p:spTree>
-      <p:nvGrpSpPr>
-        <p:cNvPr id="71" name="Shape 71"/>
-        <p:cNvGrpSpPr/>
-        <p:nvPr/>
-      </p:nvGrpSpPr>
-      <p:grpSpPr>
-        <a:xfrm>
-          <a:off x="0" y="0"/>
-          <a:ext cx="0" cy="0"/>
-          <a:chOff x="0" y="0"/>
-          <a:chExt cx="0" cy="0"/>
-        </a:xfrm>
-      </p:grpSpPr>
-      <p:sp>
-        <p:nvSpPr>
-          <p:cNvPr id="72" name="Shape 72"/>
-          <p:cNvSpPr txBox="1"/>
-          <p:nvPr>
-            <p:ph type="title"/>
-          </p:nvPr>
-        </p:nvSpPr>
-        <p:spPr>
-          <a:xfrm>
-            <a:off x="311700" y="445025"/>
-            <a:ext cx="8520600" cy="572700"/>
-          </a:xfrm>
-          <a:prstGeom prst="rect">
-            <a:avLst/>
-          </a:prstGeom>
-        </p:spPr>
-        <p:txBody>
-          <a:bodyPr anchorCtr="0" anchor="t" bIns="91425" lIns="91425" spcFirstLastPara="1" rIns="91425" wrap="square" tIns="91425">
-            <a:noAutofit/>
-          </a:bodyPr>
-          <a:lstStyle/>
-          <a:p>
-            <a:pPr indent="0" lvl="0" marL="0">
-              <a:spcBef>
-                <a:spcPts val="0"/>
-              </a:spcBef>
-              <a:spcAft>
-                <a:spcPts val="0"/>
-              </a:spcAft>
-              <a:buNone/>
-            </a:pPr>
-            <a:r>
-              <a:rPr lang="zh-CN"/>
-              <a:t>Basic</a:t>
-            </a:r>
-            <a:endParaRPr/>
-          </a:p>
-        </p:txBody>
-      </p:sp>
-      <p:sp>
-        <p:nvSpPr>
-          <p:cNvPr id="73" name="Shape 73"/>
-          <p:cNvSpPr txBox="1"/>
-          <p:nvPr>
-            <p:ph idx="1" type="body"/>
-          </p:nvPr>
-        </p:nvSpPr>
-        <p:spPr>
-          <a:xfrm>
-            <a:off x="311700" y="1152475"/>
-            <a:ext cx="8520600" cy="3416400"/>
-          </a:xfrm>
-          <a:prstGeom prst="rect">
-            <a:avLst/>
-          </a:prstGeom>
-        </p:spPr>
-        <p:txBody>
-          <a:bodyPr anchorCtr="0" anchor="t" bIns="91425" lIns="91425" spcFirstLastPara="1" rIns="91425" wrap="square" tIns="91425">
-            <a:noAutofit/>
-          </a:bodyPr>
-          <a:lstStyle/>
-          <a:p>
-            <a:pPr indent="0" lvl="0" marL="0">
-              <a:spcBef>
-                <a:spcPts val="0"/>
-              </a:spcBef>
-              <a:spcAft>
-                <a:spcPts val="0"/>
-              </a:spcAft>
-              <a:buNone/>
-            </a:pPr>
-            <a:r>
-              <a:rPr lang="zh-CN"/>
-              <a:t>a unique user and group ID</a:t>
-            </a:r>
-            <a:endParaRPr/>
-          </a:p>
-          <a:p>
-            <a:pPr indent="0" lvl="0" marL="0">
-              <a:spcBef>
-                <a:spcPts val="1600"/>
-              </a:spcBef>
-              <a:spcAft>
-                <a:spcPts val="0"/>
-              </a:spcAft>
-              <a:buNone/>
-            </a:pPr>
-            <a:r>
-              <a:rPr lang="zh-CN"/>
-              <a:t>Permission system</a:t>
-            </a:r>
-            <a:endParaRPr/>
-          </a:p>
-          <a:p>
-            <a:pPr indent="0" lvl="0" marL="0">
-              <a:spcBef>
-                <a:spcPts val="1600"/>
-              </a:spcBef>
-              <a:spcAft>
-                <a:spcPts val="0"/>
-              </a:spcAft>
-              <a:buNone/>
-            </a:pPr>
-            <a:r>
-              <a:rPr lang="zh-CN"/>
-              <a:t>	API Level 23  install vs runtime</a:t>
-            </a:r>
-            <a:endParaRPr/>
-          </a:p>
-          <a:p>
-            <a:pPr indent="0" lvl="0" marL="0">
-              <a:spcBef>
-                <a:spcPts val="1600"/>
-              </a:spcBef>
-              <a:spcAft>
-                <a:spcPts val="0"/>
-              </a:spcAft>
-              <a:buNone/>
-            </a:pPr>
-            <a:r>
-              <a:rPr lang="zh-CN"/>
-              <a:t>	Normal Permissions:network</a:t>
-            </a:r>
-            <a:endParaRPr/>
-          </a:p>
-          <a:p>
-            <a:pPr indent="0" lvl="0" marL="0">
-              <a:spcBef>
-                <a:spcPts val="1600"/>
-              </a:spcBef>
-              <a:spcAft>
-                <a:spcPts val="0"/>
-              </a:spcAft>
-              <a:buNone/>
-            </a:pPr>
-            <a:r>
-              <a:rPr lang="zh-CN"/>
-              <a:t>	Dangerous Permissions:read users contact data</a:t>
-            </a:r>
-            <a:endParaRPr/>
-          </a:p>
-          <a:p>
-            <a:pPr indent="0" lvl="0" marL="0">
-              <a:spcBef>
-                <a:spcPts val="1600"/>
-              </a:spcBef>
-              <a:spcAft>
-                <a:spcPts val="1600"/>
-              </a:spcAft>
-              <a:buNone/>
-            </a:pPr>
-            <a:r>
-              <a:rPr lang="zh-CN"/>
-              <a:t>Runtime Permissions</a:t>
-            </a:r>
-            <a:endParaRPr/>
-          </a:p>
-        </p:txBody>
-      </p:sp>
-    </p:spTree>
-  </p:cSld>
-  <p:clrMapOvr>
-    <a:masterClrMapping/>
-  </p:clrMapOvr>
-</p:sld>
-</file>
-
-<file path=ppt/slides/slide5.xml><?xml version="1.0" encoding="utf-8"?>
-<p:sld xmlns:a="http://schemas.openxmlformats.org/drawingml/2006/main" xmlns:r="http://schemas.openxmlformats.org/officeDocument/2006/relationships" xmlns:mc="http://schemas.openxmlformats.org/markup-compatibility/2006" xmlns:mv="urn:schemas-microsoft-com:mac:vml" xmlns:p="http://schemas.openxmlformats.org/presentationml/2006/main" xmlns:c="http://schemas.openxmlformats.org/drawingml/2006/chart" xmlns:dgm="http://schemas.openxmlformats.org/drawingml/2006/diagram" xmlns:o="urn:schemas-microsoft-com:office:office" xmlns:v="urn:schemas-microsoft-com:vml" xmlns:pvml="urn:schemas-microsoft-com:office:powerpoint" xmlns:com="http://schemas.openxmlformats.org/drawingml/2006/compatibility" xmlns:p14="http://schemas.microsoft.com/office/powerpoint/2010/main" xmlns:p15="http://schemas.microsoft.com/office/powerpoint/2012/main">
-  <p:cSld>
-    <p:spTree>
-      <p:nvGrpSpPr>
-        <p:cNvPr id="77" name="Shape 77"/>
-        <p:cNvGrpSpPr/>
-        <p:nvPr/>
-      </p:nvGrpSpPr>
-      <p:grpSpPr>
-        <a:xfrm>
-          <a:off x="0" y="0"/>
-          <a:ext cx="0" cy="0"/>
-          <a:chOff x="0" y="0"/>
-          <a:chExt cx="0" cy="0"/>
-        </a:xfrm>
-      </p:grpSpPr>
-      <p:sp>
-        <p:nvSpPr>
-          <p:cNvPr id="78" name="Shape 78"/>
-          <p:cNvSpPr txBox="1"/>
-          <p:nvPr>
-            <p:ph type="title"/>
-          </p:nvPr>
-        </p:nvSpPr>
-        <p:spPr>
-          <a:xfrm>
-            <a:off x="311700" y="445025"/>
-            <a:ext cx="8520600" cy="572700"/>
-          </a:xfrm>
-          <a:prstGeom prst="rect">
-            <a:avLst/>
-          </a:prstGeom>
-        </p:spPr>
-        <p:txBody>
-          <a:bodyPr anchorCtr="0" anchor="t" bIns="91425" lIns="91425" spcFirstLastPara="1" rIns="91425" wrap="square" tIns="91425">
-            <a:noAutofit/>
-          </a:bodyPr>
-          <a:lstStyle/>
-          <a:p>
-            <a:pPr indent="0" lvl="0" marL="0">
-              <a:spcBef>
-                <a:spcPts val="0"/>
-              </a:spcBef>
-              <a:spcAft>
-                <a:spcPts val="0"/>
-              </a:spcAft>
-              <a:buNone/>
-            </a:pPr>
-            <a:r>
-              <a:rPr lang="zh-CN"/>
-              <a:t>AndroidManifest</a:t>
-            </a:r>
-            <a:endParaRPr/>
-          </a:p>
-        </p:txBody>
-      </p:sp>
-      <p:sp>
-        <p:nvSpPr>
-          <p:cNvPr id="79" name="Shape 79"/>
-          <p:cNvSpPr txBox="1"/>
-          <p:nvPr>
-            <p:ph idx="1" type="body"/>
-          </p:nvPr>
-        </p:nvSpPr>
-        <p:spPr>
-          <a:xfrm>
-            <a:off x="311700" y="1152475"/>
-            <a:ext cx="8520600" cy="3416400"/>
-          </a:xfrm>
-          <a:prstGeom prst="rect">
-            <a:avLst/>
-          </a:prstGeom>
-        </p:spPr>
-        <p:txBody>
-          <a:bodyPr anchorCtr="0" anchor="t" bIns="91425" lIns="91425" spcFirstLastPara="1" rIns="91425" wrap="square" tIns="91425">
-            <a:noAutofit/>
-          </a:bodyPr>
-          <a:lstStyle/>
-          <a:p>
-            <a:pPr indent="0" lvl="0" marL="0">
+            <a:pPr marL="0" lvl="0" indent="0">
               <a:spcBef>
                 <a:spcPts val="0"/>
               </a:spcBef>
@@ -7431,15 +7776,22 @@
   <p:clrMapOvr>
     <a:masterClrMapping/>
   </p:clrMapOvr>
+  <p:timing>
+    <p:tnLst>
+      <p:par>
+        <p:cTn id="1" dur="indefinite" restart="never" nodeType="tmRoot"/>
+      </p:par>
+    </p:tnLst>
+  </p:timing>
 </p:sld>
 </file>
 
-<file path=ppt/slides/slide6.xml><?xml version="1.0" encoding="utf-8"?>
-<p:sld xmlns:a="http://schemas.openxmlformats.org/drawingml/2006/main" xmlns:r="http://schemas.openxmlformats.org/officeDocument/2006/relationships" xmlns:mc="http://schemas.openxmlformats.org/markup-compatibility/2006" xmlns:mv="urn:schemas-microsoft-com:mac:vml" xmlns:p="http://schemas.openxmlformats.org/presentationml/2006/main" xmlns:c="http://schemas.openxmlformats.org/drawingml/2006/chart" xmlns:dgm="http://schemas.openxmlformats.org/drawingml/2006/diagram" xmlns:o="urn:schemas-microsoft-com:office:office" xmlns:v="urn:schemas-microsoft-com:vml" xmlns:pvml="urn:schemas-microsoft-com:office:powerpoint" xmlns:com="http://schemas.openxmlformats.org/drawingml/2006/compatibility" xmlns:p14="http://schemas.microsoft.com/office/powerpoint/2010/main" xmlns:p15="http://schemas.microsoft.com/office/powerpoint/2012/main">
+<file path=ppt/slides/slide18.xml><?xml version="1.0" encoding="utf-8"?>
+<p:sld xmlns:a="http://schemas.openxmlformats.org/drawingml/2006/main" xmlns:r="http://schemas.openxmlformats.org/officeDocument/2006/relationships" xmlns:p="http://schemas.openxmlformats.org/presentationml/2006/main">
   <p:cSld>
     <p:spTree>
       <p:nvGrpSpPr>
-        <p:cNvPr id="83" name="Shape 83"/>
+        <p:cNvPr id="1" name="Shape 89"/>
         <p:cNvGrpSpPr/>
         <p:nvPr/>
       </p:nvGrpSpPr>
@@ -7453,8 +7805,10 @@
       </p:grpSpPr>
       <p:sp>
         <p:nvSpPr>
-          <p:cNvPr id="84" name="Shape 84"/>
-          <p:cNvSpPr txBox="1"/>
+          <p:cNvPr id="90" name="Shape 90"/>
+          <p:cNvSpPr txBox="1">
+            <a:spLocks noGrp="1"/>
+          </p:cNvSpPr>
           <p:nvPr>
             <p:ph type="title"/>
           </p:nvPr>
@@ -7469,12 +7823,12 @@
           </a:prstGeom>
         </p:spPr>
         <p:txBody>
-          <a:bodyPr anchorCtr="0" anchor="t" bIns="91425" lIns="91425" spcFirstLastPara="1" rIns="91425" wrap="square" tIns="91425">
+          <a:bodyPr spcFirstLastPara="1" wrap="square" lIns="91425" tIns="91425" rIns="91425" bIns="91425" anchor="t" anchorCtr="0">
             <a:noAutofit/>
           </a:bodyPr>
           <a:lstStyle/>
           <a:p>
-            <a:pPr indent="0" lvl="0" marL="0">
+            <a:pPr marL="0" lvl="0" indent="0">
               <a:spcBef>
                 <a:spcPts val="0"/>
               </a:spcBef>
@@ -7483,20 +7837,18 @@
               </a:spcAft>
               <a:buNone/>
             </a:pPr>
-            <a:r>
-              <a:rPr lang="zh-CN"/>
-              <a:t>Linux user model system</a:t>
-            </a:r>
             <a:endParaRPr/>
           </a:p>
         </p:txBody>
       </p:sp>
       <p:sp>
         <p:nvSpPr>
-          <p:cNvPr id="85" name="Shape 85"/>
-          <p:cNvSpPr txBox="1"/>
+          <p:cNvPr id="91" name="Shape 91"/>
+          <p:cNvSpPr txBox="1">
+            <a:spLocks noGrp="1"/>
+          </p:cNvSpPr>
           <p:nvPr>
-            <p:ph idx="1" type="body"/>
+            <p:ph type="body" idx="1"/>
           </p:nvPr>
         </p:nvSpPr>
         <p:spPr>
@@ -7509,181 +7861,12 @@
           </a:prstGeom>
         </p:spPr>
         <p:txBody>
-          <a:bodyPr anchorCtr="0" anchor="t" bIns="91425" lIns="91425" spcFirstLastPara="1" rIns="91425" wrap="square" tIns="91425">
+          <a:bodyPr spcFirstLastPara="1" wrap="square" lIns="91425" tIns="91425" rIns="91425" bIns="91425" anchor="t" anchorCtr="0">
             <a:noAutofit/>
           </a:bodyPr>
           <a:lstStyle/>
           <a:p>
-            <a:pPr indent="0" lvl="0" marL="0">
-              <a:spcBef>
-                <a:spcPts val="0"/>
-              </a:spcBef>
-              <a:spcAft>
-                <a:spcPts val="0"/>
-              </a:spcAft>
-              <a:buNone/>
-            </a:pPr>
-            <a:r>
-              <a:rPr lang="zh-CN"/>
-              <a:t>User ID - </a:t>
-            </a:r>
-            <a:r>
-              <a:rPr lang="zh-CN" sz="1350">
-                <a:solidFill>
-                  <a:srgbClr val="333333"/>
-                </a:solidFill>
-                <a:highlight>
-                  <a:srgbClr val="FFFFFF"/>
-                </a:highlight>
-              </a:rPr>
-              <a:t>Each application has a unique User ID</a:t>
-            </a:r>
-            <a:endParaRPr/>
-          </a:p>
-          <a:p>
-            <a:pPr indent="0" lvl="0" marL="0">
-              <a:spcBef>
-                <a:spcPts val="1600"/>
-              </a:spcBef>
-              <a:spcAft>
-                <a:spcPts val="0"/>
-              </a:spcAft>
-              <a:buNone/>
-            </a:pPr>
-            <a:r>
-              <a:rPr lang="zh-CN"/>
-              <a:t>Group ID - </a:t>
-            </a:r>
-            <a:r>
-              <a:rPr lang="zh-CN" sz="1350">
-                <a:solidFill>
-                  <a:srgbClr val="333333"/>
-                </a:solidFill>
-                <a:highlight>
-                  <a:srgbClr val="FFFFFF"/>
-                </a:highlight>
-              </a:rPr>
-              <a:t>Each User ID has a unique Group ID, and this Group ID may belong to members of other GroupID</a:t>
-            </a:r>
-            <a:endParaRPr/>
-          </a:p>
-          <a:p>
-            <a:pPr indent="0" lvl="0" marL="0">
-              <a:spcBef>
-                <a:spcPts val="1600"/>
-              </a:spcBef>
-              <a:spcAft>
-                <a:spcPts val="1600"/>
-              </a:spcAft>
-              <a:buNone/>
-            </a:pPr>
-            <a:r>
-              <a:rPr lang="zh-CN"/>
-              <a:t>Groups - </a:t>
-            </a:r>
-            <a:r>
-              <a:rPr lang="zh-CN" sz="1350">
-                <a:solidFill>
-                  <a:srgbClr val="333333"/>
-                </a:solidFill>
-                <a:highlight>
-                  <a:srgbClr val="FFFFFF"/>
-                </a:highlight>
-              </a:rPr>
-              <a:t>Each Group ID belongs to certain groups such as inet for internet, sdcard_rw for External storage read-write, etc.</a:t>
-            </a:r>
-            <a:endParaRPr/>
-          </a:p>
-        </p:txBody>
-      </p:sp>
-    </p:spTree>
-  </p:cSld>
-  <p:clrMapOvr>
-    <a:masterClrMapping/>
-  </p:clrMapOvr>
-</p:sld>
-</file>
-
-<file path=ppt/slides/slide7.xml><?xml version="1.0" encoding="utf-8"?>
-<p:sld xmlns:a="http://schemas.openxmlformats.org/drawingml/2006/main" xmlns:r="http://schemas.openxmlformats.org/officeDocument/2006/relationships" xmlns:mc="http://schemas.openxmlformats.org/markup-compatibility/2006" xmlns:mv="urn:schemas-microsoft-com:mac:vml" xmlns:p="http://schemas.openxmlformats.org/presentationml/2006/main" xmlns:c="http://schemas.openxmlformats.org/drawingml/2006/chart" xmlns:dgm="http://schemas.openxmlformats.org/drawingml/2006/diagram" xmlns:o="urn:schemas-microsoft-com:office:office" xmlns:v="urn:schemas-microsoft-com:vml" xmlns:pvml="urn:schemas-microsoft-com:office:powerpoint" xmlns:com="http://schemas.openxmlformats.org/drawingml/2006/compatibility" xmlns:p14="http://schemas.microsoft.com/office/powerpoint/2010/main" xmlns:p15="http://schemas.microsoft.com/office/powerpoint/2012/main">
-  <p:cSld>
-    <p:spTree>
-      <p:nvGrpSpPr>
-        <p:cNvPr id="89" name="Shape 89"/>
-        <p:cNvGrpSpPr/>
-        <p:nvPr/>
-      </p:nvGrpSpPr>
-      <p:grpSpPr>
-        <a:xfrm>
-          <a:off x="0" y="0"/>
-          <a:ext cx="0" cy="0"/>
-          <a:chOff x="0" y="0"/>
-          <a:chExt cx="0" cy="0"/>
-        </a:xfrm>
-      </p:grpSpPr>
-      <p:sp>
-        <p:nvSpPr>
-          <p:cNvPr id="90" name="Shape 90"/>
-          <p:cNvSpPr txBox="1"/>
-          <p:nvPr>
-            <p:ph type="title"/>
-          </p:nvPr>
-        </p:nvSpPr>
-        <p:spPr>
-          <a:xfrm>
-            <a:off x="311700" y="445025"/>
-            <a:ext cx="8520600" cy="572700"/>
-          </a:xfrm>
-          <a:prstGeom prst="rect">
-            <a:avLst/>
-          </a:prstGeom>
-        </p:spPr>
-        <p:txBody>
-          <a:bodyPr anchorCtr="0" anchor="t" bIns="91425" lIns="91425" spcFirstLastPara="1" rIns="91425" wrap="square" tIns="91425">
-            <a:noAutofit/>
-          </a:bodyPr>
-          <a:lstStyle/>
-          <a:p>
-            <a:pPr indent="0" lvl="0" marL="0">
-              <a:spcBef>
-                <a:spcPts val="0"/>
-              </a:spcBef>
-              <a:spcAft>
-                <a:spcPts val="0"/>
-              </a:spcAft>
-              <a:buNone/>
-            </a:pPr>
-            <a:r>
-              <a:t/>
-            </a:r>
-            <a:endParaRPr/>
-          </a:p>
-        </p:txBody>
-      </p:sp>
-      <p:sp>
-        <p:nvSpPr>
-          <p:cNvPr id="91" name="Shape 91"/>
-          <p:cNvSpPr txBox="1"/>
-          <p:nvPr>
-            <p:ph idx="1" type="body"/>
-          </p:nvPr>
-        </p:nvSpPr>
-        <p:spPr>
-          <a:xfrm>
-            <a:off x="311700" y="1152475"/>
-            <a:ext cx="8520600" cy="3416400"/>
-          </a:xfrm>
-          <a:prstGeom prst="rect">
-            <a:avLst/>
-          </a:prstGeom>
-        </p:spPr>
-        <p:txBody>
-          <a:bodyPr anchorCtr="0" anchor="t" bIns="91425" lIns="91425" spcFirstLastPara="1" rIns="91425" wrap="square" tIns="91425">
-            <a:noAutofit/>
-          </a:bodyPr>
-          <a:lstStyle/>
-          <a:p>
-            <a:pPr indent="0" lvl="0" marL="50800" marR="50800" rtl="0">
+            <a:pPr marL="50800" marR="50800" lvl="0" indent="0" rtl="0">
               <a:spcBef>
                 <a:spcPts val="0"/>
               </a:spcBef>
@@ -7786,7 +7969,7 @@
             </a:endParaRPr>
           </a:p>
           <a:p>
-            <a:pPr indent="0" lvl="0" marL="0">
+            <a:pPr marL="0" lvl="0" indent="0">
               <a:spcBef>
                 <a:spcPts val="1800"/>
               </a:spcBef>
@@ -7795,9 +7978,6 @@
               </a:spcAft>
               <a:buNone/>
             </a:pPr>
-            <a:r>
-              <a:t/>
-            </a:r>
             <a:endParaRPr/>
           </a:p>
         </p:txBody>
@@ -7807,15 +7987,22 @@
   <p:clrMapOvr>
     <a:masterClrMapping/>
   </p:clrMapOvr>
+  <p:timing>
+    <p:tnLst>
+      <p:par>
+        <p:cTn id="1" dur="indefinite" restart="never" nodeType="tmRoot"/>
+      </p:par>
+    </p:tnLst>
+  </p:timing>
 </p:sld>
 </file>
 
-<file path=ppt/slides/slide8.xml><?xml version="1.0" encoding="utf-8"?>
-<p:sld xmlns:a="http://schemas.openxmlformats.org/drawingml/2006/main" xmlns:r="http://schemas.openxmlformats.org/officeDocument/2006/relationships" xmlns:mc="http://schemas.openxmlformats.org/markup-compatibility/2006" xmlns:mv="urn:schemas-microsoft-com:mac:vml" xmlns:p="http://schemas.openxmlformats.org/presentationml/2006/main" xmlns:c="http://schemas.openxmlformats.org/drawingml/2006/chart" xmlns:dgm="http://schemas.openxmlformats.org/drawingml/2006/diagram" xmlns:o="urn:schemas-microsoft-com:office:office" xmlns:v="urn:schemas-microsoft-com:vml" xmlns:pvml="urn:schemas-microsoft-com:office:powerpoint" xmlns:com="http://schemas.openxmlformats.org/drawingml/2006/compatibility" xmlns:p14="http://schemas.microsoft.com/office/powerpoint/2010/main" xmlns:p15="http://schemas.microsoft.com/office/powerpoint/2012/main">
+<file path=ppt/slides/slide19.xml><?xml version="1.0" encoding="utf-8"?>
+<p:sld xmlns:a="http://schemas.openxmlformats.org/drawingml/2006/main" xmlns:r="http://schemas.openxmlformats.org/officeDocument/2006/relationships" xmlns:p="http://schemas.openxmlformats.org/presentationml/2006/main">
   <p:cSld>
     <p:spTree>
       <p:nvGrpSpPr>
-        <p:cNvPr id="95" name="Shape 95"/>
+        <p:cNvPr id="1" name="Shape 95"/>
         <p:cNvGrpSpPr/>
         <p:nvPr/>
       </p:nvGrpSpPr>
@@ -7830,7 +8017,9 @@
       <p:sp>
         <p:nvSpPr>
           <p:cNvPr id="96" name="Shape 96"/>
-          <p:cNvSpPr txBox="1"/>
+          <p:cNvSpPr txBox="1">
+            <a:spLocks noGrp="1"/>
+          </p:cNvSpPr>
           <p:nvPr>
             <p:ph type="title"/>
           </p:nvPr>
@@ -7845,12 +8034,12 @@
           </a:prstGeom>
         </p:spPr>
         <p:txBody>
-          <a:bodyPr anchorCtr="0" anchor="t" bIns="91425" lIns="91425" spcFirstLastPara="1" rIns="91425" wrap="square" tIns="91425">
+          <a:bodyPr spcFirstLastPara="1" wrap="square" lIns="91425" tIns="91425" rIns="91425" bIns="91425" anchor="t" anchorCtr="0">
             <a:noAutofit/>
           </a:bodyPr>
           <a:lstStyle/>
           <a:p>
-            <a:pPr indent="0" lvl="0" marL="0">
+            <a:pPr marL="0" lvl="0" indent="0">
               <a:spcBef>
                 <a:spcPts val="0"/>
               </a:spcBef>
@@ -7870,9 +8059,11 @@
       <p:sp>
         <p:nvSpPr>
           <p:cNvPr id="97" name="Shape 97"/>
-          <p:cNvSpPr txBox="1"/>
+          <p:cNvSpPr txBox="1">
+            <a:spLocks noGrp="1"/>
+          </p:cNvSpPr>
           <p:nvPr>
-            <p:ph idx="1" type="body"/>
+            <p:ph type="body" idx="1"/>
           </p:nvPr>
         </p:nvSpPr>
         <p:spPr>
@@ -7885,12 +8076,12 @@
           </a:prstGeom>
         </p:spPr>
         <p:txBody>
-          <a:bodyPr anchorCtr="0" anchor="t" bIns="91425" lIns="91425" spcFirstLastPara="1" rIns="91425" wrap="square" tIns="91425">
+          <a:bodyPr spcFirstLastPara="1" wrap="square" lIns="91425" tIns="91425" rIns="91425" bIns="91425" anchor="t" anchorCtr="0">
             <a:noAutofit/>
           </a:bodyPr>
           <a:lstStyle/>
           <a:p>
-            <a:pPr indent="0" lvl="0" marL="0">
+            <a:pPr marL="0" lvl="0" indent="0">
               <a:spcBef>
                 <a:spcPts val="0"/>
               </a:spcBef>
@@ -7906,7 +8097,7 @@
             <a:endParaRPr/>
           </a:p>
           <a:p>
-            <a:pPr indent="0" lvl="0" marL="0">
+            <a:pPr marL="0" lvl="0" indent="0">
               <a:spcBef>
                 <a:spcPts val="1600"/>
               </a:spcBef>
@@ -7922,7 +8113,7 @@
             <a:endParaRPr/>
           </a:p>
           <a:p>
-            <a:pPr indent="0" lvl="0" marL="0">
+            <a:pPr marL="0" lvl="0" indent="0">
               <a:spcBef>
                 <a:spcPts val="1600"/>
               </a:spcBef>
@@ -7938,7 +8129,7 @@
             <a:endParaRPr/>
           </a:p>
           <a:p>
-            <a:pPr indent="0" lvl="0" marL="0">
+            <a:pPr marL="0" lvl="0" indent="0">
               <a:spcBef>
                 <a:spcPts val="1600"/>
               </a:spcBef>
@@ -7954,7 +8145,7 @@
             <a:endParaRPr/>
           </a:p>
           <a:p>
-            <a:pPr indent="0" lvl="0" marL="0">
+            <a:pPr marL="0" lvl="0" indent="0">
               <a:spcBef>
                 <a:spcPts val="1600"/>
               </a:spcBef>
@@ -7970,7 +8161,7 @@
             <a:endParaRPr/>
           </a:p>
           <a:p>
-            <a:pPr indent="0" lvl="0" marL="0">
+            <a:pPr marL="0" lvl="0" indent="0">
               <a:spcBef>
                 <a:spcPts val="1600"/>
               </a:spcBef>
@@ -7997,15 +8188,186 @@
   <p:clrMapOvr>
     <a:masterClrMapping/>
   </p:clrMapOvr>
+  <p:timing>
+    <p:tnLst>
+      <p:par>
+        <p:cTn id="1" dur="indefinite" restart="never" nodeType="tmRoot"/>
+      </p:par>
+    </p:tnLst>
+  </p:timing>
 </p:sld>
 </file>
 
-<file path=ppt/slides/slide9.xml><?xml version="1.0" encoding="utf-8"?>
-<p:sld xmlns:a="http://schemas.openxmlformats.org/drawingml/2006/main" xmlns:r="http://schemas.openxmlformats.org/officeDocument/2006/relationships" xmlns:mc="http://schemas.openxmlformats.org/markup-compatibility/2006" xmlns:mv="urn:schemas-microsoft-com:mac:vml" xmlns:p="http://schemas.openxmlformats.org/presentationml/2006/main" xmlns:c="http://schemas.openxmlformats.org/drawingml/2006/chart" xmlns:dgm="http://schemas.openxmlformats.org/drawingml/2006/diagram" xmlns:o="urn:schemas-microsoft-com:office:office" xmlns:v="urn:schemas-microsoft-com:vml" xmlns:pvml="urn:schemas-microsoft-com:office:powerpoint" xmlns:com="http://schemas.openxmlformats.org/drawingml/2006/compatibility" xmlns:p14="http://schemas.microsoft.com/office/powerpoint/2010/main" xmlns:p15="http://schemas.microsoft.com/office/powerpoint/2012/main">
+<file path=ppt/slides/slide2.xml><?xml version="1.0" encoding="utf-8"?>
+<p:sld xmlns:a="http://schemas.openxmlformats.org/drawingml/2006/main" xmlns:r="http://schemas.openxmlformats.org/officeDocument/2006/relationships" xmlns:p="http://schemas.openxmlformats.org/presentationml/2006/main">
   <p:cSld>
     <p:spTree>
       <p:nvGrpSpPr>
-        <p:cNvPr id="101" name="Shape 101"/>
+        <p:cNvPr id="1" name="Shape 59"/>
+        <p:cNvGrpSpPr/>
+        <p:nvPr/>
+      </p:nvGrpSpPr>
+      <p:grpSpPr>
+        <a:xfrm>
+          <a:off x="0" y="0"/>
+          <a:ext cx="0" cy="0"/>
+          <a:chOff x="0" y="0"/>
+          <a:chExt cx="0" cy="0"/>
+        </a:xfrm>
+      </p:grpSpPr>
+      <p:sp>
+        <p:nvSpPr>
+          <p:cNvPr id="60" name="Shape 60"/>
+          <p:cNvSpPr txBox="1">
+            <a:spLocks noGrp="1"/>
+          </p:cNvSpPr>
+          <p:nvPr>
+            <p:ph type="title"/>
+          </p:nvPr>
+        </p:nvSpPr>
+        <p:spPr>
+          <a:xfrm>
+            <a:off x="311700" y="445025"/>
+            <a:ext cx="8520600" cy="572700"/>
+          </a:xfrm>
+          <a:prstGeom prst="rect">
+            <a:avLst/>
+          </a:prstGeom>
+        </p:spPr>
+        <p:txBody>
+          <a:bodyPr spcFirstLastPara="1" wrap="square" lIns="91425" tIns="91425" rIns="91425" bIns="91425" anchor="t" anchorCtr="0">
+            <a:noAutofit/>
+          </a:bodyPr>
+          <a:lstStyle/>
+          <a:p>
+            <a:pPr marL="0" lvl="0" indent="0">
+              <a:spcBef>
+                <a:spcPts val="0"/>
+              </a:spcBef>
+              <a:spcAft>
+                <a:spcPts val="0"/>
+              </a:spcAft>
+              <a:buNone/>
+            </a:pPr>
+            <a:r>
+              <a:rPr lang="zh-CN"/>
+              <a:t>Contents</a:t>
+            </a:r>
+            <a:endParaRPr/>
+          </a:p>
+        </p:txBody>
+      </p:sp>
+      <p:sp>
+        <p:nvSpPr>
+          <p:cNvPr id="61" name="Shape 61"/>
+          <p:cNvSpPr txBox="1">
+            <a:spLocks noGrp="1"/>
+          </p:cNvSpPr>
+          <p:nvPr>
+            <p:ph type="body" idx="1"/>
+          </p:nvPr>
+        </p:nvSpPr>
+        <p:spPr>
+          <a:xfrm>
+            <a:off x="311700" y="1152475"/>
+            <a:ext cx="8520600" cy="3416400"/>
+          </a:xfrm>
+          <a:prstGeom prst="rect">
+            <a:avLst/>
+          </a:prstGeom>
+        </p:spPr>
+        <p:txBody>
+          <a:bodyPr spcFirstLastPara="1" wrap="square" lIns="91425" tIns="91425" rIns="91425" bIns="91425" anchor="t" anchorCtr="0">
+            <a:noAutofit/>
+          </a:bodyPr>
+          <a:lstStyle/>
+          <a:p>
+            <a:pPr marL="0" lvl="0" indent="0">
+              <a:spcBef>
+                <a:spcPts val="0"/>
+              </a:spcBef>
+              <a:spcAft>
+                <a:spcPts val="0"/>
+              </a:spcAft>
+              <a:buNone/>
+            </a:pPr>
+            <a:r>
+              <a:rPr lang="zh-CN" dirty="0"/>
+              <a:t>Basic</a:t>
+            </a:r>
+            <a:endParaRPr dirty="0"/>
+          </a:p>
+          <a:p>
+            <a:pPr marL="0" lvl="0" indent="0">
+              <a:spcBef>
+                <a:spcPts val="1600"/>
+              </a:spcBef>
+              <a:spcAft>
+                <a:spcPts val="0"/>
+              </a:spcAft>
+              <a:buNone/>
+            </a:pPr>
+            <a:r>
+              <a:rPr lang="en-US" dirty="0" smtClean="0"/>
+              <a:t>Android Permission</a:t>
+            </a:r>
+            <a:endParaRPr dirty="0"/>
+          </a:p>
+          <a:p>
+            <a:pPr marL="0" lvl="0" indent="0">
+              <a:spcBef>
+                <a:spcPts val="1600"/>
+              </a:spcBef>
+              <a:spcAft>
+                <a:spcPts val="0"/>
+              </a:spcAft>
+              <a:buNone/>
+            </a:pPr>
+            <a:r>
+              <a:rPr lang="en-US" dirty="0" smtClean="0"/>
+              <a:t>Custom ROM</a:t>
+            </a:r>
+            <a:endParaRPr dirty="0"/>
+          </a:p>
+          <a:p>
+            <a:pPr marL="0" lvl="0" indent="0">
+              <a:spcBef>
+                <a:spcPts val="1600"/>
+              </a:spcBef>
+              <a:spcAft>
+                <a:spcPts val="0"/>
+              </a:spcAft>
+              <a:buNone/>
+            </a:pPr>
+            <a:r>
+              <a:rPr lang="en-US" dirty="0" smtClean="0"/>
+              <a:t>Problem</a:t>
+            </a:r>
+            <a:endParaRPr dirty="0"/>
+          </a:p>
+        </p:txBody>
+      </p:sp>
+    </p:spTree>
+  </p:cSld>
+  <p:clrMapOvr>
+    <a:masterClrMapping/>
+  </p:clrMapOvr>
+  <p:timing>
+    <p:tnLst>
+      <p:par>
+        <p:cTn id="1" dur="indefinite" restart="never" nodeType="tmRoot"/>
+      </p:par>
+    </p:tnLst>
+  </p:timing>
+</p:sld>
+</file>
+
+<file path=ppt/slides/slide20.xml><?xml version="1.0" encoding="utf-8"?>
+<p:sld xmlns:a="http://schemas.openxmlformats.org/drawingml/2006/main" xmlns:r="http://schemas.openxmlformats.org/officeDocument/2006/relationships" xmlns:p="http://schemas.openxmlformats.org/presentationml/2006/main">
+  <p:cSld>
+    <p:spTree>
+      <p:nvGrpSpPr>
+        <p:cNvPr id="1" name="Shape 101"/>
         <p:cNvGrpSpPr/>
         <p:nvPr/>
       </p:nvGrpSpPr>
@@ -8020,7 +8382,9 @@
       <p:sp>
         <p:nvSpPr>
           <p:cNvPr id="102" name="Shape 102"/>
-          <p:cNvSpPr txBox="1"/>
+          <p:cNvSpPr txBox="1">
+            <a:spLocks noGrp="1"/>
+          </p:cNvSpPr>
           <p:nvPr>
             <p:ph type="title"/>
           </p:nvPr>
@@ -8035,12 +8399,12 @@
           </a:prstGeom>
         </p:spPr>
         <p:txBody>
-          <a:bodyPr anchorCtr="0" anchor="t" bIns="91425" lIns="91425" spcFirstLastPara="1" rIns="91425" wrap="square" tIns="91425">
+          <a:bodyPr spcFirstLastPara="1" wrap="square" lIns="91425" tIns="91425" rIns="91425" bIns="91425" anchor="t" anchorCtr="0">
             <a:noAutofit/>
           </a:bodyPr>
           <a:lstStyle/>
           <a:p>
-            <a:pPr indent="0" lvl="0" marL="0">
+            <a:pPr marL="0" lvl="0" indent="0">
               <a:spcBef>
                 <a:spcPts val="0"/>
               </a:spcBef>
@@ -8060,9 +8424,11 @@
       <p:sp>
         <p:nvSpPr>
           <p:cNvPr id="103" name="Shape 103"/>
-          <p:cNvSpPr txBox="1"/>
+          <p:cNvSpPr txBox="1">
+            <a:spLocks noGrp="1"/>
+          </p:cNvSpPr>
           <p:nvPr>
-            <p:ph idx="1" type="body"/>
+            <p:ph type="body" idx="1"/>
           </p:nvPr>
         </p:nvSpPr>
         <p:spPr>
@@ -8075,12 +8441,12 @@
           </a:prstGeom>
         </p:spPr>
         <p:txBody>
-          <a:bodyPr anchorCtr="0" anchor="t" bIns="91425" lIns="91425" spcFirstLastPara="1" rIns="91425" wrap="square" tIns="91425">
+          <a:bodyPr spcFirstLastPara="1" wrap="square" lIns="91425" tIns="91425" rIns="91425" bIns="91425" anchor="t" anchorCtr="0">
             <a:noAutofit/>
           </a:bodyPr>
           <a:lstStyle/>
           <a:p>
-            <a:pPr indent="0" lvl="0" marL="0">
+            <a:pPr marL="0" lvl="0" indent="0">
               <a:spcBef>
                 <a:spcPts val="0"/>
               </a:spcBef>
@@ -8096,7 +8462,7 @@
             <a:endParaRPr/>
           </a:p>
           <a:p>
-            <a:pPr indent="0" lvl="0" marL="0">
+            <a:pPr marL="0" lvl="0" indent="0">
               <a:spcBef>
                 <a:spcPts val="1600"/>
               </a:spcBef>
@@ -8112,7 +8478,7 @@
             <a:endParaRPr/>
           </a:p>
           <a:p>
-            <a:pPr indent="0" lvl="0" marL="0">
+            <a:pPr marL="0" lvl="0" indent="0">
               <a:spcBef>
                 <a:spcPts val="1600"/>
               </a:spcBef>
@@ -8128,7 +8494,7 @@
             <a:endParaRPr/>
           </a:p>
           <a:p>
-            <a:pPr indent="0" lvl="0" marL="0">
+            <a:pPr marL="0" lvl="0" indent="0">
               <a:spcBef>
                 <a:spcPts val="1600"/>
               </a:spcBef>
@@ -8150,11 +8516,1343 @@
   <p:clrMapOvr>
     <a:masterClrMapping/>
   </p:clrMapOvr>
+  <p:timing>
+    <p:tnLst>
+      <p:par>
+        <p:cTn id="1" dur="indefinite" restart="never" nodeType="tmRoot"/>
+      </p:par>
+    </p:tnLst>
+  </p:timing>
+</p:sld>
+</file>
+
+<file path=ppt/slides/slide21.xml><?xml version="1.0" encoding="utf-8"?>
+<p:sld xmlns:a="http://schemas.openxmlformats.org/drawingml/2006/main" xmlns:r="http://schemas.openxmlformats.org/officeDocument/2006/relationships" xmlns:p="http://schemas.openxmlformats.org/presentationml/2006/main">
+  <p:cSld>
+    <p:spTree>
+      <p:nvGrpSpPr>
+        <p:cNvPr id="1" name="Shape 107"/>
+        <p:cNvGrpSpPr/>
+        <p:nvPr/>
+      </p:nvGrpSpPr>
+      <p:grpSpPr>
+        <a:xfrm>
+          <a:off x="0" y="0"/>
+          <a:ext cx="0" cy="0"/>
+          <a:chOff x="0" y="0"/>
+          <a:chExt cx="0" cy="0"/>
+        </a:xfrm>
+      </p:grpSpPr>
+      <p:sp>
+        <p:nvSpPr>
+          <p:cNvPr id="108" name="Shape 108"/>
+          <p:cNvSpPr txBox="1">
+            <a:spLocks noGrp="1"/>
+          </p:cNvSpPr>
+          <p:nvPr>
+            <p:ph type="title"/>
+          </p:nvPr>
+        </p:nvSpPr>
+        <p:spPr>
+          <a:xfrm>
+            <a:off x="311700" y="445025"/>
+            <a:ext cx="8520600" cy="572700"/>
+          </a:xfrm>
+          <a:prstGeom prst="rect">
+            <a:avLst/>
+          </a:prstGeom>
+        </p:spPr>
+        <p:txBody>
+          <a:bodyPr spcFirstLastPara="1" wrap="square" lIns="91425" tIns="91425" rIns="91425" bIns="91425" anchor="t" anchorCtr="0">
+            <a:noAutofit/>
+          </a:bodyPr>
+          <a:lstStyle/>
+          <a:p>
+            <a:pPr marL="0" lvl="0" indent="0">
+              <a:spcBef>
+                <a:spcPts val="0"/>
+              </a:spcBef>
+              <a:spcAft>
+                <a:spcPts val="0"/>
+              </a:spcAft>
+              <a:buNone/>
+            </a:pPr>
+            <a:r>
+              <a:rPr lang="zh-CN"/>
+              <a:t>packages.xml</a:t>
+            </a:r>
+            <a:endParaRPr/>
+          </a:p>
+        </p:txBody>
+      </p:sp>
+      <p:sp>
+        <p:nvSpPr>
+          <p:cNvPr id="109" name="Shape 109"/>
+          <p:cNvSpPr txBox="1">
+            <a:spLocks noGrp="1"/>
+          </p:cNvSpPr>
+          <p:nvPr>
+            <p:ph type="body" idx="1"/>
+          </p:nvPr>
+        </p:nvSpPr>
+        <p:spPr>
+          <a:xfrm>
+            <a:off x="311700" y="1152475"/>
+            <a:ext cx="8520600" cy="3416400"/>
+          </a:xfrm>
+          <a:prstGeom prst="rect">
+            <a:avLst/>
+          </a:prstGeom>
+        </p:spPr>
+        <p:txBody>
+          <a:bodyPr spcFirstLastPara="1" wrap="square" lIns="91425" tIns="91425" rIns="91425" bIns="91425" anchor="t" anchorCtr="0">
+            <a:noAutofit/>
+          </a:bodyPr>
+          <a:lstStyle/>
+          <a:p>
+            <a:pPr marL="0" lvl="0" indent="0">
+              <a:spcBef>
+                <a:spcPts val="0"/>
+              </a:spcBef>
+              <a:spcAft>
+                <a:spcPts val="0"/>
+              </a:spcAft>
+              <a:buNone/>
+            </a:pPr>
+            <a:r>
+              <a:rPr lang="zh-CN"/>
+              <a:t>/data/system/packages.xml</a:t>
+            </a:r>
+            <a:endParaRPr/>
+          </a:p>
+          <a:p>
+            <a:pPr marL="0" lvl="0" indent="0">
+              <a:spcBef>
+                <a:spcPts val="1600"/>
+              </a:spcBef>
+              <a:spcAft>
+                <a:spcPts val="0"/>
+              </a:spcAft>
+              <a:buNone/>
+            </a:pPr>
+            <a:r>
+              <a:rPr lang="zh-CN"/>
+              <a:t>PMS</a:t>
+            </a:r>
+            <a:endParaRPr/>
+          </a:p>
+          <a:p>
+            <a:pPr marL="0" lvl="0" indent="0">
+              <a:spcBef>
+                <a:spcPts val="1600"/>
+              </a:spcBef>
+              <a:spcAft>
+                <a:spcPts val="0"/>
+              </a:spcAft>
+              <a:buNone/>
+            </a:pPr>
+            <a:r>
+              <a:rPr lang="zh-CN"/>
+              <a:t>&lt;permissions&gt;</a:t>
+            </a:r>
+            <a:endParaRPr/>
+          </a:p>
+          <a:p>
+            <a:pPr marL="0" lvl="0" indent="0">
+              <a:spcBef>
+                <a:spcPts val="1600"/>
+              </a:spcBef>
+              <a:spcAft>
+                <a:spcPts val="0"/>
+              </a:spcAft>
+              <a:buNone/>
+            </a:pPr>
+            <a:r>
+              <a:rPr lang="zh-CN"/>
+              <a:t>package=”android” system permission</a:t>
+            </a:r>
+            <a:endParaRPr/>
+          </a:p>
+          <a:p>
+            <a:pPr marL="0" lvl="0" indent="0">
+              <a:spcBef>
+                <a:spcPts val="1600"/>
+              </a:spcBef>
+              <a:spcAft>
+                <a:spcPts val="1600"/>
+              </a:spcAft>
+              <a:buNone/>
+            </a:pPr>
+            <a:r>
+              <a:rPr lang="zh-CN"/>
+              <a:t>package=”package name” application permission</a:t>
+            </a:r>
+            <a:endParaRPr/>
+          </a:p>
+        </p:txBody>
+      </p:sp>
+    </p:spTree>
+  </p:cSld>
+  <p:clrMapOvr>
+    <a:masterClrMapping/>
+  </p:clrMapOvr>
+  <p:timing>
+    <p:tnLst>
+      <p:par>
+        <p:cTn id="1" dur="indefinite" restart="never" nodeType="tmRoot"/>
+      </p:par>
+    </p:tnLst>
+  </p:timing>
+</p:sld>
+</file>
+
+<file path=ppt/slides/slide22.xml><?xml version="1.0" encoding="utf-8"?>
+<p:sld xmlns:a="http://schemas.openxmlformats.org/drawingml/2006/main" xmlns:r="http://schemas.openxmlformats.org/officeDocument/2006/relationships" xmlns:p="http://schemas.openxmlformats.org/presentationml/2006/main">
+  <p:cSld>
+    <p:spTree>
+      <p:nvGrpSpPr>
+        <p:cNvPr id="1" name="Shape 113"/>
+        <p:cNvGrpSpPr/>
+        <p:nvPr/>
+      </p:nvGrpSpPr>
+      <p:grpSpPr>
+        <a:xfrm>
+          <a:off x="0" y="0"/>
+          <a:ext cx="0" cy="0"/>
+          <a:chOff x="0" y="0"/>
+          <a:chExt cx="0" cy="0"/>
+        </a:xfrm>
+      </p:grpSpPr>
+      <p:sp>
+        <p:nvSpPr>
+          <p:cNvPr id="114" name="Shape 114"/>
+          <p:cNvSpPr txBox="1">
+            <a:spLocks noGrp="1"/>
+          </p:cNvSpPr>
+          <p:nvPr>
+            <p:ph type="title"/>
+          </p:nvPr>
+        </p:nvSpPr>
+        <p:spPr>
+          <a:xfrm>
+            <a:off x="311700" y="445025"/>
+            <a:ext cx="8520600" cy="572700"/>
+          </a:xfrm>
+          <a:prstGeom prst="rect">
+            <a:avLst/>
+          </a:prstGeom>
+        </p:spPr>
+        <p:txBody>
+          <a:bodyPr spcFirstLastPara="1" wrap="square" lIns="91425" tIns="91425" rIns="91425" bIns="91425" anchor="t" anchorCtr="0">
+            <a:noAutofit/>
+          </a:bodyPr>
+          <a:lstStyle/>
+          <a:p>
+            <a:pPr marL="0" lvl="0" indent="0">
+              <a:spcBef>
+                <a:spcPts val="0"/>
+              </a:spcBef>
+              <a:spcAft>
+                <a:spcPts val="0"/>
+              </a:spcAft>
+              <a:buNone/>
+            </a:pPr>
+            <a:r>
+              <a:rPr lang="zh-CN"/>
+              <a:t>odex =&gt; jar</a:t>
+            </a:r>
+            <a:endParaRPr/>
+          </a:p>
+        </p:txBody>
+      </p:sp>
+      <p:sp>
+        <p:nvSpPr>
+          <p:cNvPr id="115" name="Shape 115"/>
+          <p:cNvSpPr txBox="1">
+            <a:spLocks noGrp="1"/>
+          </p:cNvSpPr>
+          <p:nvPr>
+            <p:ph type="body" idx="1"/>
+          </p:nvPr>
+        </p:nvSpPr>
+        <p:spPr>
+          <a:xfrm>
+            <a:off x="311700" y="1152475"/>
+            <a:ext cx="8520600" cy="3416400"/>
+          </a:xfrm>
+          <a:prstGeom prst="rect">
+            <a:avLst/>
+          </a:prstGeom>
+        </p:spPr>
+        <p:txBody>
+          <a:bodyPr spcFirstLastPara="1" wrap="square" lIns="91425" tIns="91425" rIns="91425" bIns="91425" anchor="t" anchorCtr="0">
+            <a:noAutofit/>
+          </a:bodyPr>
+          <a:lstStyle/>
+          <a:p>
+            <a:pPr marL="0" lvl="0" indent="0">
+              <a:spcBef>
+                <a:spcPts val="0"/>
+              </a:spcBef>
+              <a:spcAft>
+                <a:spcPts val="0"/>
+              </a:spcAft>
+              <a:buNone/>
+            </a:pPr>
+            <a:r>
+              <a:rPr lang="zh-CN"/>
+              <a:t>java -jar baksmali.jar d settings.odex</a:t>
+            </a:r>
+            <a:endParaRPr/>
+          </a:p>
+          <a:p>
+            <a:pPr marL="0" lvl="0" indent="0">
+              <a:spcBef>
+                <a:spcPts val="1600"/>
+              </a:spcBef>
+              <a:spcAft>
+                <a:spcPts val="0"/>
+              </a:spcAft>
+              <a:buNone/>
+            </a:pPr>
+            <a:r>
+              <a:rPr lang="zh-CN"/>
+              <a:t>java -jar smali.jar a out -o setting.dex</a:t>
+            </a:r>
+            <a:endParaRPr/>
+          </a:p>
+          <a:p>
+            <a:pPr marL="0" lvl="0" indent="0">
+              <a:spcBef>
+                <a:spcPts val="1600"/>
+              </a:spcBef>
+              <a:spcAft>
+                <a:spcPts val="1600"/>
+              </a:spcAft>
+              <a:buNone/>
+            </a:pPr>
+            <a:r>
+              <a:rPr lang="zh-CN"/>
+              <a:t>d2j-dex2jar.bat  settings.dex</a:t>
+            </a:r>
+            <a:endParaRPr/>
+          </a:p>
+        </p:txBody>
+      </p:sp>
+    </p:spTree>
+  </p:cSld>
+  <p:clrMapOvr>
+    <a:masterClrMapping/>
+  </p:clrMapOvr>
+  <p:timing>
+    <p:tnLst>
+      <p:par>
+        <p:cTn id="1" dur="indefinite" restart="never" nodeType="tmRoot"/>
+      </p:par>
+    </p:tnLst>
+  </p:timing>
+</p:sld>
+</file>
+
+<file path=ppt/slides/slide3.xml><?xml version="1.0" encoding="utf-8"?>
+<p:sld xmlns:a="http://schemas.openxmlformats.org/drawingml/2006/main" xmlns:r="http://schemas.openxmlformats.org/officeDocument/2006/relationships" xmlns:p="http://schemas.openxmlformats.org/presentationml/2006/main">
+  <p:cSld>
+    <p:spTree>
+      <p:nvGrpSpPr>
+        <p:cNvPr id="1" name="Shape 83"/>
+        <p:cNvGrpSpPr/>
+        <p:nvPr/>
+      </p:nvGrpSpPr>
+      <p:grpSpPr>
+        <a:xfrm>
+          <a:off x="0" y="0"/>
+          <a:ext cx="0" cy="0"/>
+          <a:chOff x="0" y="0"/>
+          <a:chExt cx="0" cy="0"/>
+        </a:xfrm>
+      </p:grpSpPr>
+      <p:sp>
+        <p:nvSpPr>
+          <p:cNvPr id="84" name="Shape 84"/>
+          <p:cNvSpPr txBox="1">
+            <a:spLocks noGrp="1"/>
+          </p:cNvSpPr>
+          <p:nvPr>
+            <p:ph type="title"/>
+          </p:nvPr>
+        </p:nvSpPr>
+        <p:spPr>
+          <a:xfrm>
+            <a:off x="311700" y="445025"/>
+            <a:ext cx="8520600" cy="572700"/>
+          </a:xfrm>
+          <a:prstGeom prst="rect">
+            <a:avLst/>
+          </a:prstGeom>
+        </p:spPr>
+        <p:txBody>
+          <a:bodyPr spcFirstLastPara="1" wrap="square" lIns="91425" tIns="91425" rIns="91425" bIns="91425" anchor="t" anchorCtr="0">
+            <a:noAutofit/>
+          </a:bodyPr>
+          <a:lstStyle/>
+          <a:p>
+            <a:pPr marL="0" lvl="0" indent="0">
+              <a:spcBef>
+                <a:spcPts val="0"/>
+              </a:spcBef>
+              <a:spcAft>
+                <a:spcPts val="0"/>
+              </a:spcAft>
+              <a:buNone/>
+            </a:pPr>
+            <a:r>
+              <a:rPr lang="en-US" altLang="zh-CN" dirty="0" smtClean="0"/>
+              <a:t>Basic : sandbox</a:t>
+            </a:r>
+            <a:endParaRPr dirty="0"/>
+          </a:p>
+        </p:txBody>
+      </p:sp>
+      <p:sp>
+        <p:nvSpPr>
+          <p:cNvPr id="85" name="Shape 85"/>
+          <p:cNvSpPr txBox="1">
+            <a:spLocks noGrp="1"/>
+          </p:cNvSpPr>
+          <p:nvPr>
+            <p:ph type="body" idx="1"/>
+          </p:nvPr>
+        </p:nvSpPr>
+        <p:spPr>
+          <a:xfrm>
+            <a:off x="311700" y="1152475"/>
+            <a:ext cx="8520600" cy="3416400"/>
+          </a:xfrm>
+          <a:prstGeom prst="rect">
+            <a:avLst/>
+          </a:prstGeom>
+        </p:spPr>
+        <p:txBody>
+          <a:bodyPr spcFirstLastPara="1" wrap="square" lIns="91425" tIns="91425" rIns="91425" bIns="91425" anchor="t" anchorCtr="0">
+            <a:noAutofit/>
+          </a:bodyPr>
+          <a:lstStyle/>
+          <a:p>
+            <a:pPr marL="0" lvl="0" indent="0">
+              <a:spcBef>
+                <a:spcPts val="0"/>
+              </a:spcBef>
+              <a:spcAft>
+                <a:spcPts val="0"/>
+              </a:spcAft>
+              <a:buNone/>
+            </a:pPr>
+            <a:r>
+              <a:rPr lang="zh-CN" dirty="0"/>
+              <a:t>User ID - </a:t>
+            </a:r>
+            <a:r>
+              <a:rPr lang="zh-CN" sz="1350" dirty="0">
+                <a:solidFill>
+                  <a:srgbClr val="333333"/>
+                </a:solidFill>
+                <a:highlight>
+                  <a:srgbClr val="FFFFFF"/>
+                </a:highlight>
+              </a:rPr>
+              <a:t>Each application has a unique User ID</a:t>
+            </a:r>
+            <a:endParaRPr dirty="0"/>
+          </a:p>
+          <a:p>
+            <a:pPr marL="0" lvl="0" indent="0">
+              <a:spcBef>
+                <a:spcPts val="1600"/>
+              </a:spcBef>
+              <a:spcAft>
+                <a:spcPts val="0"/>
+              </a:spcAft>
+              <a:buNone/>
+            </a:pPr>
+            <a:r>
+              <a:rPr lang="zh-CN" dirty="0"/>
+              <a:t>Group ID - </a:t>
+            </a:r>
+            <a:r>
+              <a:rPr lang="zh-CN" sz="1350" dirty="0">
+                <a:solidFill>
+                  <a:srgbClr val="333333"/>
+                </a:solidFill>
+                <a:highlight>
+                  <a:srgbClr val="FFFFFF"/>
+                </a:highlight>
+              </a:rPr>
+              <a:t>Each User ID has a unique Group ID, and this Group ID may belong to members of other GroupID</a:t>
+            </a:r>
+            <a:endParaRPr dirty="0"/>
+          </a:p>
+          <a:p>
+            <a:pPr marL="0" lvl="0" indent="0">
+              <a:spcBef>
+                <a:spcPts val="1600"/>
+              </a:spcBef>
+              <a:spcAft>
+                <a:spcPts val="1600"/>
+              </a:spcAft>
+              <a:buNone/>
+            </a:pPr>
+            <a:r>
+              <a:rPr lang="zh-CN" dirty="0"/>
+              <a:t>Groups - </a:t>
+            </a:r>
+            <a:r>
+              <a:rPr lang="zh-CN" sz="1350" dirty="0">
+                <a:solidFill>
+                  <a:srgbClr val="333333"/>
+                </a:solidFill>
+                <a:highlight>
+                  <a:srgbClr val="FFFFFF"/>
+                </a:highlight>
+              </a:rPr>
+              <a:t>Each Group ID belongs to certain groups such as inet for internet, sdcard_rw for External storage read-write, etc.</a:t>
+            </a:r>
+            <a:endParaRPr dirty="0"/>
+          </a:p>
+        </p:txBody>
+      </p:sp>
+      <p:pic>
+        <p:nvPicPr>
+          <p:cNvPr id="2" name="Picture 1"/>
+          <p:cNvPicPr>
+            <a:picLocks noChangeAspect="1"/>
+          </p:cNvPicPr>
+          <p:nvPr/>
+        </p:nvPicPr>
+        <p:blipFill>
+          <a:blip r:embed="rId3">
+            <a:extLst>
+              <a:ext uri="{28A0092B-C50C-407E-A947-70E740481C1C}">
+                <a14:useLocalDpi xmlns:a14="http://schemas.microsoft.com/office/drawing/2010/main" val="0"/>
+              </a:ext>
+            </a:extLst>
+          </a:blip>
+          <a:stretch>
+            <a:fillRect/>
+          </a:stretch>
+        </p:blipFill>
+        <p:spPr>
+          <a:xfrm>
+            <a:off x="405564" y="3119654"/>
+            <a:ext cx="6163535" cy="657317"/>
+          </a:xfrm>
+          <a:prstGeom prst="rect">
+            <a:avLst/>
+          </a:prstGeom>
+        </p:spPr>
+      </p:pic>
+      <p:pic>
+        <p:nvPicPr>
+          <p:cNvPr id="3" name="Picture 2"/>
+          <p:cNvPicPr>
+            <a:picLocks noChangeAspect="1"/>
+          </p:cNvPicPr>
+          <p:nvPr/>
+        </p:nvPicPr>
+        <p:blipFill>
+          <a:blip r:embed="rId4">
+            <a:extLst>
+              <a:ext uri="{28A0092B-C50C-407E-A947-70E740481C1C}">
+                <a14:useLocalDpi xmlns:a14="http://schemas.microsoft.com/office/drawing/2010/main" val="0"/>
+              </a:ext>
+            </a:extLst>
+          </a:blip>
+          <a:stretch>
+            <a:fillRect/>
+          </a:stretch>
+        </p:blipFill>
+        <p:spPr>
+          <a:xfrm>
+            <a:off x="4146613" y="2860675"/>
+            <a:ext cx="3953427" cy="2152950"/>
+          </a:xfrm>
+          <a:prstGeom prst="rect">
+            <a:avLst/>
+          </a:prstGeom>
+        </p:spPr>
+      </p:pic>
+    </p:spTree>
+  </p:cSld>
+  <p:clrMapOvr>
+    <a:masterClrMapping/>
+  </p:clrMapOvr>
+  <p:timing>
+    <p:tnLst>
+      <p:par>
+        <p:cTn id="1" dur="indefinite" restart="never" nodeType="tmRoot"/>
+      </p:par>
+    </p:tnLst>
+  </p:timing>
+</p:sld>
+</file>
+
+<file path=ppt/slides/slide4.xml><?xml version="1.0" encoding="utf-8"?>
+<p:sld xmlns:a="http://schemas.openxmlformats.org/drawingml/2006/main" xmlns:r="http://schemas.openxmlformats.org/officeDocument/2006/relationships" xmlns:p="http://schemas.openxmlformats.org/presentationml/2006/main">
+  <p:cSld>
+    <p:spTree>
+      <p:nvGrpSpPr>
+        <p:cNvPr id="1" name=""/>
+        <p:cNvGrpSpPr/>
+        <p:nvPr/>
+      </p:nvGrpSpPr>
+      <p:grpSpPr>
+        <a:xfrm>
+          <a:off x="0" y="0"/>
+          <a:ext cx="0" cy="0"/>
+          <a:chOff x="0" y="0"/>
+          <a:chExt cx="0" cy="0"/>
+        </a:xfrm>
+      </p:grpSpPr>
+      <p:sp>
+        <p:nvSpPr>
+          <p:cNvPr id="2" name="Title 1"/>
+          <p:cNvSpPr>
+            <a:spLocks noGrp="1"/>
+          </p:cNvSpPr>
+          <p:nvPr>
+            <p:ph type="title"/>
+          </p:nvPr>
+        </p:nvSpPr>
+        <p:spPr/>
+        <p:txBody>
+          <a:bodyPr/>
+          <a:lstStyle/>
+          <a:p>
+            <a:r>
+              <a:rPr lang="en-US" altLang="zh-CN" dirty="0" smtClean="0"/>
+              <a:t>Android Permission</a:t>
+            </a:r>
+            <a:endParaRPr lang="zh-CN" altLang="en-US" dirty="0"/>
+          </a:p>
+        </p:txBody>
+      </p:sp>
+      <p:sp>
+        <p:nvSpPr>
+          <p:cNvPr id="3" name="Text Placeholder 2"/>
+          <p:cNvSpPr>
+            <a:spLocks noGrp="1"/>
+          </p:cNvSpPr>
+          <p:nvPr>
+            <p:ph type="body" idx="1"/>
+          </p:nvPr>
+        </p:nvSpPr>
+        <p:spPr/>
+        <p:txBody>
+          <a:bodyPr/>
+          <a:lstStyle/>
+          <a:p>
+            <a:r>
+              <a:rPr lang="en-US" altLang="zh-CN" dirty="0" smtClean="0"/>
+              <a:t>Android M Less</a:t>
+            </a:r>
+          </a:p>
+          <a:p>
+            <a:pPr lvl="1">
+              <a:buFont typeface="Wingdings" panose="05000000000000000000" pitchFamily="2" charset="2"/>
+              <a:buChar char="n"/>
+            </a:pPr>
+            <a:r>
+              <a:rPr lang="en-US" altLang="zh-CN" dirty="0" smtClean="0"/>
+              <a:t>Install Permission</a:t>
+            </a:r>
+          </a:p>
+          <a:p>
+            <a:pPr lvl="1">
+              <a:buFont typeface="Wingdings" panose="05000000000000000000" pitchFamily="2" charset="2"/>
+              <a:buChar char="n"/>
+            </a:pPr>
+            <a:r>
+              <a:rPr lang="en-US" altLang="zh-CN" dirty="0" smtClean="0"/>
+              <a:t>/data/system/packages.xml</a:t>
+            </a:r>
+            <a:endParaRPr lang="zh-CN" altLang="en-US" dirty="0"/>
+          </a:p>
+        </p:txBody>
+      </p:sp>
+      <p:pic>
+        <p:nvPicPr>
+          <p:cNvPr id="4" name="图片 1"/>
+          <p:cNvPicPr/>
+          <p:nvPr/>
+        </p:nvPicPr>
+        <p:blipFill>
+          <a:blip r:embed="rId2">
+            <a:extLst>
+              <a:ext uri="{28A0092B-C50C-407E-A947-70E740481C1C}">
+                <a14:useLocalDpi xmlns:a14="http://schemas.microsoft.com/office/drawing/2010/main" val="0"/>
+              </a:ext>
+            </a:extLst>
+          </a:blip>
+          <a:stretch>
+            <a:fillRect/>
+          </a:stretch>
+        </p:blipFill>
+        <p:spPr>
+          <a:xfrm>
+            <a:off x="988914" y="2542671"/>
+            <a:ext cx="5274310" cy="1483360"/>
+          </a:xfrm>
+          <a:prstGeom prst="rect">
+            <a:avLst/>
+          </a:prstGeom>
+        </p:spPr>
+      </p:pic>
+    </p:spTree>
+    <p:extLst>
+      <p:ext uri="{BB962C8B-B14F-4D97-AF65-F5344CB8AC3E}">
+        <p14:creationId xmlns:p14="http://schemas.microsoft.com/office/powerpoint/2010/main" val="3207081731"/>
+      </p:ext>
+    </p:extLst>
+  </p:cSld>
+  <p:clrMapOvr>
+    <a:masterClrMapping/>
+  </p:clrMapOvr>
+  <p:timing>
+    <p:tnLst>
+      <p:par>
+        <p:cTn id="1" dur="indefinite" restart="never" nodeType="tmRoot"/>
+      </p:par>
+    </p:tnLst>
+  </p:timing>
+</p:sld>
+</file>
+
+<file path=ppt/slides/slide5.xml><?xml version="1.0" encoding="utf-8"?>
+<p:sld xmlns:a="http://schemas.openxmlformats.org/drawingml/2006/main" xmlns:r="http://schemas.openxmlformats.org/officeDocument/2006/relationships" xmlns:p="http://schemas.openxmlformats.org/presentationml/2006/main">
+  <p:cSld>
+    <p:spTree>
+      <p:nvGrpSpPr>
+        <p:cNvPr id="1" name=""/>
+        <p:cNvGrpSpPr/>
+        <p:nvPr/>
+      </p:nvGrpSpPr>
+      <p:grpSpPr>
+        <a:xfrm>
+          <a:off x="0" y="0"/>
+          <a:ext cx="0" cy="0"/>
+          <a:chOff x="0" y="0"/>
+          <a:chExt cx="0" cy="0"/>
+        </a:xfrm>
+      </p:grpSpPr>
+      <p:sp>
+        <p:nvSpPr>
+          <p:cNvPr id="2" name="Title 1"/>
+          <p:cNvSpPr>
+            <a:spLocks noGrp="1"/>
+          </p:cNvSpPr>
+          <p:nvPr>
+            <p:ph type="title"/>
+          </p:nvPr>
+        </p:nvSpPr>
+        <p:spPr/>
+        <p:txBody>
+          <a:bodyPr/>
+          <a:lstStyle/>
+          <a:p>
+            <a:r>
+              <a:rPr lang="en-US" altLang="zh-CN" dirty="0" smtClean="0"/>
+              <a:t>Android Permission</a:t>
+            </a:r>
+            <a:endParaRPr lang="zh-CN" altLang="en-US" dirty="0"/>
+          </a:p>
+        </p:txBody>
+      </p:sp>
+      <p:sp>
+        <p:nvSpPr>
+          <p:cNvPr id="3" name="Text Placeholder 2"/>
+          <p:cNvSpPr>
+            <a:spLocks noGrp="1"/>
+          </p:cNvSpPr>
+          <p:nvPr>
+            <p:ph type="body" idx="1"/>
+          </p:nvPr>
+        </p:nvSpPr>
+        <p:spPr/>
+        <p:txBody>
+          <a:bodyPr/>
+          <a:lstStyle/>
+          <a:p>
+            <a:r>
+              <a:rPr lang="en-US" altLang="zh-CN" dirty="0" smtClean="0"/>
+              <a:t>Android M 6.0</a:t>
+            </a:r>
+          </a:p>
+          <a:p>
+            <a:r>
+              <a:rPr lang="en-US" altLang="zh-CN" dirty="0" smtClean="0"/>
+              <a:t>Permission Category</a:t>
+            </a:r>
+          </a:p>
+          <a:p>
+            <a:pPr lvl="1">
+              <a:buFont typeface="Wingdings" panose="05000000000000000000" pitchFamily="2" charset="2"/>
+              <a:buChar char="n"/>
+            </a:pPr>
+            <a:r>
+              <a:rPr lang="en-US" altLang="zh-CN" dirty="0" smtClean="0"/>
+              <a:t>Normal , Dangerous</a:t>
+            </a:r>
+          </a:p>
+          <a:p>
+            <a:pPr lvl="1">
+              <a:buFont typeface="Wingdings" panose="05000000000000000000" pitchFamily="2" charset="2"/>
+              <a:buChar char="n"/>
+            </a:pPr>
+            <a:r>
+              <a:rPr lang="en-US" altLang="zh-CN" dirty="0" smtClean="0"/>
+              <a:t>frameworks/base/core/res/AndroidManifest.xml</a:t>
+            </a:r>
+          </a:p>
+          <a:p>
+            <a:pPr lvl="1">
+              <a:buFont typeface="Wingdings" panose="05000000000000000000" pitchFamily="2" charset="2"/>
+              <a:buChar char="n"/>
+            </a:pPr>
+            <a:r>
+              <a:rPr lang="en-US" altLang="zh-CN" dirty="0" smtClean="0"/>
+              <a:t>Frameworks/base/data/</a:t>
+            </a:r>
+            <a:r>
+              <a:rPr lang="en-US" altLang="zh-CN" dirty="0" err="1" smtClean="0"/>
+              <a:t>etc</a:t>
+            </a:r>
+            <a:r>
+              <a:rPr lang="en-US" altLang="zh-CN" dirty="0" smtClean="0"/>
+              <a:t>/platform.xml</a:t>
+            </a:r>
+          </a:p>
+          <a:p>
+            <a:pPr lvl="1">
+              <a:buFont typeface="Wingdings" panose="05000000000000000000" pitchFamily="2" charset="2"/>
+              <a:buChar char="n"/>
+            </a:pPr>
+            <a:r>
+              <a:rPr lang="en-US" altLang="zh-CN" dirty="0" smtClean="0"/>
+              <a:t>System/core/include/private/</a:t>
+            </a:r>
+            <a:r>
+              <a:rPr lang="en-US" altLang="zh-CN" dirty="0" err="1" smtClean="0"/>
+              <a:t>android_filesystem_config.h</a:t>
+            </a:r>
+            <a:endParaRPr lang="zh-CN" altLang="zh-CN" dirty="0"/>
+          </a:p>
+        </p:txBody>
+      </p:sp>
+    </p:spTree>
+    <p:extLst>
+      <p:ext uri="{BB962C8B-B14F-4D97-AF65-F5344CB8AC3E}">
+        <p14:creationId xmlns:p14="http://schemas.microsoft.com/office/powerpoint/2010/main" val="1417651468"/>
+      </p:ext>
+    </p:extLst>
+  </p:cSld>
+  <p:clrMapOvr>
+    <a:masterClrMapping/>
+  </p:clrMapOvr>
+  <p:timing>
+    <p:tnLst>
+      <p:par>
+        <p:cTn id="1" dur="indefinite" restart="never" nodeType="tmRoot"/>
+      </p:par>
+    </p:tnLst>
+  </p:timing>
+</p:sld>
+</file>
+
+<file path=ppt/slides/slide6.xml><?xml version="1.0" encoding="utf-8"?>
+<p:sld xmlns:a="http://schemas.openxmlformats.org/drawingml/2006/main" xmlns:r="http://schemas.openxmlformats.org/officeDocument/2006/relationships" xmlns:p="http://schemas.openxmlformats.org/presentationml/2006/main">
+  <p:cSld>
+    <p:spTree>
+      <p:nvGrpSpPr>
+        <p:cNvPr id="1" name=""/>
+        <p:cNvGrpSpPr/>
+        <p:nvPr/>
+      </p:nvGrpSpPr>
+      <p:grpSpPr>
+        <a:xfrm>
+          <a:off x="0" y="0"/>
+          <a:ext cx="0" cy="0"/>
+          <a:chOff x="0" y="0"/>
+          <a:chExt cx="0" cy="0"/>
+        </a:xfrm>
+      </p:grpSpPr>
+      <p:sp>
+        <p:nvSpPr>
+          <p:cNvPr id="2" name="Title 1"/>
+          <p:cNvSpPr>
+            <a:spLocks noGrp="1"/>
+          </p:cNvSpPr>
+          <p:nvPr>
+            <p:ph type="title"/>
+          </p:nvPr>
+        </p:nvSpPr>
+        <p:spPr/>
+        <p:txBody>
+          <a:bodyPr/>
+          <a:lstStyle/>
+          <a:p>
+            <a:r>
+              <a:rPr lang="en-US" altLang="zh-CN" dirty="0" smtClean="0"/>
+              <a:t>Android Permission</a:t>
+            </a:r>
+            <a:endParaRPr lang="zh-CN" altLang="en-US" dirty="0"/>
+          </a:p>
+        </p:txBody>
+      </p:sp>
+      <p:sp>
+        <p:nvSpPr>
+          <p:cNvPr id="3" name="Text Placeholder 2"/>
+          <p:cNvSpPr>
+            <a:spLocks noGrp="1"/>
+          </p:cNvSpPr>
+          <p:nvPr>
+            <p:ph type="body" idx="1"/>
+          </p:nvPr>
+        </p:nvSpPr>
+        <p:spPr/>
+        <p:txBody>
+          <a:bodyPr/>
+          <a:lstStyle/>
+          <a:p>
+            <a:r>
+              <a:rPr lang="en-US" altLang="zh-CN" dirty="0" smtClean="0"/>
+              <a:t>Install Permission</a:t>
+            </a:r>
+          </a:p>
+          <a:p>
+            <a:r>
+              <a:rPr lang="en-US" altLang="zh-CN" dirty="0" smtClean="0"/>
+              <a:t>/data/system/packages.xml</a:t>
+            </a:r>
+          </a:p>
+          <a:p>
+            <a:endParaRPr lang="zh-CN" altLang="en-US" dirty="0"/>
+          </a:p>
+        </p:txBody>
+      </p:sp>
+      <p:pic>
+        <p:nvPicPr>
+          <p:cNvPr id="4" name="图片 4"/>
+          <p:cNvPicPr/>
+          <p:nvPr/>
+        </p:nvPicPr>
+        <p:blipFill>
+          <a:blip r:embed="rId2">
+            <a:extLst>
+              <a:ext uri="{28A0092B-C50C-407E-A947-70E740481C1C}">
+                <a14:useLocalDpi xmlns:a14="http://schemas.microsoft.com/office/drawing/2010/main" val="0"/>
+              </a:ext>
+            </a:extLst>
+          </a:blip>
+          <a:stretch>
+            <a:fillRect/>
+          </a:stretch>
+        </p:blipFill>
+        <p:spPr>
+          <a:xfrm>
+            <a:off x="698829" y="2360810"/>
+            <a:ext cx="5274310" cy="1279525"/>
+          </a:xfrm>
+          <a:prstGeom prst="rect">
+            <a:avLst/>
+          </a:prstGeom>
+        </p:spPr>
+      </p:pic>
+    </p:spTree>
+    <p:extLst>
+      <p:ext uri="{BB962C8B-B14F-4D97-AF65-F5344CB8AC3E}">
+        <p14:creationId xmlns:p14="http://schemas.microsoft.com/office/powerpoint/2010/main" val="4146049720"/>
+      </p:ext>
+    </p:extLst>
+  </p:cSld>
+  <p:clrMapOvr>
+    <a:masterClrMapping/>
+  </p:clrMapOvr>
+  <p:timing>
+    <p:tnLst>
+      <p:par>
+        <p:cTn id="1" dur="indefinite" restart="never" nodeType="tmRoot"/>
+      </p:par>
+    </p:tnLst>
+  </p:timing>
+</p:sld>
+</file>
+
+<file path=ppt/slides/slide7.xml><?xml version="1.0" encoding="utf-8"?>
+<p:sld xmlns:a="http://schemas.openxmlformats.org/drawingml/2006/main" xmlns:r="http://schemas.openxmlformats.org/officeDocument/2006/relationships" xmlns:p="http://schemas.openxmlformats.org/presentationml/2006/main">
+  <p:cSld>
+    <p:spTree>
+      <p:nvGrpSpPr>
+        <p:cNvPr id="1" name=""/>
+        <p:cNvGrpSpPr/>
+        <p:nvPr/>
+      </p:nvGrpSpPr>
+      <p:grpSpPr>
+        <a:xfrm>
+          <a:off x="0" y="0"/>
+          <a:ext cx="0" cy="0"/>
+          <a:chOff x="0" y="0"/>
+          <a:chExt cx="0" cy="0"/>
+        </a:xfrm>
+      </p:grpSpPr>
+      <p:sp>
+        <p:nvSpPr>
+          <p:cNvPr id="2" name="Title 1"/>
+          <p:cNvSpPr>
+            <a:spLocks noGrp="1"/>
+          </p:cNvSpPr>
+          <p:nvPr>
+            <p:ph type="title"/>
+          </p:nvPr>
+        </p:nvSpPr>
+        <p:spPr/>
+        <p:txBody>
+          <a:bodyPr/>
+          <a:lstStyle/>
+          <a:p>
+            <a:r>
+              <a:rPr lang="en-US" altLang="zh-CN" dirty="0" smtClean="0"/>
+              <a:t>Android Permission</a:t>
+            </a:r>
+            <a:endParaRPr lang="zh-CN" altLang="en-US" dirty="0"/>
+          </a:p>
+        </p:txBody>
+      </p:sp>
+      <p:sp>
+        <p:nvSpPr>
+          <p:cNvPr id="3" name="Text Placeholder 2"/>
+          <p:cNvSpPr>
+            <a:spLocks noGrp="1"/>
+          </p:cNvSpPr>
+          <p:nvPr>
+            <p:ph type="body" idx="1"/>
+          </p:nvPr>
+        </p:nvSpPr>
+        <p:spPr/>
+        <p:txBody>
+          <a:bodyPr/>
+          <a:lstStyle/>
+          <a:p>
+            <a:r>
+              <a:rPr lang="en-US" altLang="zh-CN" dirty="0" smtClean="0"/>
+              <a:t>Runtime Permission</a:t>
+            </a:r>
+          </a:p>
+          <a:p>
+            <a:r>
+              <a:rPr lang="en-US" altLang="zh-CN" dirty="0"/>
+              <a:t>/data/system/users/0/runtime-permissions.xml</a:t>
+            </a:r>
+            <a:endParaRPr lang="zh-CN" altLang="zh-CN" dirty="0"/>
+          </a:p>
+          <a:p>
+            <a:endParaRPr lang="zh-CN" altLang="en-US" dirty="0"/>
+          </a:p>
+        </p:txBody>
+      </p:sp>
+      <p:pic>
+        <p:nvPicPr>
+          <p:cNvPr id="4" name="图片 5"/>
+          <p:cNvPicPr/>
+          <p:nvPr/>
+        </p:nvPicPr>
+        <p:blipFill>
+          <a:blip r:embed="rId2">
+            <a:extLst>
+              <a:ext uri="{28A0092B-C50C-407E-A947-70E740481C1C}">
+                <a14:useLocalDpi xmlns:a14="http://schemas.microsoft.com/office/drawing/2010/main" val="0"/>
+              </a:ext>
+            </a:extLst>
+          </a:blip>
+          <a:stretch>
+            <a:fillRect/>
+          </a:stretch>
+        </p:blipFill>
+        <p:spPr>
+          <a:xfrm>
+            <a:off x="698828" y="2159044"/>
+            <a:ext cx="5274310" cy="812800"/>
+          </a:xfrm>
+          <a:prstGeom prst="rect">
+            <a:avLst/>
+          </a:prstGeom>
+        </p:spPr>
+      </p:pic>
+    </p:spTree>
+    <p:extLst>
+      <p:ext uri="{BB962C8B-B14F-4D97-AF65-F5344CB8AC3E}">
+        <p14:creationId xmlns:p14="http://schemas.microsoft.com/office/powerpoint/2010/main" val="585970848"/>
+      </p:ext>
+    </p:extLst>
+  </p:cSld>
+  <p:clrMapOvr>
+    <a:masterClrMapping/>
+  </p:clrMapOvr>
+  <p:timing>
+    <p:tnLst>
+      <p:par>
+        <p:cTn id="1" dur="indefinite" restart="never" nodeType="tmRoot"/>
+      </p:par>
+    </p:tnLst>
+  </p:timing>
+</p:sld>
+</file>
+
+<file path=ppt/slides/slide8.xml><?xml version="1.0" encoding="utf-8"?>
+<p:sld xmlns:a="http://schemas.openxmlformats.org/drawingml/2006/main" xmlns:r="http://schemas.openxmlformats.org/officeDocument/2006/relationships" xmlns:p="http://schemas.openxmlformats.org/presentationml/2006/main">
+  <p:cSld>
+    <p:spTree>
+      <p:nvGrpSpPr>
+        <p:cNvPr id="1" name=""/>
+        <p:cNvGrpSpPr/>
+        <p:nvPr/>
+      </p:nvGrpSpPr>
+      <p:grpSpPr>
+        <a:xfrm>
+          <a:off x="0" y="0"/>
+          <a:ext cx="0" cy="0"/>
+          <a:chOff x="0" y="0"/>
+          <a:chExt cx="0" cy="0"/>
+        </a:xfrm>
+      </p:grpSpPr>
+      <p:sp>
+        <p:nvSpPr>
+          <p:cNvPr id="2" name="Title 1"/>
+          <p:cNvSpPr>
+            <a:spLocks noGrp="1"/>
+          </p:cNvSpPr>
+          <p:nvPr>
+            <p:ph type="title"/>
+          </p:nvPr>
+        </p:nvSpPr>
+        <p:spPr/>
+        <p:txBody>
+          <a:bodyPr/>
+          <a:lstStyle/>
+          <a:p>
+            <a:r>
+              <a:rPr lang="en-US" altLang="zh-CN" dirty="0" smtClean="0"/>
+              <a:t>Android Permission</a:t>
+            </a:r>
+            <a:endParaRPr lang="zh-CN" altLang="en-US" dirty="0"/>
+          </a:p>
+        </p:txBody>
+      </p:sp>
+      <p:sp>
+        <p:nvSpPr>
+          <p:cNvPr id="3" name="Text Placeholder 2"/>
+          <p:cNvSpPr>
+            <a:spLocks noGrp="1"/>
+          </p:cNvSpPr>
+          <p:nvPr>
+            <p:ph type="body" idx="1"/>
+          </p:nvPr>
+        </p:nvSpPr>
+        <p:spPr/>
+        <p:txBody>
+          <a:bodyPr/>
+          <a:lstStyle/>
+          <a:p>
+            <a:r>
+              <a:rPr lang="en-US" altLang="zh-CN" dirty="0" smtClean="0"/>
+              <a:t>Compatible</a:t>
+            </a:r>
+          </a:p>
+          <a:p>
+            <a:r>
+              <a:rPr lang="en-US" altLang="zh-CN" dirty="0" smtClean="0"/>
+              <a:t>App target </a:t>
+            </a:r>
+            <a:r>
+              <a:rPr lang="en-US" altLang="zh-CN" dirty="0" err="1" smtClean="0"/>
+              <a:t>sdk</a:t>
+            </a:r>
+            <a:r>
+              <a:rPr lang="en-US" altLang="zh-CN" dirty="0" smtClean="0"/>
+              <a:t> version &lt; 23 run on Android 6.0</a:t>
+            </a:r>
+          </a:p>
+          <a:p>
+            <a:endParaRPr lang="zh-CN" altLang="en-US" dirty="0"/>
+          </a:p>
+        </p:txBody>
+      </p:sp>
+      <p:pic>
+        <p:nvPicPr>
+          <p:cNvPr id="4" name="图片 2"/>
+          <p:cNvPicPr/>
+          <p:nvPr/>
+        </p:nvPicPr>
+        <p:blipFill>
+          <a:blip r:embed="rId2">
+            <a:extLst>
+              <a:ext uri="{28A0092B-C50C-407E-A947-70E740481C1C}">
+                <a14:useLocalDpi xmlns:a14="http://schemas.microsoft.com/office/drawing/2010/main" val="0"/>
+              </a:ext>
+            </a:extLst>
+          </a:blip>
+          <a:stretch>
+            <a:fillRect/>
+          </a:stretch>
+        </p:blipFill>
+        <p:spPr>
+          <a:xfrm>
+            <a:off x="837565" y="1893964"/>
+            <a:ext cx="5274310" cy="1607820"/>
+          </a:xfrm>
+          <a:prstGeom prst="rect">
+            <a:avLst/>
+          </a:prstGeom>
+        </p:spPr>
+      </p:pic>
+      <p:pic>
+        <p:nvPicPr>
+          <p:cNvPr id="5" name="Picture 4"/>
+          <p:cNvPicPr>
+            <a:picLocks noChangeAspect="1"/>
+          </p:cNvPicPr>
+          <p:nvPr/>
+        </p:nvPicPr>
+        <p:blipFill>
+          <a:blip r:embed="rId3">
+            <a:extLst>
+              <a:ext uri="{28A0092B-C50C-407E-A947-70E740481C1C}">
+                <a14:useLocalDpi xmlns:a14="http://schemas.microsoft.com/office/drawing/2010/main" val="0"/>
+              </a:ext>
+            </a:extLst>
+          </a:blip>
+          <a:stretch>
+            <a:fillRect/>
+          </a:stretch>
+        </p:blipFill>
+        <p:spPr>
+          <a:xfrm>
+            <a:off x="6637740" y="1017725"/>
+            <a:ext cx="1888043" cy="3453377"/>
+          </a:xfrm>
+          <a:prstGeom prst="rect">
+            <a:avLst/>
+          </a:prstGeom>
+        </p:spPr>
+      </p:pic>
+    </p:spTree>
+    <p:extLst>
+      <p:ext uri="{BB962C8B-B14F-4D97-AF65-F5344CB8AC3E}">
+        <p14:creationId xmlns:p14="http://schemas.microsoft.com/office/powerpoint/2010/main" val="3253369534"/>
+      </p:ext>
+    </p:extLst>
+  </p:cSld>
+  <p:clrMapOvr>
+    <a:masterClrMapping/>
+  </p:clrMapOvr>
+  <p:timing>
+    <p:tnLst>
+      <p:par>
+        <p:cTn id="1" dur="indefinite" restart="never" nodeType="tmRoot"/>
+      </p:par>
+    </p:tnLst>
+  </p:timing>
+</p:sld>
+</file>
+
+<file path=ppt/slides/slide9.xml><?xml version="1.0" encoding="utf-8"?>
+<p:sld xmlns:a="http://schemas.openxmlformats.org/drawingml/2006/main" xmlns:r="http://schemas.openxmlformats.org/officeDocument/2006/relationships" xmlns:p="http://schemas.openxmlformats.org/presentationml/2006/main">
+  <p:cSld>
+    <p:spTree>
+      <p:nvGrpSpPr>
+        <p:cNvPr id="1" name=""/>
+        <p:cNvGrpSpPr/>
+        <p:nvPr/>
+      </p:nvGrpSpPr>
+      <p:grpSpPr>
+        <a:xfrm>
+          <a:off x="0" y="0"/>
+          <a:ext cx="0" cy="0"/>
+          <a:chOff x="0" y="0"/>
+          <a:chExt cx="0" cy="0"/>
+        </a:xfrm>
+      </p:grpSpPr>
+      <p:sp>
+        <p:nvSpPr>
+          <p:cNvPr id="2" name="Title 1"/>
+          <p:cNvSpPr>
+            <a:spLocks noGrp="1"/>
+          </p:cNvSpPr>
+          <p:nvPr>
+            <p:ph type="title"/>
+          </p:nvPr>
+        </p:nvSpPr>
+        <p:spPr/>
+        <p:txBody>
+          <a:bodyPr/>
+          <a:lstStyle/>
+          <a:p>
+            <a:r>
+              <a:rPr lang="en-US" altLang="zh-CN" dirty="0" smtClean="0"/>
+              <a:t>Custom ROM</a:t>
+            </a:r>
+            <a:endParaRPr lang="zh-CN" altLang="en-US" dirty="0"/>
+          </a:p>
+        </p:txBody>
+      </p:sp>
+      <p:sp>
+        <p:nvSpPr>
+          <p:cNvPr id="3" name="Text Placeholder 2"/>
+          <p:cNvSpPr>
+            <a:spLocks noGrp="1"/>
+          </p:cNvSpPr>
+          <p:nvPr>
+            <p:ph type="body" idx="1"/>
+          </p:nvPr>
+        </p:nvSpPr>
+        <p:spPr/>
+        <p:txBody>
+          <a:bodyPr/>
+          <a:lstStyle/>
+          <a:p>
+            <a:r>
+              <a:rPr lang="en-US" altLang="zh-CN" dirty="0" smtClean="0"/>
+              <a:t>Security Center</a:t>
+            </a:r>
+          </a:p>
+          <a:p>
+            <a:pPr marL="114300" indent="0">
+              <a:buNone/>
+            </a:pPr>
+            <a:endParaRPr lang="en-US" altLang="zh-CN" dirty="0" smtClean="0"/>
+          </a:p>
+        </p:txBody>
+      </p:sp>
+    </p:spTree>
+    <p:extLst>
+      <p:ext uri="{BB962C8B-B14F-4D97-AF65-F5344CB8AC3E}">
+        <p14:creationId xmlns:p14="http://schemas.microsoft.com/office/powerpoint/2010/main" val="3945760261"/>
+      </p:ext>
+    </p:extLst>
+  </p:cSld>
+  <p:clrMapOvr>
+    <a:masterClrMapping/>
+  </p:clrMapOvr>
+  <p:timing>
+    <p:tnLst>
+      <p:par>
+        <p:cTn id="1" dur="indefinite" restart="never" nodeType="tmRoot"/>
+      </p:par>
+    </p:tnLst>
+  </p:timing>
 </p:sld>
 </file>
 
 <file path=ppt/theme/theme1.xml><?xml version="1.0" encoding="utf-8"?>
-<a:theme xmlns:a="http://schemas.openxmlformats.org/drawingml/2006/main" xmlns:r="http://schemas.openxmlformats.org/officeDocument/2006/relationships" name="Simple Light">
+<a:theme xmlns:a="http://schemas.openxmlformats.org/drawingml/2006/main" name="Simple Light">
   <a:themeElements>
     <a:clrScheme name="Simple Light">
       <a:dk1>
@@ -8429,11 +10127,13 @@
       </a:bgFillStyleLst>
     </a:fmtScheme>
   </a:themeElements>
+  <a:objectDefaults/>
+  <a:extraClrSchemeLst/>
 </a:theme>
 </file>
 
 <file path=ppt/theme/theme2.xml><?xml version="1.0" encoding="utf-8"?>
-<a:theme xmlns:a="http://schemas.openxmlformats.org/drawingml/2006/main" xmlns:r="http://schemas.openxmlformats.org/officeDocument/2006/relationships">
+<a:theme xmlns:a="http://schemas.openxmlformats.org/drawingml/2006/main">
   <a:themeElements>
     <a:clrScheme name="Default">
       <a:dk1>
@@ -8708,5 +10408,7 @@
       </a:bgFillStyleLst>
     </a:fmtScheme>
   </a:themeElements>
+  <a:objectDefaults/>
+  <a:extraClrSchemeLst/>
 </a:theme>
 </file>